--- a/vilhuber-sachdev-nizard-2026.pptx
+++ b/vilhuber-sachdev-nizard-2026.pptx
@@ -20,467 +20,6 @@
   <p:sldSz cx="32918400" cy="43891200"/>
   <p:notesSz cx="7772400" cy="10058400"/>
 </p:presentation>
-</file>
-
-<file path=ppt/charts/chart1.xml><?xml version="1.0" encoding="utf-8"?>
-<c:chartSpace xmlns:c="http://schemas.openxmlformats.org/drawingml/2006/chart" xmlns:a="http://schemas.openxmlformats.org/drawingml/2006/main" xmlns:r="http://schemas.openxmlformats.org/officeDocument/2006/relationships">
-  <c:lang val="en-US"/>
-  <c:roundedCorners val="0"/>
-  <c:chart>
-    <c:autoTitleDeleted val="1"/>
-    <c:plotArea>
-      <c:barChart>
-        <c:barDir val="col"/>
-        <c:grouping val="clustered"/>
-        <c:varyColors val="0"/>
-        <c:ser>
-          <c:idx val="0"/>
-          <c:order val="0"/>
-          <c:tx>
-            <c:strRef>
-              <c:f>label 0</c:f>
-              <c:strCache>
-                <c:ptCount val="1"/>
-                <c:pt idx="0">
-                  <c:v>Series 1</c:v>
-                </c:pt>
-              </c:strCache>
-            </c:strRef>
-          </c:tx>
-          <c:spPr>
-            <a:solidFill>
-              <a:srgbClr val="4b80b0"/>
-            </a:solidFill>
-            <a:ln w="0">
-              <a:noFill/>
-            </a:ln>
-          </c:spPr>
-          <c:invertIfNegative val="0"/>
-          <c:dLbls>
-            <c:txPr>
-              <a:bodyPr wrap="square"/>
-              <a:lstStyle/>
-              <a:p>
-                <a:pPr>
-                  <a:defRPr b="0" sz="1800" strike="noStrike" u="none">
-                    <a:solidFill>
-                      <a:srgbClr val="000000"/>
-                    </a:solidFill>
-                    <a:uFillTx/>
-                    <a:latin typeface="Calibri"/>
-                  </a:defRPr>
-                </a:pPr>
-              </a:p>
-            </c:txPr>
-            <c:dLblPos val="outEnd"/>
-            <c:showLegendKey val="0"/>
-            <c:showVal val="0"/>
-            <c:showCatName val="0"/>
-            <c:showSerName val="0"/>
-            <c:showPercent val="0"/>
-            <c:separator>; </c:separator>
-            <c:showLeaderLines val="1"/>
-            <c:leaderLines>
-              <c:spPr>
-                <a:ln w="0">
-                  <a:solidFill>
-                    <a:srgbClr val="000000"/>
-                  </a:solidFill>
-                </a:ln>
-              </c:spPr>
-            </c:leaderLines>
-            <c:extLst>
-              <c:ext xmlns:c15="http://schemas.microsoft.com/office/drawing/2012/chart" uri="{CE6537A1-D6FC-4f65-9D91-7224C49458BB}">
-                <c15:showLeaderLines val="1"/>
-              </c:ext>
-            </c:extLst>
-          </c:dLbls>
-          <c:cat>
-            <c:strRef>
-              <c:f>categories</c:f>
-              <c:strCache>
-                <c:ptCount val="4"/>
-                <c:pt idx="0">
-                  <c:v>Category 1</c:v>
-                </c:pt>
-                <c:pt idx="1">
-                  <c:v>Category 2</c:v>
-                </c:pt>
-                <c:pt idx="2">
-                  <c:v>Category 3</c:v>
-                </c:pt>
-                <c:pt idx="3">
-                  <c:v>Category 4</c:v>
-                </c:pt>
-              </c:strCache>
-            </c:strRef>
-          </c:cat>
-          <c:val>
-            <c:numRef>
-              <c:f>0</c:f>
-              <c:numCache>
-                <c:formatCode>General</c:formatCode>
-                <c:ptCount val="4"/>
-                <c:pt idx="0">
-                  <c:v>4.3</c:v>
-                </c:pt>
-                <c:pt idx="1">
-                  <c:v>2.5</c:v>
-                </c:pt>
-                <c:pt idx="2">
-                  <c:v>3.5</c:v>
-                </c:pt>
-                <c:pt idx="3">
-                  <c:v>4.5</c:v>
-                </c:pt>
-              </c:numCache>
-            </c:numRef>
-          </c:val>
-        </c:ser>
-        <c:ser>
-          <c:idx val="1"/>
-          <c:order val="1"/>
-          <c:tx>
-            <c:strRef>
-              <c:f>label 1</c:f>
-              <c:strCache>
-                <c:ptCount val="1"/>
-                <c:pt idx="0">
-                  <c:v>Series 2</c:v>
-                </c:pt>
-              </c:strCache>
-            </c:strRef>
-          </c:tx>
-          <c:spPr>
-            <a:solidFill>
-              <a:srgbClr val="5b9bd5"/>
-            </a:solidFill>
-            <a:ln w="0">
-              <a:noFill/>
-            </a:ln>
-          </c:spPr>
-          <c:invertIfNegative val="0"/>
-          <c:dLbls>
-            <c:txPr>
-              <a:bodyPr wrap="square"/>
-              <a:lstStyle/>
-              <a:p>
-                <a:pPr>
-                  <a:defRPr b="0" sz="1800" strike="noStrike" u="none">
-                    <a:solidFill>
-                      <a:srgbClr val="000000"/>
-                    </a:solidFill>
-                    <a:uFillTx/>
-                    <a:latin typeface="Calibri"/>
-                  </a:defRPr>
-                </a:pPr>
-              </a:p>
-            </c:txPr>
-            <c:dLblPos val="outEnd"/>
-            <c:showLegendKey val="0"/>
-            <c:showVal val="0"/>
-            <c:showCatName val="0"/>
-            <c:showSerName val="0"/>
-            <c:showPercent val="0"/>
-            <c:separator>; </c:separator>
-            <c:showLeaderLines val="1"/>
-            <c:leaderLines>
-              <c:spPr>
-                <a:ln w="0">
-                  <a:solidFill>
-                    <a:srgbClr val="000000"/>
-                  </a:solidFill>
-                </a:ln>
-              </c:spPr>
-            </c:leaderLines>
-            <c:extLst>
-              <c:ext xmlns:c15="http://schemas.microsoft.com/office/drawing/2012/chart" uri="{CE6537A1-D6FC-4f65-9D91-7224C49458BB}">
-                <c15:showLeaderLines val="1"/>
-              </c:ext>
-            </c:extLst>
-          </c:dLbls>
-          <c:cat>
-            <c:strRef>
-              <c:f>categories</c:f>
-              <c:strCache>
-                <c:ptCount val="4"/>
-                <c:pt idx="0">
-                  <c:v>Category 1</c:v>
-                </c:pt>
-                <c:pt idx="1">
-                  <c:v>Category 2</c:v>
-                </c:pt>
-                <c:pt idx="2">
-                  <c:v>Category 3</c:v>
-                </c:pt>
-                <c:pt idx="3">
-                  <c:v>Category 4</c:v>
-                </c:pt>
-              </c:strCache>
-            </c:strRef>
-          </c:cat>
-          <c:val>
-            <c:numRef>
-              <c:f>1</c:f>
-              <c:numCache>
-                <c:formatCode>General</c:formatCode>
-                <c:ptCount val="4"/>
-                <c:pt idx="0">
-                  <c:v>2.4</c:v>
-                </c:pt>
-                <c:pt idx="1">
-                  <c:v>4.4</c:v>
-                </c:pt>
-                <c:pt idx="2">
-                  <c:v>1.8</c:v>
-                </c:pt>
-                <c:pt idx="3">
-                  <c:v>2.8</c:v>
-                </c:pt>
-              </c:numCache>
-            </c:numRef>
-          </c:val>
-        </c:ser>
-        <c:ser>
-          <c:idx val="2"/>
-          <c:order val="2"/>
-          <c:tx>
-            <c:strRef>
-              <c:f>label 2</c:f>
-              <c:strCache>
-                <c:ptCount val="1"/>
-                <c:pt idx="0">
-                  <c:v>Series 3</c:v>
-                </c:pt>
-              </c:strCache>
-            </c:strRef>
-          </c:tx>
-          <c:spPr>
-            <a:solidFill>
-              <a:srgbClr val="adc5e4"/>
-            </a:solidFill>
-            <a:ln w="0">
-              <a:noFill/>
-            </a:ln>
-          </c:spPr>
-          <c:invertIfNegative val="0"/>
-          <c:dLbls>
-            <c:txPr>
-              <a:bodyPr wrap="square"/>
-              <a:lstStyle/>
-              <a:p>
-                <a:pPr>
-                  <a:defRPr b="0" sz="1800" strike="noStrike" u="none">
-                    <a:solidFill>
-                      <a:srgbClr val="000000"/>
-                    </a:solidFill>
-                    <a:uFillTx/>
-                    <a:latin typeface="Calibri"/>
-                  </a:defRPr>
-                </a:pPr>
-              </a:p>
-            </c:txPr>
-            <c:dLblPos val="outEnd"/>
-            <c:showLegendKey val="0"/>
-            <c:showVal val="0"/>
-            <c:showCatName val="0"/>
-            <c:showSerName val="0"/>
-            <c:showPercent val="0"/>
-            <c:separator>; </c:separator>
-            <c:showLeaderLines val="1"/>
-            <c:leaderLines>
-              <c:spPr>
-                <a:ln w="0">
-                  <a:solidFill>
-                    <a:srgbClr val="000000"/>
-                  </a:solidFill>
-                </a:ln>
-              </c:spPr>
-            </c:leaderLines>
-            <c:extLst>
-              <c:ext xmlns:c15="http://schemas.microsoft.com/office/drawing/2012/chart" uri="{CE6537A1-D6FC-4f65-9D91-7224C49458BB}">
-                <c15:showLeaderLines val="1"/>
-              </c:ext>
-            </c:extLst>
-          </c:dLbls>
-          <c:cat>
-            <c:strRef>
-              <c:f>categories</c:f>
-              <c:strCache>
-                <c:ptCount val="4"/>
-                <c:pt idx="0">
-                  <c:v>Category 1</c:v>
-                </c:pt>
-                <c:pt idx="1">
-                  <c:v>Category 2</c:v>
-                </c:pt>
-                <c:pt idx="2">
-                  <c:v>Category 3</c:v>
-                </c:pt>
-                <c:pt idx="3">
-                  <c:v>Category 4</c:v>
-                </c:pt>
-              </c:strCache>
-            </c:strRef>
-          </c:cat>
-          <c:val>
-            <c:numRef>
-              <c:f>2</c:f>
-              <c:numCache>
-                <c:formatCode>General</c:formatCode>
-                <c:ptCount val="4"/>
-                <c:pt idx="0">
-                  <c:v>2</c:v>
-                </c:pt>
-                <c:pt idx="1">
-                  <c:v>2</c:v>
-                </c:pt>
-                <c:pt idx="2">
-                  <c:v>3</c:v>
-                </c:pt>
-                <c:pt idx="3">
-                  <c:v>3.4</c:v>
-                </c:pt>
-              </c:numCache>
-            </c:numRef>
-          </c:val>
-        </c:ser>
-        <c:gapWidth val="150"/>
-        <c:overlap val="0"/>
-        <c:axId val="8316665"/>
-        <c:axId val="243755"/>
-      </c:barChart>
-      <c:catAx>
-        <c:axId val="8316665"/>
-        <c:scaling>
-          <c:orientation val="minMax"/>
-        </c:scaling>
-        <c:delete val="0"/>
-        <c:axPos val="b"/>
-        <c:numFmt formatCode="General" sourceLinked="0"/>
-        <c:majorTickMark val="out"/>
-        <c:minorTickMark val="none"/>
-        <c:tickLblPos val="nextTo"/>
-        <c:spPr>
-          <a:ln w="6480">
-            <a:solidFill>
-              <a:srgbClr val="8b8b8b"/>
-            </a:solidFill>
-            <a:round/>
-          </a:ln>
-        </c:spPr>
-        <c:txPr>
-          <a:bodyPr/>
-          <a:lstStyle/>
-          <a:p>
-            <a:pPr>
-              <a:defRPr b="0" sz="1800" strike="noStrike" u="none">
-                <a:solidFill>
-                  <a:srgbClr val="000000"/>
-                </a:solidFill>
-                <a:uFillTx/>
-                <a:latin typeface="Calibri"/>
-              </a:defRPr>
-            </a:pPr>
-          </a:p>
-        </c:txPr>
-        <c:crossAx val="243755"/>
-        <c:crosses val="autoZero"/>
-        <c:auto val="1"/>
-        <c:lblAlgn val="ctr"/>
-        <c:lblOffset val="100"/>
-        <c:noMultiLvlLbl val="0"/>
-      </c:catAx>
-      <c:valAx>
-        <c:axId val="243755"/>
-        <c:scaling>
-          <c:orientation val="minMax"/>
-        </c:scaling>
-        <c:delete val="0"/>
-        <c:axPos val="l"/>
-        <c:majorGridlines>
-          <c:spPr>
-            <a:ln w="6480">
-              <a:solidFill>
-                <a:srgbClr val="8b8b8b"/>
-              </a:solidFill>
-              <a:round/>
-            </a:ln>
-          </c:spPr>
-        </c:majorGridlines>
-        <c:numFmt formatCode="General" sourceLinked="0"/>
-        <c:majorTickMark val="out"/>
-        <c:minorTickMark val="none"/>
-        <c:tickLblPos val="nextTo"/>
-        <c:spPr>
-          <a:ln w="6480">
-            <a:solidFill>
-              <a:srgbClr val="8b8b8b"/>
-            </a:solidFill>
-            <a:round/>
-          </a:ln>
-        </c:spPr>
-        <c:txPr>
-          <a:bodyPr/>
-          <a:lstStyle/>
-          <a:p>
-            <a:pPr>
-              <a:defRPr b="0" sz="1800" strike="noStrike" u="none">
-                <a:solidFill>
-                  <a:srgbClr val="000000"/>
-                </a:solidFill>
-                <a:uFillTx/>
-                <a:latin typeface="Calibri"/>
-              </a:defRPr>
-            </a:pPr>
-          </a:p>
-        </c:txPr>
-        <c:crossAx val="8316665"/>
-        <c:crosses val="autoZero"/>
-        <c:crossBetween val="between"/>
-      </c:valAx>
-      <c:spPr>
-        <a:noFill/>
-        <a:ln w="0">
-          <a:noFill/>
-        </a:ln>
-      </c:spPr>
-    </c:plotArea>
-    <c:legend>
-      <c:legendPos val="r"/>
-      <c:overlay val="0"/>
-      <c:spPr>
-        <a:noFill/>
-        <a:ln w="0">
-          <a:noFill/>
-        </a:ln>
-      </c:spPr>
-      <c:txPr>
-        <a:bodyPr/>
-        <a:lstStyle/>
-        <a:p>
-          <a:pPr>
-            <a:defRPr b="0" sz="1800" strike="noStrike" u="none">
-              <a:solidFill>
-                <a:srgbClr val="000000"/>
-              </a:solidFill>
-              <a:uFillTx/>
-              <a:latin typeface="Calibri"/>
-            </a:defRPr>
-          </a:pPr>
-        </a:p>
-      </c:txPr>
-    </c:legend>
-    <c:plotVisOnly val="1"/>
-    <c:dispBlanksAs val="gap"/>
-  </c:chart>
-  <c:spPr>
-    <a:noFill/>
-    <a:ln w="0">
-      <a:noFill/>
-    </a:ln>
-  </c:spPr>
-</c:chartSpace>
 </file>
 
 <file path=ppt/slideLayouts/slideLayout1.xml><?xml version="1.0" encoding="utf-8"?>
@@ -618,7 +157,7 @@
         <p:txBody>
           <a:bodyPr/>
           <a:p>
-            <a:fld id="{F1AB49CC-5A82-429D-84F9-E847257A80DE}" type="slidenum">
+            <a:fld id="{531A38AB-D971-4C09-9E5C-B0A19D169437}" type="slidenum">
               <a:t>&lt;#&gt;</a:t>
             </a:fld>
           </a:p>
@@ -924,7 +463,7 @@
               </a:lnSpc>
               <a:buNone/>
             </a:pPr>
-            <a:fld id="{C023ECC7-E193-42F4-B6D7-7EDF570CFF37}" type="slidenum">
+            <a:fld id="{6F7AC2EF-15EB-4F4D-9D92-EB94B7C14FB6}" type="slidenum">
               <a:rPr b="0" lang="en-US" sz="4320" strike="noStrike" u="none">
                 <a:solidFill>
                   <a:schemeClr val="dk1">
@@ -1771,7 +1310,7 @@
               </a:lnSpc>
               <a:buNone/>
             </a:pPr>
-            <a:fld id="{C3DA6D0F-C096-44BD-9F1B-C40F7DE7019A}" type="slidenum">
+            <a:fld id="{8F0D49BD-4054-4D7E-9042-7F053818855F}" type="slidenum">
               <a:rPr b="0" lang="en-US" sz="4320" strike="noStrike" u="none">
                 <a:solidFill>
                   <a:schemeClr val="dk1">
@@ -2202,7 +1741,7 @@
               </a:lnSpc>
               <a:buNone/>
             </a:pPr>
-            <a:fld id="{D2F65C14-BB20-40AD-8443-79FBC6AC858A}" type="slidenum">
+            <a:fld id="{EBEDFE62-D954-482B-91A4-2A576D6FE8FA}" type="slidenum">
               <a:rPr b="0" lang="en-US" sz="4320" strike="noStrike" u="none">
                 <a:solidFill>
                   <a:schemeClr val="dk1">
@@ -2711,7 +2250,7 @@
               </a:lnSpc>
               <a:buNone/>
             </a:pPr>
-            <a:fld id="{8F612AA8-8BFE-4CE4-878A-CFA1F731F39A}" type="slidenum">
+            <a:fld id="{5323C254-255E-4F9A-9B80-950FA50609F0}" type="slidenum">
               <a:rPr b="0" lang="en-US" sz="4320" strike="noStrike" u="none">
                 <a:solidFill>
                   <a:schemeClr val="dk1">
@@ -3220,7 +2759,7 @@
               </a:lnSpc>
               <a:buNone/>
             </a:pPr>
-            <a:fld id="{D4FBD46D-5BA6-480A-AFF4-FB1593A3D0E4}" type="slidenum">
+            <a:fld id="{C9444C3B-F4CF-41ED-9F12-446A5467C14E}" type="slidenum">
               <a:rPr b="0" lang="en-US" sz="4320" strike="noStrike" u="none">
                 <a:solidFill>
                   <a:schemeClr val="dk1">
@@ -3729,7 +3268,7 @@
               </a:lnSpc>
               <a:buNone/>
             </a:pPr>
-            <a:fld id="{DC91132F-796B-4E9F-A076-8A8B777CE129}" type="slidenum">
+            <a:fld id="{344610C0-B15E-4ED2-BCBB-C0AAA3AE3B78}" type="slidenum">
               <a:rPr b="0" lang="en-US" sz="4320" strike="noStrike" u="none">
                 <a:solidFill>
                   <a:schemeClr val="dk1">
@@ -4101,7 +3640,7 @@
               </a:lnSpc>
               <a:buNone/>
             </a:pPr>
-            <a:fld id="{D3364D09-0C33-4A2C-BB46-30EE995E16B9}" type="slidenum">
+            <a:fld id="{D419B8C4-309B-4284-A9B5-7C4AC0BA8AF0}" type="slidenum">
               <a:rPr b="0" lang="en-US" sz="4320" strike="noStrike" u="none">
                 <a:solidFill>
                   <a:schemeClr val="dk1">
@@ -4809,7 +4348,7 @@
               </a:lnSpc>
               <a:buNone/>
             </a:pPr>
-            <a:fld id="{279DB6D3-E0E8-4204-BC5D-7E4BD462E1B5}" type="slidenum">
+            <a:fld id="{7FA0A2F1-C865-46D0-8164-9659914DD028}" type="slidenum">
               <a:rPr b="0" lang="en-US" sz="4320" strike="noStrike" u="none">
                 <a:solidFill>
                   <a:schemeClr val="dk1">
@@ -5641,7 +5180,7 @@
               </a:lnSpc>
               <a:buNone/>
             </a:pPr>
-            <a:fld id="{F03016C3-52A2-4E74-88DD-4DE6BE893C79}" type="slidenum">
+            <a:fld id="{BF581548-F6BC-4C7E-ABC2-29B1CD527CDB}" type="slidenum">
               <a:rPr b="0" lang="en-US" sz="4320" strike="noStrike" u="none">
                 <a:solidFill>
                   <a:schemeClr val="dk1">
@@ -5946,7 +5485,7 @@
               </a:lnSpc>
               <a:buNone/>
             </a:pPr>
-            <a:fld id="{85F6135C-8DDF-4B06-B8A3-139D664EE150}" type="slidenum">
+            <a:fld id="{0F05AC51-3074-4323-8D78-C52EDF208115}" type="slidenum">
               <a:rPr b="0" lang="en-US" sz="4320" strike="noStrike" u="none">
                 <a:solidFill>
                   <a:schemeClr val="dk1">
@@ -6195,7 +5734,7 @@
               </a:lnSpc>
               <a:buNone/>
             </a:pPr>
-            <a:fld id="{0C1A7898-D0E9-4D96-BA58-B55B831ABA26}" type="slidenum">
+            <a:fld id="{46A45BA0-370F-40AA-852A-A228D61883BD}" type="slidenum">
               <a:rPr b="0" lang="en-US" sz="4320" strike="noStrike" u="none">
                 <a:solidFill>
                   <a:schemeClr val="dk1">
@@ -6722,7 +6261,7 @@
                 <a:uFillTx/>
                 <a:latin typeface="Calibri"/>
               </a:rPr>
-              <a:t> Ball, Richard. 2023. “‘Yes We Can!’: A Practical Approach to Teaching Reproducibility to Undergraduates.” Harvard Data Science Review 5 (3). https://doi.org/10.1162/99608f92.9e002f7b. </a:t>
+              <a:t>Ball, Richard. 2023. “‘Yes We Can!’: A Practical Approach to Teaching Reproducibility to Undergraduates.” Harvard Data Science Review 5 (3). https://doi.org/10.1162/99608f92.9e002f7b. </a:t>
             </a:r>
             <a:endParaRPr b="0" lang="en-US" sz="1800" strike="noStrike" u="none">
               <a:solidFill>
@@ -6753,7 +6292,30 @@
                 <a:uFillTx/>
                 <a:latin typeface="Calibri"/>
               </a:rPr>
-              <a:t> </a:t>
+              <a:t>Vilhuber, Lars. 2025. “Impacts of the AEA Verification Process”. </a:t>
+            </a:r>
+            <a:r>
+              <a:rPr b="0" lang="en-US" sz="1800" strike="noStrike" u="none">
+                <a:solidFill>
+                  <a:schemeClr val="dk1"/>
+                </a:solidFill>
+                <a:effectLst/>
+                <a:uFillTx/>
+                <a:latin typeface="Calibri"/>
+                <a:hlinkClick r:id="rId3"/>
+              </a:rPr>
+              <a:t>https://aeadataeditor.github.io/aea-cumulative-summary/impacts_of_aea_data_editing.html</a:t>
+            </a:r>
+            <a:r>
+              <a:rPr b="0" lang="en-US" sz="1800" strike="noStrike" u="none">
+                <a:solidFill>
+                  <a:schemeClr val="dk1"/>
+                </a:solidFill>
+                <a:effectLst/>
+                <a:uFillTx/>
+                <a:latin typeface="Calibri"/>
+              </a:rPr>
+              <a:t>, accessed on 7 Dec 2025. </a:t>
             </a:r>
             <a:endParaRPr b="0" lang="en-US" sz="1800" strike="noStrike" u="none">
               <a:solidFill>
@@ -6784,7 +6346,7 @@
                 <a:uFillTx/>
                 <a:latin typeface="Calibri"/>
               </a:rPr>
-              <a:t> </a:t>
+              <a:t>Arguillas, Florio, Thu-Mai Christian, Mandy Gooch, Tom Honeyman, Limor Peer, and CURE-FAIR WG. 2022. 10 Things for Curating Reproducible and FAIR Research. June 27. https://doi.org/10.15497/RDA00074.</a:t>
             </a:r>
             <a:endParaRPr b="0" lang="en-US" sz="1800" strike="noStrike" u="none">
               <a:solidFill>
@@ -6815,7 +6377,7 @@
                 <a:uFillTx/>
                 <a:latin typeface="Calibri"/>
               </a:rPr>
-              <a:t> </a:t>
+              <a:t>Jones, Maria. 2024. “Introducing Reproducible Research Standards at the World Bank.” Harvard Data Science Review 6 (4). https://doi.org/10.1162/99608f92.21328ce3.</a:t>
             </a:r>
             <a:endParaRPr b="0" lang="en-US" sz="1800" strike="noStrike" u="none">
               <a:solidFill>
@@ -6846,147 +6408,8 @@
                 <a:uFillTx/>
                 <a:latin typeface="Calibri"/>
               </a:rPr>
-              <a:t> </a:t>
-            </a:r>
-            <a:endParaRPr b="0" lang="en-US" sz="1800" strike="noStrike" u="none">
-              <a:solidFill>
-                <a:srgbClr val="000000"/>
-              </a:solidFill>
-              <a:effectLst/>
-              <a:uFillTx/>
-              <a:latin typeface="Arial"/>
-            </a:endParaRPr>
-          </a:p>
-          <a:p>
-            <a:pPr marL="457200" indent="-457200" defTabSz="3686760">
-              <a:lnSpc>
-                <a:spcPct val="100000"/>
-              </a:lnSpc>
-              <a:buClr>
-                <a:srgbClr val="000000"/>
-              </a:buClr>
-              <a:buFont typeface="OpenSymbol"/>
-              <a:buAutoNum type="arabicPeriod"/>
-            </a:pPr>
-            <a:r>
-              <a:rPr b="0" lang="en-US" sz="1800" strike="noStrike" u="none">
-                <a:solidFill>
-                  <a:schemeClr val="dk1"/>
-                </a:solidFill>
-                <a:effectLst/>
-                <a:uFillTx/>
-                <a:latin typeface="Calibri"/>
-              </a:rPr>
-              <a:t> </a:t>
-            </a:r>
-            <a:endParaRPr b="0" lang="en-US" sz="1800" strike="noStrike" u="none">
-              <a:solidFill>
-                <a:srgbClr val="000000"/>
-              </a:solidFill>
-              <a:effectLst/>
-              <a:uFillTx/>
-              <a:latin typeface="Arial"/>
-            </a:endParaRPr>
-          </a:p>
-          <a:p>
-            <a:pPr marL="457200" indent="-457200" defTabSz="3686760">
-              <a:lnSpc>
-                <a:spcPct val="100000"/>
-              </a:lnSpc>
-              <a:buClr>
-                <a:srgbClr val="000000"/>
-              </a:buClr>
-              <a:buFont typeface="OpenSymbol"/>
-              <a:buAutoNum type="arabicPeriod"/>
-            </a:pPr>
-            <a:r>
-              <a:rPr b="0" lang="en-US" sz="1800" strike="noStrike" u="none">
-                <a:solidFill>
-                  <a:schemeClr val="dk1"/>
-                </a:solidFill>
-                <a:effectLst/>
-                <a:uFillTx/>
-                <a:latin typeface="Calibri"/>
-              </a:rPr>
-              <a:t> </a:t>
-            </a:r>
-            <a:endParaRPr b="0" lang="en-US" sz="1800" strike="noStrike" u="none">
-              <a:solidFill>
-                <a:srgbClr val="000000"/>
-              </a:solidFill>
-              <a:effectLst/>
-              <a:uFillTx/>
-              <a:latin typeface="Arial"/>
-            </a:endParaRPr>
-          </a:p>
-          <a:p>
-            <a:pPr marL="457200" indent="-457200" defTabSz="3686760">
-              <a:lnSpc>
-                <a:spcPct val="100000"/>
-              </a:lnSpc>
-              <a:buClr>
-                <a:srgbClr val="000000"/>
-              </a:buClr>
-              <a:buFont typeface="OpenSymbol"/>
-              <a:buAutoNum type="arabicPeriod"/>
-            </a:pPr>
-            <a:r>
-              <a:rPr b="0" lang="en-US" sz="1800" strike="noStrike" u="none">
-                <a:solidFill>
-                  <a:schemeClr val="dk1"/>
-                </a:solidFill>
-                <a:effectLst/>
-                <a:uFillTx/>
-                <a:latin typeface="Calibri"/>
-              </a:rPr>
-              <a:t> </a:t>
-            </a:r>
-            <a:endParaRPr b="0" lang="en-US" sz="1800" strike="noStrike" u="none">
-              <a:solidFill>
-                <a:srgbClr val="000000"/>
-              </a:solidFill>
-              <a:effectLst/>
-              <a:uFillTx/>
-              <a:latin typeface="Arial"/>
-            </a:endParaRPr>
-          </a:p>
-          <a:p>
-            <a:pPr marL="457200" indent="-457200" defTabSz="3686760">
-              <a:lnSpc>
-                <a:spcPct val="100000"/>
-              </a:lnSpc>
-              <a:buClr>
-                <a:srgbClr val="000000"/>
-              </a:buClr>
-              <a:buFont typeface="OpenSymbol"/>
-              <a:buAutoNum type="arabicPeriod"/>
-            </a:pPr>
-            <a:r>
-              <a:rPr b="0" lang="en-US" sz="1800" strike="noStrike" u="none">
-                <a:solidFill>
-                  <a:schemeClr val="dk1"/>
-                </a:solidFill>
-                <a:effectLst/>
-                <a:uFillTx/>
-                <a:latin typeface="Calibri"/>
-              </a:rPr>
-              <a:t>  </a:t>
-            </a:r>
-            <a:endParaRPr b="0" lang="en-US" sz="1800" strike="noStrike" u="none">
-              <a:solidFill>
-                <a:srgbClr val="000000"/>
-              </a:solidFill>
-              <a:effectLst/>
-              <a:uFillTx/>
-              <a:latin typeface="Arial"/>
-            </a:endParaRPr>
-          </a:p>
-          <a:p>
-            <a:pPr defTabSz="3686760">
-              <a:lnSpc>
-                <a:spcPct val="100000"/>
-              </a:lnSpc>
-            </a:pPr>
+              <a:t>Paloian, Sierra, Kirsten Doehler, and Alexandra Lahetta. 2022. “Implementing a Senior Statistics Practicum: Lessons and Feedback from Multiple Offerings.” Journal of Statistics and Data Science Education 30 (2): 114–26. doi:10.1080/26939169.2022.2044943.</a:t>
+            </a:r>
             <a:endParaRPr b="0" lang="en-US" sz="1800" strike="noStrike" u="none">
               <a:solidFill>
                 <a:srgbClr val="000000"/>
@@ -7239,7 +6662,7 @@
         <p:spPr>
           <a:xfrm>
             <a:off x="16916400" y="7086600"/>
-            <a:ext cx="14172840" cy="5244120"/>
+            <a:ext cx="14172840" cy="5243400"/>
           </a:xfrm>
           <a:prstGeom prst="rect">
             <a:avLst/>
@@ -7267,10 +6690,15 @@
             <a:spAutoFit/>
           </a:bodyPr>
           <a:p>
-            <a:pPr defTabSz="3686760">
+            <a:pPr marL="216000" indent="-216000" defTabSz="3686760">
               <a:lnSpc>
                 <a:spcPct val="100000"/>
               </a:lnSpc>
+              <a:buClr>
+                <a:srgbClr val="000000"/>
+              </a:buClr>
+              <a:buFont typeface="OpenSymbol"/>
+              <a:buAutoNum type="arabicParenR"/>
             </a:pPr>
             <a:r>
               <a:rPr b="0" lang="en-US" sz="3200" strike="noStrike" u="none">
@@ -7281,7 +6709,104 @@
                 <a:uFillTx/>
                 <a:latin typeface="Calibri"/>
               </a:rPr>
-              <a:t>One key issue is how to obtain realistic input -- the replication code accompanying submitted journals. While initial training can happen on recently published articles, a steady flow of non-time-sensitive articles is needed. If implemented at various colleges, we plan to organize a "pool" of articles to which authors, wishing to submit to journals, can submit their code, and can expect a realistic response within 2-3 months. A pool of "editors", which need not be the instructor themselves, can handle reviewing the real reports that get sent back to real authors. A long-term outcome of this is for students to see, possibly within a year, the results of their recommendations being published as replication packages at journals.</a:t>
+              <a:t>Obtaining </a:t>
+            </a:r>
+            <a:r>
+              <a:rPr b="1" lang="en-US" sz="3200" strike="noStrike" u="none">
+                <a:solidFill>
+                  <a:schemeClr val="dk1"/>
+                </a:solidFill>
+                <a:effectLst/>
+                <a:uFillTx/>
+                <a:latin typeface="Calibri"/>
+              </a:rPr>
+              <a:t>timely but realistic manuscripts</a:t>
+            </a:r>
+            <a:r>
+              <a:rPr b="0" lang="en-US" sz="3200" strike="noStrike" u="none">
+                <a:solidFill>
+                  <a:schemeClr val="dk1"/>
+                </a:solidFill>
+                <a:effectLst/>
+                <a:uFillTx/>
+                <a:latin typeface="Calibri"/>
+              </a:rPr>
+              <a:t> and replication materials. Initial training can happen on recently published articles. Manuscripts from journals without data editors might provide a realistic juxtaposition. For data acumen and assessment, published articles are sufficient, and anecdotally, may be easier to use from journals </a:t>
+            </a:r>
+            <a:r>
+              <a:rPr b="1" lang="en-US" sz="3200" strike="noStrike" u="none">
+                <a:solidFill>
+                  <a:schemeClr val="dk1"/>
+                </a:solidFill>
+                <a:effectLst/>
+                <a:uFillTx/>
+                <a:latin typeface="Calibri"/>
+              </a:rPr>
+              <a:t>with</a:t>
+            </a:r>
+            <a:r>
+              <a:rPr b="0" lang="en-US" sz="3200" strike="noStrike" u="none">
+                <a:solidFill>
+                  <a:schemeClr val="dk1"/>
+                </a:solidFill>
+                <a:effectLst/>
+                <a:uFillTx/>
+                <a:latin typeface="Calibri"/>
+              </a:rPr>
+              <a:t> data editors. </a:t>
+            </a:r>
+            <a:endParaRPr b="0" lang="en-US" sz="3200" strike="noStrike" u="none">
+              <a:solidFill>
+                <a:srgbClr val="000000"/>
+              </a:solidFill>
+              <a:effectLst/>
+              <a:uFillTx/>
+              <a:latin typeface="Arial"/>
+            </a:endParaRPr>
+          </a:p>
+          <a:p>
+            <a:pPr marL="216000" indent="-216000" defTabSz="3686760">
+              <a:lnSpc>
+                <a:spcPct val="100000"/>
+              </a:lnSpc>
+              <a:buClr>
+                <a:srgbClr val="000000"/>
+              </a:buClr>
+              <a:buFont typeface="OpenSymbol"/>
+              <a:buAutoNum type="arabicParenR"/>
+            </a:pPr>
+            <a:r>
+              <a:rPr b="0" lang="en-US" sz="3200" strike="noStrike" u="none">
+                <a:solidFill>
+                  <a:schemeClr val="dk1"/>
+                </a:solidFill>
+                <a:effectLst/>
+                <a:uFillTx/>
+                <a:latin typeface="Calibri"/>
+              </a:rPr>
+              <a:t>Using a </a:t>
+            </a:r>
+            <a:r>
+              <a:rPr b="1" lang="en-US" sz="3200" strike="noStrike" u="none">
+                <a:solidFill>
+                  <a:schemeClr val="dk1"/>
+                </a:solidFill>
+                <a:effectLst/>
+                <a:uFillTx/>
+                <a:latin typeface="Calibri"/>
+              </a:rPr>
+              <a:t>sufficiently large cross-section of articles</a:t>
+            </a:r>
+            <a:r>
+              <a:rPr b="0" lang="en-US" sz="3200" strike="noStrike" u="none">
+                <a:solidFill>
+                  <a:schemeClr val="dk1"/>
+                </a:solidFill>
+                <a:effectLst/>
+                <a:uFillTx/>
+                <a:latin typeface="Calibri"/>
+              </a:rPr>
+              <a:t> in a classroom setting. In our experience, students acquire many of the needed skills within about 5 articles. Sampling might not yield the necessary diversity in difficulty; curation of selected articles is time-consuming. It may be possible to use input from various data editors. </a:t>
             </a:r>
             <a:endParaRPr b="0" lang="en-US" sz="3200" strike="noStrike" u="none">
               <a:solidFill>
@@ -7302,7 +6827,7 @@
         </p:nvSpPr>
         <p:spPr>
           <a:xfrm>
-            <a:off x="1828800" y="14127480"/>
+            <a:off x="1829160" y="12449520"/>
             <a:ext cx="14172840" cy="1005120"/>
           </a:xfrm>
           <a:prstGeom prst="rect">
@@ -7369,8 +6894,8 @@
         </p:nvSpPr>
         <p:spPr>
           <a:xfrm>
-            <a:off x="1828800" y="31546800"/>
-            <a:ext cx="14172840" cy="6219720"/>
+            <a:off x="1829160" y="27706320"/>
+            <a:ext cx="14172840" cy="11097720"/>
           </a:xfrm>
           <a:prstGeom prst="rect">
             <a:avLst/>
@@ -7412,8 +6937,11 @@
                 <a:uFillTx/>
                 <a:latin typeface="Calibri"/>
               </a:rPr>
-              <a:t>Over the past 8 years, we have trained 200+ students, in 3 training sessions per year, who have subsequently helped produce  4,470 reports on 2,791 articles. The majority of undergraduate students were recruited at Cornell University, from across STEM and social science fields, mostly sophomores and juniors.  We have expanded the search, via the  conducted pilot studies in the past three summers with about 20 non-Cornell students from various universities and colleges. This has allowed us to identify the necessary pre-requisites, as well as the technical tooling and setup available in a broader setting. We believe that such a classroom activity can be implemented in many colleges and universities at the undergraduate level, and hope to discuss with attendees of the poster session. </a:t>
-            </a:r>
+              <a:t>What do students do? And what do they learn?</a:t>
+            </a:r>
+            <a:br>
+              <a:rPr sz="3200"/>
+            </a:br>
             <a:endParaRPr b="0" lang="en-US" sz="3200" strike="noStrike" u="none">
               <a:solidFill>
                 <a:srgbClr val="000000"/>
@@ -7424,11 +6952,86 @@
             </a:endParaRPr>
           </a:p>
           <a:p>
-            <a:pPr defTabSz="3686760">
+            <a:pPr marL="914400" indent="-896040" defTabSz="3686760">
               <a:lnSpc>
                 <a:spcPct val="100000"/>
               </a:lnSpc>
-            </a:pPr>
+              <a:tabLst>
+                <a:tab algn="l" pos="408240"/>
+              </a:tabLst>
+            </a:pPr>
+            <a:r>
+              <a:rPr b="1" lang="en-US" sz="3200" strike="noStrike" u="sng">
+                <a:solidFill>
+                  <a:schemeClr val="dk1"/>
+                </a:solidFill>
+                <a:effectLst/>
+                <a:uFillTx/>
+                <a:latin typeface="Calibri"/>
+              </a:rPr>
+              <a:t>Data acumen</a:t>
+            </a:r>
+            <a:r>
+              <a:rPr b="0" lang="en-US" sz="3200" strike="noStrike" u="none">
+                <a:solidFill>
+                  <a:schemeClr val="dk1"/>
+                </a:solidFill>
+                <a:effectLst/>
+                <a:uFillTx/>
+                <a:latin typeface="Calibri"/>
+              </a:rPr>
+              <a:t>: Students analyze </a:t>
+            </a:r>
+            <a:r>
+              <a:rPr b="0" lang="en-US" sz="3200" strike="noStrike" u="none">
+                <a:solidFill>
+                  <a:schemeClr val="dk1"/>
+                </a:solidFill>
+                <a:effectLst/>
+                <a:highlight>
+                  <a:srgbClr val="dee6ef"/>
+                </a:highlight>
+                <a:uFillTx/>
+                <a:latin typeface="Calibri"/>
+              </a:rPr>
+              <a:t>data provenance</a:t>
+            </a:r>
+            <a:r>
+              <a:rPr b="0" lang="en-US" sz="3200" strike="noStrike" u="none">
+                <a:solidFill>
+                  <a:schemeClr val="dk1"/>
+                </a:solidFill>
+                <a:effectLst/>
+                <a:uFillTx/>
+                <a:latin typeface="Calibri"/>
+              </a:rPr>
+              <a:t> as described by authors, must assess the feasibility of accessing all data; may be asked to obtain data from a variety of databases/ request protocols; learn to work with data that has </a:t>
+            </a:r>
+            <a:r>
+              <a:rPr b="0" lang="en-US" sz="3200" strike="noStrike" u="none">
+                <a:solidFill>
+                  <a:schemeClr val="dk1"/>
+                </a:solidFill>
+                <a:effectLst/>
+                <a:highlight>
+                  <a:srgbClr val="dee6ef"/>
+                </a:highlight>
+                <a:uFillTx/>
+                <a:latin typeface="Calibri"/>
+              </a:rPr>
+              <a:t>distribution restrictions</a:t>
+            </a:r>
+            <a:r>
+              <a:rPr b="0" lang="en-US" sz="3200" strike="noStrike" u="none">
+                <a:solidFill>
+                  <a:schemeClr val="dk1"/>
+                </a:solidFill>
+                <a:effectLst/>
+                <a:uFillTx/>
+                <a:latin typeface="Calibri"/>
+              </a:rPr>
+              <a:t> (see Figure 1). </a:t>
+            </a:r>
             <a:endParaRPr b="0" lang="en-US" sz="3200" strike="noStrike" u="none">
               <a:solidFill>
                 <a:srgbClr val="000000"/>
@@ -7439,11 +7042,331 @@
             </a:endParaRPr>
           </a:p>
           <a:p>
-            <a:pPr defTabSz="3686760">
+            <a:pPr marL="914400" indent="-896040" defTabSz="3686760">
               <a:lnSpc>
                 <a:spcPct val="100000"/>
               </a:lnSpc>
-            </a:pPr>
+              <a:tabLst>
+                <a:tab algn="l" pos="408240"/>
+              </a:tabLst>
+            </a:pPr>
+            <a:r>
+              <a:rPr b="1" lang="en-US" sz="3200" strike="noStrike" u="sng">
+                <a:solidFill>
+                  <a:schemeClr val="dk1"/>
+                </a:solidFill>
+                <a:effectLst/>
+                <a:uFillTx/>
+                <a:latin typeface="Calibri"/>
+              </a:rPr>
+              <a:t>Technical evaluation</a:t>
+            </a:r>
+            <a:r>
+              <a:rPr b="0" lang="en-US" sz="3200" strike="noStrike" u="none">
+                <a:solidFill>
+                  <a:schemeClr val="dk1"/>
+                </a:solidFill>
+                <a:effectLst/>
+                <a:uFillTx/>
+                <a:latin typeface="Calibri"/>
+              </a:rPr>
+              <a:t>: Students must verify their </a:t>
+            </a:r>
+            <a:r>
+              <a:rPr b="0" lang="en-US" sz="3200" strike="noStrike" u="none">
+                <a:solidFill>
+                  <a:schemeClr val="dk1"/>
+                </a:solidFill>
+                <a:effectLst/>
+                <a:highlight>
+                  <a:srgbClr val="dee6ef"/>
+                </a:highlight>
+                <a:uFillTx/>
+                <a:latin typeface="Calibri"/>
+              </a:rPr>
+              <a:t>ability</a:t>
+            </a:r>
+            <a:r>
+              <a:rPr b="0" lang="en-US" sz="3200" strike="noStrike" u="none">
+                <a:solidFill>
+                  <a:schemeClr val="dk1"/>
+                </a:solidFill>
+                <a:effectLst/>
+                <a:uFillTx/>
+                <a:latin typeface="Calibri"/>
+              </a:rPr>
+              <a:t>, within the range of the technical means at their disposal, </a:t>
+            </a:r>
+            <a:r>
+              <a:rPr b="0" lang="en-US" sz="3200" strike="noStrike" u="none">
+                <a:solidFill>
+                  <a:schemeClr val="dk1"/>
+                </a:solidFill>
+                <a:effectLst/>
+                <a:highlight>
+                  <a:srgbClr val="dee6ef"/>
+                </a:highlight>
+                <a:uFillTx/>
+                <a:latin typeface="Calibri"/>
+              </a:rPr>
+              <a:t>to computationally reproduce</a:t>
+            </a:r>
+            <a:r>
+              <a:rPr b="0" lang="en-US" sz="3200" strike="noStrike" u="none">
+                <a:solidFill>
+                  <a:schemeClr val="dk1"/>
+                </a:solidFill>
+                <a:effectLst/>
+                <a:uFillTx/>
+                <a:latin typeface="Calibri"/>
+              </a:rPr>
+              <a:t> results. They must also recognize when they are not the most qualified person to do the task.</a:t>
+            </a:r>
+            <a:endParaRPr b="0" lang="en-US" sz="3200" strike="noStrike" u="none">
+              <a:solidFill>
+                <a:srgbClr val="000000"/>
+              </a:solidFill>
+              <a:effectLst/>
+              <a:uFillTx/>
+              <a:latin typeface="Arial"/>
+            </a:endParaRPr>
+          </a:p>
+          <a:p>
+            <a:pPr marL="914400" indent="-896040" defTabSz="3686760">
+              <a:lnSpc>
+                <a:spcPct val="100000"/>
+              </a:lnSpc>
+              <a:tabLst>
+                <a:tab algn="l" pos="408240"/>
+              </a:tabLst>
+            </a:pPr>
+            <a:r>
+              <a:rPr b="1" lang="en-US" sz="3200" strike="noStrike" u="sng">
+                <a:solidFill>
+                  <a:schemeClr val="dk1"/>
+                </a:solidFill>
+                <a:effectLst/>
+                <a:uFillTx/>
+                <a:latin typeface="Calibri"/>
+              </a:rPr>
+              <a:t>Skeptically follow instructions</a:t>
+            </a:r>
+            <a:r>
+              <a:rPr b="0" lang="en-US" sz="3200" strike="noStrike" u="none">
+                <a:solidFill>
+                  <a:schemeClr val="dk1"/>
+                </a:solidFill>
+                <a:effectLst/>
+                <a:uFillTx/>
+                <a:latin typeface="Calibri"/>
+              </a:rPr>
+              <a:t>: Students </a:t>
+            </a:r>
+            <a:r>
+              <a:rPr b="0" lang="en-US" sz="3200" strike="noStrike" u="none">
+                <a:solidFill>
+                  <a:schemeClr val="dk1"/>
+                </a:solidFill>
+                <a:effectLst/>
+                <a:highlight>
+                  <a:srgbClr val="dee6ef"/>
+                </a:highlight>
+                <a:uFillTx/>
+                <a:latin typeface="Calibri"/>
+              </a:rPr>
+              <a:t>attempt reproduction</a:t>
+            </a:r>
+            <a:r>
+              <a:rPr b="0" lang="en-US" sz="3200" strike="noStrike" u="none">
+                <a:solidFill>
+                  <a:schemeClr val="dk1"/>
+                </a:solidFill>
+                <a:effectLst/>
+                <a:uFillTx/>
+                <a:latin typeface="Calibri"/>
+              </a:rPr>
+              <a:t> as per instructions (README), but must also understand when not to follow instructions (b/c incorrect/inefficient).</a:t>
+            </a:r>
+            <a:endParaRPr b="0" lang="en-US" sz="3200" strike="noStrike" u="none">
+              <a:solidFill>
+                <a:srgbClr val="000000"/>
+              </a:solidFill>
+              <a:effectLst/>
+              <a:uFillTx/>
+              <a:latin typeface="Arial"/>
+            </a:endParaRPr>
+          </a:p>
+          <a:p>
+            <a:pPr marL="914400" indent="-896040" defTabSz="3686760">
+              <a:lnSpc>
+                <a:spcPct val="100000"/>
+              </a:lnSpc>
+              <a:tabLst>
+                <a:tab algn="l" pos="408240"/>
+              </a:tabLst>
+            </a:pPr>
+            <a:r>
+              <a:rPr b="1" lang="en-US" sz="3200" strike="noStrike" u="sng">
+                <a:solidFill>
+                  <a:schemeClr val="dk1"/>
+                </a:solidFill>
+                <a:effectLst/>
+                <a:uFillTx/>
+                <a:latin typeface="Calibri"/>
+              </a:rPr>
+              <a:t>Run and debug code in multiple software environments</a:t>
+            </a:r>
+            <a:r>
+              <a:rPr b="0" lang="en-US" sz="3200" strike="noStrike" u="none">
+                <a:solidFill>
+                  <a:schemeClr val="dk1"/>
+                </a:solidFill>
+                <a:effectLst/>
+                <a:uFillTx/>
+                <a:latin typeface="Calibri"/>
+              </a:rPr>
+              <a:t>: Students are selected based on prior exposure to at least 1 software environment, but </a:t>
+            </a:r>
+            <a:r>
+              <a:rPr b="0" lang="en-US" sz="3200" strike="noStrike" u="none">
+                <a:solidFill>
+                  <a:schemeClr val="dk1"/>
+                </a:solidFill>
+                <a:effectLst/>
+                <a:highlight>
+                  <a:srgbClr val="dee6ef"/>
+                </a:highlight>
+                <a:uFillTx/>
+                <a:latin typeface="Calibri"/>
+              </a:rPr>
+              <a:t>must run and debug code</a:t>
+            </a:r>
+            <a:r>
+              <a:rPr b="0" lang="en-US" sz="3200" strike="noStrike" u="none">
+                <a:solidFill>
+                  <a:schemeClr val="dk1"/>
+                </a:solidFill>
+                <a:effectLst/>
+                <a:uFillTx/>
+                <a:latin typeface="Calibri"/>
+              </a:rPr>
+              <a:t> in others as well. Learn about commonality in software design approaches; </a:t>
+            </a:r>
+            <a:r>
+              <a:rPr b="0" lang="en-US" sz="3200" strike="noStrike" u="none">
+                <a:solidFill>
+                  <a:schemeClr val="dk1"/>
+                </a:solidFill>
+                <a:effectLst/>
+                <a:highlight>
+                  <a:srgbClr val="dee6ef"/>
+                </a:highlight>
+                <a:uFillTx/>
+                <a:latin typeface="Calibri"/>
+              </a:rPr>
+              <a:t>critically evaluate sources</a:t>
+            </a:r>
+            <a:r>
+              <a:rPr b="0" lang="en-US" sz="3200" strike="noStrike" u="none">
+                <a:solidFill>
+                  <a:schemeClr val="dk1"/>
+                </a:solidFill>
+                <a:effectLst/>
+                <a:uFillTx/>
+                <a:latin typeface="Calibri"/>
+              </a:rPr>
+              <a:t> of debugging information (help files, internet, colleagues). Working with unfamiliar (HPC, Windows!) environments</a:t>
+            </a:r>
+            <a:endParaRPr b="0" lang="en-US" sz="3200" strike="noStrike" u="none">
+              <a:solidFill>
+                <a:srgbClr val="000000"/>
+              </a:solidFill>
+              <a:effectLst/>
+              <a:uFillTx/>
+              <a:latin typeface="Arial"/>
+            </a:endParaRPr>
+          </a:p>
+          <a:p>
+            <a:pPr marL="914400" indent="-896040" defTabSz="3686760">
+              <a:lnSpc>
+                <a:spcPct val="100000"/>
+              </a:lnSpc>
+              <a:tabLst>
+                <a:tab algn="l" pos="408240"/>
+              </a:tabLst>
+            </a:pPr>
+            <a:r>
+              <a:rPr b="1" lang="en-US" sz="3200" strike="noStrike" u="sng">
+                <a:solidFill>
+                  <a:schemeClr val="dk1"/>
+                </a:solidFill>
+                <a:effectLst/>
+                <a:uFillTx/>
+                <a:latin typeface="Calibri"/>
+              </a:rPr>
+              <a:t>Objective and empathetic technical writing</a:t>
+            </a:r>
+            <a:r>
+              <a:rPr b="0" lang="en-US" sz="3200" strike="noStrike" u="none">
+                <a:solidFill>
+                  <a:schemeClr val="dk1"/>
+                </a:solidFill>
+                <a:effectLst/>
+                <a:uFillTx/>
+                <a:latin typeface="Calibri"/>
+              </a:rPr>
+              <a:t>: Students must </a:t>
+            </a:r>
+            <a:r>
+              <a:rPr b="0" lang="en-US" sz="3200" strike="noStrike" u="none">
+                <a:solidFill>
+                  <a:schemeClr val="dk1"/>
+                </a:solidFill>
+                <a:effectLst/>
+                <a:highlight>
+                  <a:srgbClr val="dee6ef"/>
+                </a:highlight>
+                <a:uFillTx/>
+                <a:latin typeface="Calibri"/>
+              </a:rPr>
+              <a:t>prepare report</a:t>
+            </a:r>
+            <a:r>
+              <a:rPr b="0" lang="en-US" sz="3200" strike="noStrike" u="none">
+                <a:solidFill>
+                  <a:schemeClr val="dk1"/>
+                </a:solidFill>
+                <a:effectLst/>
+                <a:uFillTx/>
+                <a:latin typeface="Calibri"/>
+              </a:rPr>
+              <a:t>, communicating what went right and what went wrong; understanding that they are “</a:t>
+            </a:r>
+            <a:r>
+              <a:rPr b="0" lang="en-US" sz="3200" strike="noStrike" u="none">
+                <a:solidFill>
+                  <a:schemeClr val="dk1"/>
+                </a:solidFill>
+                <a:effectLst/>
+                <a:highlight>
+                  <a:srgbClr val="dee6ef"/>
+                </a:highlight>
+                <a:uFillTx/>
+                <a:latin typeface="Calibri"/>
+              </a:rPr>
+              <a:t>communicating up</a:t>
+            </a:r>
+            <a:r>
+              <a:rPr b="0" lang="en-US" sz="3200" strike="noStrike" u="none">
+                <a:solidFill>
+                  <a:schemeClr val="dk1"/>
+                </a:solidFill>
+                <a:effectLst/>
+                <a:uFillTx/>
+                <a:latin typeface="Calibri"/>
+              </a:rPr>
+              <a:t>” to a more senior individual; provide constructive criticism where appropriate. </a:t>
+            </a:r>
             <a:endParaRPr b="0" lang="en-US" sz="3200" strike="noStrike" u="none">
               <a:solidFill>
                 <a:srgbClr val="000000"/>
@@ -7463,7 +7386,7 @@
         </p:nvSpPr>
         <p:spPr>
           <a:xfrm>
-            <a:off x="1828800" y="30586680"/>
+            <a:off x="1829160" y="26746200"/>
             <a:ext cx="14172840" cy="1005120"/>
           </a:xfrm>
           <a:prstGeom prst="rect">
@@ -7509,7 +7432,7 @@
                 <a:uFillTx/>
                 <a:latin typeface="Calibri"/>
               </a:rPr>
-              <a:t>Methods and Materials</a:t>
+              <a:t>Learning Objectives and Tasks</a:t>
             </a:r>
             <a:endParaRPr b="0" lang="en-US" sz="6000" strike="noStrike" u="none">
               <a:solidFill>
@@ -7531,7 +7454,7 @@
         <p:spPr>
           <a:xfrm>
             <a:off x="16916400" y="23058360"/>
-            <a:ext cx="14172840" cy="6219720"/>
+            <a:ext cx="14172840" cy="3780000"/>
           </a:xfrm>
           <a:prstGeom prst="rect">
             <a:avLst/>
@@ -7573,38 +7496,19 @@
                 <a:uFillTx/>
                 <a:latin typeface="Calibri"/>
               </a:rPr>
-              <a:t>Click here to insert your Discussion text. Type it in or copy and paste from your Word document or other source.</a:t>
-            </a:r>
-            <a:endParaRPr b="0" lang="en-US" sz="3200" strike="noStrike" u="none">
-              <a:solidFill>
-                <a:srgbClr val="000000"/>
-              </a:solidFill>
-              <a:effectLst/>
-              <a:uFillTx/>
-              <a:latin typeface="Arial"/>
-            </a:endParaRPr>
-          </a:p>
-          <a:p>
-            <a:pPr defTabSz="3686760">
-              <a:lnSpc>
-                <a:spcPct val="100000"/>
-              </a:lnSpc>
-            </a:pPr>
-            <a:endParaRPr b="0" lang="en-US" sz="3200" strike="noStrike" u="none">
-              <a:solidFill>
-                <a:srgbClr val="000000"/>
-              </a:solidFill>
-              <a:effectLst/>
-              <a:uFillTx/>
-              <a:latin typeface="Arial"/>
-            </a:endParaRPr>
-          </a:p>
-          <a:p>
-            <a:pPr defTabSz="3686760">
-              <a:lnSpc>
-                <a:spcPct val="100000"/>
-              </a:lnSpc>
-            </a:pPr>
+              <a:t>We think it is possible to organize a </a:t>
+            </a:r>
+            <a:r>
+              <a:rPr b="1" lang="en-US" sz="3200" strike="noStrike" u="none">
+                <a:solidFill>
+                  <a:schemeClr val="dk1"/>
+                </a:solidFill>
+                <a:effectLst/>
+                <a:uFillTx/>
+                <a:latin typeface="Calibri"/>
+              </a:rPr>
+              <a:t>"pool" of articles</a:t>
+            </a:r>
             <a:r>
               <a:rPr b="0" lang="en-US" sz="3200" strike="noStrike" u="none">
                 <a:solidFill>
@@ -7614,111 +7518,7 @@
                 <a:uFillTx/>
                 <a:latin typeface="Calibri"/>
               </a:rPr>
-              <a:t>This text box will automatically re-size to your text. To turn off that feature, right click inside this box and go to </a:t>
-            </a:r>
-            <a:r>
-              <a:rPr b="1" lang="en-US" sz="3200" strike="noStrike" u="none">
-                <a:solidFill>
-                  <a:schemeClr val="dk1"/>
-                </a:solidFill>
-                <a:effectLst/>
-                <a:uFillTx/>
-                <a:latin typeface="Calibri"/>
-              </a:rPr>
-              <a:t>Format Shape, Text Box, Autofit</a:t>
-            </a:r>
-            <a:r>
-              <a:rPr b="0" lang="en-US" sz="3200" strike="noStrike" u="none">
-                <a:solidFill>
-                  <a:schemeClr val="dk1"/>
-                </a:solidFill>
-                <a:effectLst/>
-                <a:uFillTx/>
-                <a:latin typeface="Calibri"/>
-              </a:rPr>
-              <a:t>, and select the “Do Not Autofit” radio button.</a:t>
-            </a:r>
-            <a:endParaRPr b="0" lang="en-US" sz="3200" strike="noStrike" u="none">
-              <a:solidFill>
-                <a:srgbClr val="000000"/>
-              </a:solidFill>
-              <a:effectLst/>
-              <a:uFillTx/>
-              <a:latin typeface="Arial"/>
-            </a:endParaRPr>
-          </a:p>
-          <a:p>
-            <a:pPr defTabSz="3686760">
-              <a:lnSpc>
-                <a:spcPct val="100000"/>
-              </a:lnSpc>
-            </a:pPr>
-            <a:endParaRPr b="0" lang="en-US" sz="3200" strike="noStrike" u="none">
-              <a:solidFill>
-                <a:srgbClr val="000000"/>
-              </a:solidFill>
-              <a:effectLst/>
-              <a:uFillTx/>
-              <a:latin typeface="Arial"/>
-            </a:endParaRPr>
-          </a:p>
-          <a:p>
-            <a:pPr defTabSz="3686760">
-              <a:lnSpc>
-                <a:spcPct val="100000"/>
-              </a:lnSpc>
-            </a:pPr>
-            <a:r>
-              <a:rPr b="0" lang="en-US" sz="3200" strike="noStrike" u="none">
-                <a:solidFill>
-                  <a:schemeClr val="dk1"/>
-                </a:solidFill>
-                <a:effectLst/>
-                <a:uFillTx/>
-                <a:latin typeface="Calibri"/>
-              </a:rPr>
-              <a:t>To change the font style of this text box: Click on the border once to highlight the entire text box, then select a different font or font size that suits you. This text is Calibri 32pt and is easily read up to 4 feet away on a 48x36 poster.</a:t>
-            </a:r>
-            <a:endParaRPr b="0" lang="en-US" sz="3200" strike="noStrike" u="none">
-              <a:solidFill>
-                <a:srgbClr val="000000"/>
-              </a:solidFill>
-              <a:effectLst/>
-              <a:uFillTx/>
-              <a:latin typeface="Arial"/>
-            </a:endParaRPr>
-          </a:p>
-          <a:p>
-            <a:pPr defTabSz="3686760">
-              <a:lnSpc>
-                <a:spcPct val="100000"/>
-              </a:lnSpc>
-            </a:pPr>
-            <a:endParaRPr b="0" lang="en-US" sz="3200" strike="noStrike" u="none">
-              <a:solidFill>
-                <a:srgbClr val="000000"/>
-              </a:solidFill>
-              <a:effectLst/>
-              <a:uFillTx/>
-              <a:latin typeface="Arial"/>
-            </a:endParaRPr>
-          </a:p>
-          <a:p>
-            <a:pPr defTabSz="3686760">
-              <a:lnSpc>
-                <a:spcPct val="100000"/>
-              </a:lnSpc>
-            </a:pPr>
-            <a:r>
-              <a:rPr b="0" lang="en-US" sz="3200" strike="noStrike" u="none">
-                <a:solidFill>
-                  <a:schemeClr val="dk1"/>
-                </a:solidFill>
-                <a:effectLst/>
-                <a:uFillTx/>
-                <a:latin typeface="Calibri"/>
-              </a:rPr>
-              <a:t>Zoom out to 100% to preview what this will look like on your printed poster.</a:t>
+              <a:t> to which authors, wishing to submit to journals, can submit their code. Classes would draw from this pool, and prepare a realistic response within 2-3 months. A pool of "editors", which need not be the instructor themselves, can handle reviewing the real reports that get sent back to real authors. This is similar to internal efforts at various institutions (Arguillas et al, 2022; Jones, 2024), and similar to various CS and DS classes that work with real external clients (f.i., Paloian, 2022). </a:t>
             </a:r>
             <a:endParaRPr b="0" lang="en-US" sz="3200" strike="noStrike" u="none">
               <a:solidFill>
@@ -7807,7 +7607,7 @@
         <p:spPr>
           <a:xfrm>
             <a:off x="16916400" y="34501320"/>
-            <a:ext cx="14172840" cy="3292920"/>
+            <a:ext cx="14172840" cy="1829520"/>
           </a:xfrm>
           <a:prstGeom prst="rect">
             <a:avLst/>
@@ -7849,70 +7649,7 @@
                 <a:uFillTx/>
                 <a:latin typeface="Calibri"/>
               </a:rPr>
-              <a:t>Click here to insert your Conclusions text. Type it in or copy and paste from your Word document or other source.</a:t>
-            </a:r>
-            <a:endParaRPr b="0" lang="en-US" sz="3200" strike="noStrike" u="none">
-              <a:solidFill>
-                <a:srgbClr val="000000"/>
-              </a:solidFill>
-              <a:effectLst/>
-              <a:uFillTx/>
-              <a:latin typeface="Arial"/>
-            </a:endParaRPr>
-          </a:p>
-          <a:p>
-            <a:pPr defTabSz="3686760">
-              <a:lnSpc>
-                <a:spcPct val="100000"/>
-              </a:lnSpc>
-            </a:pPr>
-            <a:endParaRPr b="0" lang="en-US" sz="3200" strike="noStrike" u="none">
-              <a:solidFill>
-                <a:srgbClr val="000000"/>
-              </a:solidFill>
-              <a:effectLst/>
-              <a:uFillTx/>
-              <a:latin typeface="Arial"/>
-            </a:endParaRPr>
-          </a:p>
-          <a:p>
-            <a:pPr defTabSz="3686760">
-              <a:lnSpc>
-                <a:spcPct val="100000"/>
-              </a:lnSpc>
-            </a:pPr>
-            <a:r>
-              <a:rPr b="0" lang="en-US" sz="3200" strike="noStrike" u="none">
-                <a:solidFill>
-                  <a:schemeClr val="dk1"/>
-                </a:solidFill>
-                <a:effectLst/>
-                <a:uFillTx/>
-                <a:latin typeface="Calibri"/>
-              </a:rPr>
-              <a:t>This text box will automatically re-size to your text. To turn off that feature, right click inside this box and go to </a:t>
-            </a:r>
-            <a:r>
-              <a:rPr b="1" lang="en-US" sz="3200" strike="noStrike" u="none">
-                <a:solidFill>
-                  <a:schemeClr val="dk1"/>
-                </a:solidFill>
-                <a:effectLst/>
-                <a:uFillTx/>
-                <a:latin typeface="Calibri"/>
-              </a:rPr>
-              <a:t>Format Shape, Text Box, Autofit</a:t>
-            </a:r>
-            <a:r>
-              <a:rPr b="0" lang="en-US" sz="3200" strike="noStrike" u="none">
-                <a:solidFill>
-                  <a:schemeClr val="dk1"/>
-                </a:solidFill>
-                <a:effectLst/>
-                <a:uFillTx/>
-                <a:latin typeface="Calibri"/>
-              </a:rPr>
-              <a:t>, and select the “Do Not Autofit” radio button.</a:t>
+              <a:t>We believe that such a classroom activity can be implemented in many colleges and universities at the undergraduate level, and hope to discuss with attendees of the poster session.</a:t>
             </a:r>
             <a:endParaRPr b="0" lang="en-US" sz="3200" strike="noStrike" u="none">
               <a:solidFill>
@@ -7992,1025 +7729,9 @@
           </a:p>
         </p:txBody>
       </p:sp>
-      <p:graphicFrame>
-        <p:nvGraphicFramePr>
-          <p:cNvPr id="76" name="Content Placeholder 114"/>
-          <p:cNvGraphicFramePr/>
-          <p:nvPr/>
-        </p:nvGraphicFramePr>
-        <p:xfrm>
-          <a:off x="1828800" y="26785800"/>
-          <a:ext cx="14172120" cy="3160440"/>
-        </p:xfrm>
-        <a:graphic>
-          <a:graphicData uri="http://schemas.openxmlformats.org/drawingml/2006/table">
-            <a:tbl>
-              <a:tblPr/>
-              <a:tblGrid>
-                <a:gridCol w="3543120"/>
-                <a:gridCol w="3543120"/>
-                <a:gridCol w="3543120"/>
-                <a:gridCol w="3543120"/>
-              </a:tblGrid>
-              <a:tr h="790200">
-                <a:tc>
-                  <a:txBody>
-                    <a:bodyPr anchor="ctr">
-                      <a:noAutofit/>
-                    </a:bodyPr>
-                    <a:p>
-                      <a:endParaRPr b="0" lang="en-US" sz="3200" strike="noStrike" u="none">
-                        <a:solidFill>
-                          <a:srgbClr val="ffffff"/>
-                        </a:solidFill>
-                        <a:effectLst/>
-                        <a:uFillTx/>
-                        <a:latin typeface="Calibri"/>
-                      </a:endParaRPr>
-                    </a:p>
-                  </a:txBody>
-                  <a:tcPr anchor="ctr" marL="91440" marR="91440">
-                    <a:lnL w="12240">
-                      <a:solidFill>
-                        <a:srgbClr val="ffffff"/>
-                      </a:solidFill>
-                      <a:prstDash val="solid"/>
-                    </a:lnL>
-                    <a:lnR w="12240">
-                      <a:solidFill>
-                        <a:srgbClr val="ffffff"/>
-                      </a:solidFill>
-                      <a:prstDash val="solid"/>
-                    </a:lnR>
-                    <a:lnT w="12240">
-                      <a:solidFill>
-                        <a:srgbClr val="ffffff"/>
-                      </a:solidFill>
-                      <a:prstDash val="solid"/>
-                    </a:lnT>
-                    <a:lnB w="12240">
-                      <a:solidFill>
-                        <a:srgbClr val="ffffff"/>
-                      </a:solidFill>
-                      <a:prstDash val="solid"/>
-                    </a:lnB>
-                    <a:solidFill>
-                      <a:schemeClr val="accent1">
-                        <a:lumMod val="75000"/>
-                      </a:schemeClr>
-                    </a:solidFill>
-                  </a:tcPr>
-                </a:tc>
-                <a:tc>
-                  <a:txBody>
-                    <a:bodyPr anchor="ctr">
-                      <a:noAutofit/>
-                    </a:bodyPr>
-                    <a:p>
-                      <a:pPr algn="ctr" defTabSz="3291840">
-                        <a:lnSpc>
-                          <a:spcPct val="100000"/>
-                        </a:lnSpc>
-                      </a:pPr>
-                      <a:r>
-                        <a:rPr b="0" lang="en-US" sz="3200" strike="noStrike" u="none">
-                          <a:solidFill>
-                            <a:srgbClr val="ffffff"/>
-                          </a:solidFill>
-                          <a:effectLst/>
-                          <a:uFillTx/>
-                          <a:latin typeface="Calibri"/>
-                        </a:rPr>
-                        <a:t>Heading</a:t>
-                      </a:r>
-                      <a:endParaRPr b="0" lang="en-US" sz="3200" strike="noStrike" u="none">
-                        <a:solidFill>
-                          <a:srgbClr val="ffffff"/>
-                        </a:solidFill>
-                        <a:effectLst/>
-                        <a:uFillTx/>
-                        <a:latin typeface="Arial"/>
-                      </a:endParaRPr>
-                    </a:p>
-                  </a:txBody>
-                  <a:tcPr anchor="ctr" marL="91440" marR="91440">
-                    <a:lnL w="12240">
-                      <a:solidFill>
-                        <a:srgbClr val="ffffff"/>
-                      </a:solidFill>
-                      <a:prstDash val="solid"/>
-                    </a:lnL>
-                    <a:lnR w="12240">
-                      <a:solidFill>
-                        <a:srgbClr val="ffffff"/>
-                      </a:solidFill>
-                      <a:prstDash val="solid"/>
-                    </a:lnR>
-                    <a:lnT w="12240">
-                      <a:solidFill>
-                        <a:srgbClr val="ffffff"/>
-                      </a:solidFill>
-                      <a:prstDash val="solid"/>
-                    </a:lnT>
-                    <a:lnB w="12240">
-                      <a:solidFill>
-                        <a:srgbClr val="ffffff"/>
-                      </a:solidFill>
-                      <a:prstDash val="solid"/>
-                    </a:lnB>
-                    <a:solidFill>
-                      <a:schemeClr val="accent1">
-                        <a:lumMod val="75000"/>
-                      </a:schemeClr>
-                    </a:solidFill>
-                  </a:tcPr>
-                </a:tc>
-                <a:tc>
-                  <a:txBody>
-                    <a:bodyPr anchor="ctr">
-                      <a:noAutofit/>
-                    </a:bodyPr>
-                    <a:p>
-                      <a:pPr algn="ctr" defTabSz="3291840">
-                        <a:lnSpc>
-                          <a:spcPct val="100000"/>
-                        </a:lnSpc>
-                      </a:pPr>
-                      <a:r>
-                        <a:rPr b="0" lang="en-US" sz="3200" strike="noStrike" u="none">
-                          <a:solidFill>
-                            <a:srgbClr val="ffffff"/>
-                          </a:solidFill>
-                          <a:effectLst/>
-                          <a:uFillTx/>
-                          <a:latin typeface="Calibri"/>
-                        </a:rPr>
-                        <a:t>Heading</a:t>
-                      </a:r>
-                      <a:endParaRPr b="0" lang="en-US" sz="3200" strike="noStrike" u="none">
-                        <a:solidFill>
-                          <a:srgbClr val="ffffff"/>
-                        </a:solidFill>
-                        <a:effectLst/>
-                        <a:uFillTx/>
-                        <a:latin typeface="Arial"/>
-                      </a:endParaRPr>
-                    </a:p>
-                  </a:txBody>
-                  <a:tcPr anchor="ctr" marL="91440" marR="91440">
-                    <a:lnL w="12240">
-                      <a:solidFill>
-                        <a:srgbClr val="ffffff"/>
-                      </a:solidFill>
-                      <a:prstDash val="solid"/>
-                    </a:lnL>
-                    <a:lnR w="12240">
-                      <a:solidFill>
-                        <a:srgbClr val="ffffff"/>
-                      </a:solidFill>
-                      <a:prstDash val="solid"/>
-                    </a:lnR>
-                    <a:lnT w="12240">
-                      <a:solidFill>
-                        <a:srgbClr val="ffffff"/>
-                      </a:solidFill>
-                      <a:prstDash val="solid"/>
-                    </a:lnT>
-                    <a:lnB w="12240">
-                      <a:solidFill>
-                        <a:srgbClr val="ffffff"/>
-                      </a:solidFill>
-                      <a:prstDash val="solid"/>
-                    </a:lnB>
-                    <a:solidFill>
-                      <a:schemeClr val="accent1">
-                        <a:lumMod val="75000"/>
-                      </a:schemeClr>
-                    </a:solidFill>
-                  </a:tcPr>
-                </a:tc>
-                <a:tc>
-                  <a:txBody>
-                    <a:bodyPr anchor="ctr">
-                      <a:noAutofit/>
-                    </a:bodyPr>
-                    <a:p>
-                      <a:pPr algn="ctr" defTabSz="3291840">
-                        <a:lnSpc>
-                          <a:spcPct val="100000"/>
-                        </a:lnSpc>
-                      </a:pPr>
-                      <a:r>
-                        <a:rPr b="0" lang="en-US" sz="3200" strike="noStrike" u="none">
-                          <a:solidFill>
-                            <a:srgbClr val="ffffff"/>
-                          </a:solidFill>
-                          <a:effectLst/>
-                          <a:uFillTx/>
-                          <a:latin typeface="Calibri"/>
-                        </a:rPr>
-                        <a:t>Heading</a:t>
-                      </a:r>
-                      <a:endParaRPr b="0" lang="en-US" sz="3200" strike="noStrike" u="none">
-                        <a:solidFill>
-                          <a:srgbClr val="ffffff"/>
-                        </a:solidFill>
-                        <a:effectLst/>
-                        <a:uFillTx/>
-                        <a:latin typeface="Arial"/>
-                      </a:endParaRPr>
-                    </a:p>
-                  </a:txBody>
-                  <a:tcPr anchor="ctr" marL="91440" marR="91440">
-                    <a:lnL w="12240">
-                      <a:solidFill>
-                        <a:srgbClr val="ffffff"/>
-                      </a:solidFill>
-                      <a:prstDash val="solid"/>
-                    </a:lnL>
-                    <a:lnR w="12240">
-                      <a:solidFill>
-                        <a:srgbClr val="ffffff"/>
-                      </a:solidFill>
-                      <a:prstDash val="solid"/>
-                    </a:lnR>
-                    <a:lnT w="12240">
-                      <a:solidFill>
-                        <a:srgbClr val="ffffff"/>
-                      </a:solidFill>
-                      <a:prstDash val="solid"/>
-                    </a:lnT>
-                    <a:lnB w="12240">
-                      <a:solidFill>
-                        <a:srgbClr val="ffffff"/>
-                      </a:solidFill>
-                      <a:prstDash val="solid"/>
-                    </a:lnB>
-                    <a:solidFill>
-                      <a:schemeClr val="accent1">
-                        <a:lumMod val="75000"/>
-                      </a:schemeClr>
-                    </a:solidFill>
-                  </a:tcPr>
-                </a:tc>
-              </a:tr>
-              <a:tr h="790200">
-                <a:tc>
-                  <a:txBody>
-                    <a:bodyPr anchor="ctr">
-                      <a:noAutofit/>
-                    </a:bodyPr>
-                    <a:p>
-                      <a:pPr defTabSz="3291840">
-                        <a:lnSpc>
-                          <a:spcPct val="100000"/>
-                        </a:lnSpc>
-                      </a:pPr>
-                      <a:r>
-                        <a:rPr b="0" lang="en-US" sz="3200" strike="noStrike" u="none">
-                          <a:solidFill>
-                            <a:srgbClr val="000000"/>
-                          </a:solidFill>
-                          <a:effectLst/>
-                          <a:uFillTx/>
-                          <a:latin typeface="Calibri"/>
-                        </a:rPr>
-                        <a:t>Item</a:t>
-                      </a:r>
-                      <a:endParaRPr b="0" lang="en-US" sz="3200" strike="noStrike" u="none">
-                        <a:solidFill>
-                          <a:srgbClr val="000000"/>
-                        </a:solidFill>
-                        <a:effectLst/>
-                        <a:uFillTx/>
-                        <a:latin typeface="Arial"/>
-                      </a:endParaRPr>
-                    </a:p>
-                  </a:txBody>
-                  <a:tcPr anchor="ctr" marL="91440" marR="91440">
-                    <a:lnL w="12240">
-                      <a:solidFill>
-                        <a:srgbClr val="ffffff"/>
-                      </a:solidFill>
-                      <a:prstDash val="solid"/>
-                    </a:lnL>
-                    <a:lnR w="12240">
-                      <a:solidFill>
-                        <a:srgbClr val="ffffff"/>
-                      </a:solidFill>
-                      <a:prstDash val="solid"/>
-                    </a:lnR>
-                    <a:lnT w="12240">
-                      <a:solidFill>
-                        <a:srgbClr val="ffffff"/>
-                      </a:solidFill>
-                      <a:prstDash val="solid"/>
-                    </a:lnT>
-                    <a:lnB w="12240">
-                      <a:solidFill>
-                        <a:srgbClr val="ffffff"/>
-                      </a:solidFill>
-                      <a:prstDash val="solid"/>
-                    </a:lnB>
-                    <a:solidFill>
-                      <a:srgbClr val="e0e0e0"/>
-                    </a:solidFill>
-                  </a:tcPr>
-                </a:tc>
-                <a:tc>
-                  <a:txBody>
-                    <a:bodyPr anchor="ctr">
-                      <a:noAutofit/>
-                    </a:bodyPr>
-                    <a:p>
-                      <a:pPr algn="ctr" defTabSz="3291840">
-                        <a:lnSpc>
-                          <a:spcPct val="100000"/>
-                        </a:lnSpc>
-                      </a:pPr>
-                      <a:r>
-                        <a:rPr b="0" lang="en-US" sz="3200" strike="noStrike" u="none">
-                          <a:solidFill>
-                            <a:srgbClr val="000000"/>
-                          </a:solidFill>
-                          <a:effectLst/>
-                          <a:uFillTx/>
-                          <a:latin typeface="Calibri"/>
-                        </a:rPr>
-                        <a:t>800</a:t>
-                      </a:r>
-                      <a:endParaRPr b="0" lang="en-US" sz="3200" strike="noStrike" u="none">
-                        <a:solidFill>
-                          <a:srgbClr val="000000"/>
-                        </a:solidFill>
-                        <a:effectLst/>
-                        <a:uFillTx/>
-                        <a:latin typeface="Arial"/>
-                      </a:endParaRPr>
-                    </a:p>
-                  </a:txBody>
-                  <a:tcPr anchor="ctr" marL="91440" marR="91440">
-                    <a:lnL w="12240">
-                      <a:solidFill>
-                        <a:srgbClr val="ffffff"/>
-                      </a:solidFill>
-                      <a:prstDash val="solid"/>
-                    </a:lnL>
-                    <a:lnR w="12240">
-                      <a:solidFill>
-                        <a:srgbClr val="ffffff"/>
-                      </a:solidFill>
-                      <a:prstDash val="solid"/>
-                    </a:lnR>
-                    <a:lnT w="12240">
-                      <a:solidFill>
-                        <a:srgbClr val="ffffff"/>
-                      </a:solidFill>
-                      <a:prstDash val="solid"/>
-                    </a:lnT>
-                    <a:lnB w="12240">
-                      <a:solidFill>
-                        <a:srgbClr val="ffffff"/>
-                      </a:solidFill>
-                      <a:prstDash val="solid"/>
-                    </a:lnB>
-                    <a:solidFill>
-                      <a:srgbClr val="e0e0e0"/>
-                    </a:solidFill>
-                  </a:tcPr>
-                </a:tc>
-                <a:tc>
-                  <a:txBody>
-                    <a:bodyPr anchor="ctr">
-                      <a:noAutofit/>
-                    </a:bodyPr>
-                    <a:p>
-                      <a:pPr algn="ctr" defTabSz="3291840">
-                        <a:lnSpc>
-                          <a:spcPct val="100000"/>
-                        </a:lnSpc>
-                      </a:pPr>
-                      <a:r>
-                        <a:rPr b="0" lang="en-US" sz="3200" strike="noStrike" u="none">
-                          <a:solidFill>
-                            <a:srgbClr val="000000"/>
-                          </a:solidFill>
-                          <a:effectLst/>
-                          <a:uFillTx/>
-                          <a:latin typeface="Calibri"/>
-                        </a:rPr>
-                        <a:t>790</a:t>
-                      </a:r>
-                      <a:endParaRPr b="0" lang="en-US" sz="3200" strike="noStrike" u="none">
-                        <a:solidFill>
-                          <a:srgbClr val="000000"/>
-                        </a:solidFill>
-                        <a:effectLst/>
-                        <a:uFillTx/>
-                        <a:latin typeface="Arial"/>
-                      </a:endParaRPr>
-                    </a:p>
-                  </a:txBody>
-                  <a:tcPr anchor="ctr" marL="91440" marR="91440">
-                    <a:lnL w="12240">
-                      <a:solidFill>
-                        <a:srgbClr val="ffffff"/>
-                      </a:solidFill>
-                      <a:prstDash val="solid"/>
-                    </a:lnL>
-                    <a:lnR w="12240">
-                      <a:solidFill>
-                        <a:srgbClr val="ffffff"/>
-                      </a:solidFill>
-                      <a:prstDash val="solid"/>
-                    </a:lnR>
-                    <a:lnT w="12240">
-                      <a:solidFill>
-                        <a:srgbClr val="ffffff"/>
-                      </a:solidFill>
-                      <a:prstDash val="solid"/>
-                    </a:lnT>
-                    <a:lnB w="12240">
-                      <a:solidFill>
-                        <a:srgbClr val="ffffff"/>
-                      </a:solidFill>
-                      <a:prstDash val="solid"/>
-                    </a:lnB>
-                    <a:solidFill>
-                      <a:srgbClr val="e0e0e0"/>
-                    </a:solidFill>
-                  </a:tcPr>
-                </a:tc>
-                <a:tc>
-                  <a:txBody>
-                    <a:bodyPr anchor="ctr">
-                      <a:noAutofit/>
-                    </a:bodyPr>
-                    <a:p>
-                      <a:pPr algn="ctr" defTabSz="3291840">
-                        <a:lnSpc>
-                          <a:spcPct val="100000"/>
-                        </a:lnSpc>
-                      </a:pPr>
-                      <a:r>
-                        <a:rPr b="0" lang="en-US" sz="3200" strike="noStrike" u="none">
-                          <a:solidFill>
-                            <a:srgbClr val="000000"/>
-                          </a:solidFill>
-                          <a:effectLst/>
-                          <a:uFillTx/>
-                          <a:latin typeface="Calibri"/>
-                        </a:rPr>
-                        <a:t>4001</a:t>
-                      </a:r>
-                      <a:endParaRPr b="0" lang="en-US" sz="3200" strike="noStrike" u="none">
-                        <a:solidFill>
-                          <a:srgbClr val="000000"/>
-                        </a:solidFill>
-                        <a:effectLst/>
-                        <a:uFillTx/>
-                        <a:latin typeface="Arial"/>
-                      </a:endParaRPr>
-                    </a:p>
-                  </a:txBody>
-                  <a:tcPr anchor="ctr" marL="91440" marR="91440">
-                    <a:lnL w="12240">
-                      <a:solidFill>
-                        <a:srgbClr val="ffffff"/>
-                      </a:solidFill>
-                      <a:prstDash val="solid"/>
-                    </a:lnL>
-                    <a:lnR w="12240">
-                      <a:solidFill>
-                        <a:srgbClr val="ffffff"/>
-                      </a:solidFill>
-                      <a:prstDash val="solid"/>
-                    </a:lnR>
-                    <a:lnT w="12240">
-                      <a:solidFill>
-                        <a:srgbClr val="ffffff"/>
-                      </a:solidFill>
-                      <a:prstDash val="solid"/>
-                    </a:lnT>
-                    <a:lnB w="12240">
-                      <a:solidFill>
-                        <a:srgbClr val="ffffff"/>
-                      </a:solidFill>
-                      <a:prstDash val="solid"/>
-                    </a:lnB>
-                    <a:solidFill>
-                      <a:srgbClr val="e0e0e0"/>
-                    </a:solidFill>
-                  </a:tcPr>
-                </a:tc>
-              </a:tr>
-              <a:tr h="790200">
-                <a:tc>
-                  <a:txBody>
-                    <a:bodyPr anchor="ctr">
-                      <a:noAutofit/>
-                    </a:bodyPr>
-                    <a:p>
-                      <a:pPr defTabSz="3291840">
-                        <a:lnSpc>
-                          <a:spcPct val="100000"/>
-                        </a:lnSpc>
-                      </a:pPr>
-                      <a:r>
-                        <a:rPr b="0" lang="en-US" sz="3200" strike="noStrike" u="none">
-                          <a:solidFill>
-                            <a:srgbClr val="000000"/>
-                          </a:solidFill>
-                          <a:effectLst/>
-                          <a:uFillTx/>
-                          <a:latin typeface="Calibri"/>
-                        </a:rPr>
-                        <a:t>Item</a:t>
-                      </a:r>
-                      <a:endParaRPr b="0" lang="en-US" sz="3200" strike="noStrike" u="none">
-                        <a:solidFill>
-                          <a:srgbClr val="000000"/>
-                        </a:solidFill>
-                        <a:effectLst/>
-                        <a:uFillTx/>
-                        <a:latin typeface="Arial"/>
-                      </a:endParaRPr>
-                    </a:p>
-                  </a:txBody>
-                  <a:tcPr anchor="ctr" marL="91440" marR="91440">
-                    <a:lnL w="12240">
-                      <a:solidFill>
-                        <a:srgbClr val="ffffff"/>
-                      </a:solidFill>
-                      <a:prstDash val="solid"/>
-                    </a:lnL>
-                    <a:lnR w="12240">
-                      <a:solidFill>
-                        <a:srgbClr val="ffffff"/>
-                      </a:solidFill>
-                      <a:prstDash val="solid"/>
-                    </a:lnR>
-                    <a:lnT w="12240">
-                      <a:solidFill>
-                        <a:srgbClr val="ffffff"/>
-                      </a:solidFill>
-                      <a:prstDash val="solid"/>
-                    </a:lnT>
-                    <a:lnB w="12240">
-                      <a:solidFill>
-                        <a:srgbClr val="ffffff"/>
-                      </a:solidFill>
-                      <a:prstDash val="solid"/>
-                    </a:lnB>
-                    <a:solidFill>
-                      <a:srgbClr val="f0f0f0"/>
-                    </a:solidFill>
-                  </a:tcPr>
-                </a:tc>
-                <a:tc>
-                  <a:txBody>
-                    <a:bodyPr anchor="ctr">
-                      <a:noAutofit/>
-                    </a:bodyPr>
-                    <a:p>
-                      <a:pPr algn="ctr" defTabSz="3291840">
-                        <a:lnSpc>
-                          <a:spcPct val="100000"/>
-                        </a:lnSpc>
-                      </a:pPr>
-                      <a:r>
-                        <a:rPr b="0" lang="en-US" sz="3200" strike="noStrike" u="none">
-                          <a:solidFill>
-                            <a:srgbClr val="000000"/>
-                          </a:solidFill>
-                          <a:effectLst/>
-                          <a:uFillTx/>
-                          <a:latin typeface="Calibri"/>
-                        </a:rPr>
-                        <a:t>356</a:t>
-                      </a:r>
-                      <a:endParaRPr b="0" lang="en-US" sz="3200" strike="noStrike" u="none">
-                        <a:solidFill>
-                          <a:srgbClr val="000000"/>
-                        </a:solidFill>
-                        <a:effectLst/>
-                        <a:uFillTx/>
-                        <a:latin typeface="Arial"/>
-                      </a:endParaRPr>
-                    </a:p>
-                  </a:txBody>
-                  <a:tcPr anchor="ctr" marL="91440" marR="91440">
-                    <a:lnL w="12240">
-                      <a:solidFill>
-                        <a:srgbClr val="ffffff"/>
-                      </a:solidFill>
-                      <a:prstDash val="solid"/>
-                    </a:lnL>
-                    <a:lnR w="12240">
-                      <a:solidFill>
-                        <a:srgbClr val="ffffff"/>
-                      </a:solidFill>
-                      <a:prstDash val="solid"/>
-                    </a:lnR>
-                    <a:lnT w="12240">
-                      <a:solidFill>
-                        <a:srgbClr val="ffffff"/>
-                      </a:solidFill>
-                      <a:prstDash val="solid"/>
-                    </a:lnT>
-                    <a:lnB w="12240">
-                      <a:solidFill>
-                        <a:srgbClr val="ffffff"/>
-                      </a:solidFill>
-                      <a:prstDash val="solid"/>
-                    </a:lnB>
-                    <a:solidFill>
-                      <a:srgbClr val="f0f0f0"/>
-                    </a:solidFill>
-                  </a:tcPr>
-                </a:tc>
-                <a:tc>
-                  <a:txBody>
-                    <a:bodyPr anchor="ctr">
-                      <a:noAutofit/>
-                    </a:bodyPr>
-                    <a:p>
-                      <a:pPr algn="ctr" defTabSz="3291840">
-                        <a:lnSpc>
-                          <a:spcPct val="100000"/>
-                        </a:lnSpc>
-                      </a:pPr>
-                      <a:r>
-                        <a:rPr b="0" lang="en-US" sz="3200" strike="noStrike" u="none">
-                          <a:solidFill>
-                            <a:srgbClr val="000000"/>
-                          </a:solidFill>
-                          <a:effectLst/>
-                          <a:uFillTx/>
-                          <a:latin typeface="Calibri"/>
-                        </a:rPr>
-                        <a:t>856</a:t>
-                      </a:r>
-                      <a:endParaRPr b="0" lang="en-US" sz="3200" strike="noStrike" u="none">
-                        <a:solidFill>
-                          <a:srgbClr val="000000"/>
-                        </a:solidFill>
-                        <a:effectLst/>
-                        <a:uFillTx/>
-                        <a:latin typeface="Arial"/>
-                      </a:endParaRPr>
-                    </a:p>
-                  </a:txBody>
-                  <a:tcPr anchor="ctr" marL="91440" marR="91440">
-                    <a:lnL w="12240">
-                      <a:solidFill>
-                        <a:srgbClr val="ffffff"/>
-                      </a:solidFill>
-                      <a:prstDash val="solid"/>
-                    </a:lnL>
-                    <a:lnR w="12240">
-                      <a:solidFill>
-                        <a:srgbClr val="ffffff"/>
-                      </a:solidFill>
-                      <a:prstDash val="solid"/>
-                    </a:lnR>
-                    <a:lnT w="12240">
-                      <a:solidFill>
-                        <a:srgbClr val="ffffff"/>
-                      </a:solidFill>
-                      <a:prstDash val="solid"/>
-                    </a:lnT>
-                    <a:lnB w="12240">
-                      <a:solidFill>
-                        <a:srgbClr val="ffffff"/>
-                      </a:solidFill>
-                      <a:prstDash val="solid"/>
-                    </a:lnB>
-                    <a:solidFill>
-                      <a:srgbClr val="f0f0f0"/>
-                    </a:solidFill>
-                  </a:tcPr>
-                </a:tc>
-                <a:tc>
-                  <a:txBody>
-                    <a:bodyPr anchor="ctr">
-                      <a:noAutofit/>
-                    </a:bodyPr>
-                    <a:p>
-                      <a:pPr algn="ctr" defTabSz="3291840">
-                        <a:lnSpc>
-                          <a:spcPct val="100000"/>
-                        </a:lnSpc>
-                      </a:pPr>
-                      <a:r>
-                        <a:rPr b="0" lang="en-US" sz="3200" strike="noStrike" u="none">
-                          <a:solidFill>
-                            <a:srgbClr val="000000"/>
-                          </a:solidFill>
-                          <a:effectLst/>
-                          <a:uFillTx/>
-                          <a:latin typeface="Calibri"/>
-                        </a:rPr>
-                        <a:t>290</a:t>
-                      </a:r>
-                      <a:endParaRPr b="0" lang="en-US" sz="3200" strike="noStrike" u="none">
-                        <a:solidFill>
-                          <a:srgbClr val="000000"/>
-                        </a:solidFill>
-                        <a:effectLst/>
-                        <a:uFillTx/>
-                        <a:latin typeface="Arial"/>
-                      </a:endParaRPr>
-                    </a:p>
-                  </a:txBody>
-                  <a:tcPr anchor="ctr" marL="91440" marR="91440">
-                    <a:lnL w="12240">
-                      <a:solidFill>
-                        <a:srgbClr val="ffffff"/>
-                      </a:solidFill>
-                      <a:prstDash val="solid"/>
-                    </a:lnL>
-                    <a:lnR w="12240">
-                      <a:solidFill>
-                        <a:srgbClr val="ffffff"/>
-                      </a:solidFill>
-                      <a:prstDash val="solid"/>
-                    </a:lnR>
-                    <a:lnT w="12240">
-                      <a:solidFill>
-                        <a:srgbClr val="ffffff"/>
-                      </a:solidFill>
-                      <a:prstDash val="solid"/>
-                    </a:lnT>
-                    <a:lnB w="12240">
-                      <a:solidFill>
-                        <a:srgbClr val="ffffff"/>
-                      </a:solidFill>
-                      <a:prstDash val="solid"/>
-                    </a:lnB>
-                    <a:solidFill>
-                      <a:srgbClr val="f0f0f0"/>
-                    </a:solidFill>
-                  </a:tcPr>
-                </a:tc>
-              </a:tr>
-              <a:tr h="790200">
-                <a:tc>
-                  <a:txBody>
-                    <a:bodyPr anchor="ctr">
-                      <a:noAutofit/>
-                    </a:bodyPr>
-                    <a:p>
-                      <a:pPr defTabSz="3291840">
-                        <a:lnSpc>
-                          <a:spcPct val="100000"/>
-                        </a:lnSpc>
-                      </a:pPr>
-                      <a:r>
-                        <a:rPr b="0" lang="en-US" sz="3200" strike="noStrike" u="none">
-                          <a:solidFill>
-                            <a:srgbClr val="000000"/>
-                          </a:solidFill>
-                          <a:effectLst/>
-                          <a:uFillTx/>
-                          <a:latin typeface="Calibri"/>
-                        </a:rPr>
-                        <a:t>Item</a:t>
-                      </a:r>
-                      <a:endParaRPr b="0" lang="en-US" sz="3200" strike="noStrike" u="none">
-                        <a:solidFill>
-                          <a:srgbClr val="000000"/>
-                        </a:solidFill>
-                        <a:effectLst/>
-                        <a:uFillTx/>
-                        <a:latin typeface="Arial"/>
-                      </a:endParaRPr>
-                    </a:p>
-                  </a:txBody>
-                  <a:tcPr anchor="ctr" marL="91440" marR="91440">
-                    <a:lnL w="12240">
-                      <a:solidFill>
-                        <a:srgbClr val="ffffff"/>
-                      </a:solidFill>
-                      <a:prstDash val="solid"/>
-                    </a:lnL>
-                    <a:lnR w="12240">
-                      <a:solidFill>
-                        <a:srgbClr val="ffffff"/>
-                      </a:solidFill>
-                      <a:prstDash val="solid"/>
-                    </a:lnR>
-                    <a:lnT w="12240">
-                      <a:solidFill>
-                        <a:srgbClr val="ffffff"/>
-                      </a:solidFill>
-                      <a:prstDash val="solid"/>
-                    </a:lnT>
-                    <a:lnB w="12240">
-                      <a:solidFill>
-                        <a:srgbClr val="ffffff"/>
-                      </a:solidFill>
-                      <a:prstDash val="solid"/>
-                    </a:lnB>
-                    <a:solidFill>
-                      <a:srgbClr val="e0e0e0"/>
-                    </a:solidFill>
-                  </a:tcPr>
-                </a:tc>
-                <a:tc>
-                  <a:txBody>
-                    <a:bodyPr anchor="ctr">
-                      <a:noAutofit/>
-                    </a:bodyPr>
-                    <a:p>
-                      <a:pPr algn="ctr" defTabSz="3291840">
-                        <a:lnSpc>
-                          <a:spcPct val="100000"/>
-                        </a:lnSpc>
-                      </a:pPr>
-                      <a:r>
-                        <a:rPr b="0" lang="en-US" sz="3200" strike="noStrike" u="none">
-                          <a:solidFill>
-                            <a:srgbClr val="000000"/>
-                          </a:solidFill>
-                          <a:effectLst/>
-                          <a:uFillTx/>
-                          <a:latin typeface="Calibri"/>
-                        </a:rPr>
-                        <a:t>228</a:t>
-                      </a:r>
-                      <a:endParaRPr b="0" lang="en-US" sz="3200" strike="noStrike" u="none">
-                        <a:solidFill>
-                          <a:srgbClr val="000000"/>
-                        </a:solidFill>
-                        <a:effectLst/>
-                        <a:uFillTx/>
-                        <a:latin typeface="Arial"/>
-                      </a:endParaRPr>
-                    </a:p>
-                  </a:txBody>
-                  <a:tcPr anchor="ctr" marL="91440" marR="91440">
-                    <a:lnL w="12240">
-                      <a:solidFill>
-                        <a:srgbClr val="ffffff"/>
-                      </a:solidFill>
-                      <a:prstDash val="solid"/>
-                    </a:lnL>
-                    <a:lnR w="12240">
-                      <a:solidFill>
-                        <a:srgbClr val="ffffff"/>
-                      </a:solidFill>
-                      <a:prstDash val="solid"/>
-                    </a:lnR>
-                    <a:lnT w="12240">
-                      <a:solidFill>
-                        <a:srgbClr val="ffffff"/>
-                      </a:solidFill>
-                      <a:prstDash val="solid"/>
-                    </a:lnT>
-                    <a:lnB w="12240">
-                      <a:solidFill>
-                        <a:srgbClr val="ffffff"/>
-                      </a:solidFill>
-                      <a:prstDash val="solid"/>
-                    </a:lnB>
-                    <a:solidFill>
-                      <a:srgbClr val="e0e0e0"/>
-                    </a:solidFill>
-                  </a:tcPr>
-                </a:tc>
-                <a:tc>
-                  <a:txBody>
-                    <a:bodyPr anchor="ctr">
-                      <a:noAutofit/>
-                    </a:bodyPr>
-                    <a:p>
-                      <a:pPr algn="ctr" defTabSz="3291840">
-                        <a:lnSpc>
-                          <a:spcPct val="100000"/>
-                        </a:lnSpc>
-                      </a:pPr>
-                      <a:r>
-                        <a:rPr b="0" lang="en-US" sz="3200" strike="noStrike" u="none">
-                          <a:solidFill>
-                            <a:srgbClr val="000000"/>
-                          </a:solidFill>
-                          <a:effectLst/>
-                          <a:uFillTx/>
-                          <a:latin typeface="Calibri"/>
-                        </a:rPr>
-                        <a:t>134</a:t>
-                      </a:r>
-                      <a:endParaRPr b="0" lang="en-US" sz="3200" strike="noStrike" u="none">
-                        <a:solidFill>
-                          <a:srgbClr val="000000"/>
-                        </a:solidFill>
-                        <a:effectLst/>
-                        <a:uFillTx/>
-                        <a:latin typeface="Arial"/>
-                      </a:endParaRPr>
-                    </a:p>
-                  </a:txBody>
-                  <a:tcPr anchor="ctr" marL="91440" marR="91440">
-                    <a:lnL w="12240">
-                      <a:solidFill>
-                        <a:srgbClr val="ffffff"/>
-                      </a:solidFill>
-                      <a:prstDash val="solid"/>
-                    </a:lnL>
-                    <a:lnR w="12240">
-                      <a:solidFill>
-                        <a:srgbClr val="ffffff"/>
-                      </a:solidFill>
-                      <a:prstDash val="solid"/>
-                    </a:lnR>
-                    <a:lnT w="12240">
-                      <a:solidFill>
-                        <a:srgbClr val="ffffff"/>
-                      </a:solidFill>
-                      <a:prstDash val="solid"/>
-                    </a:lnT>
-                    <a:lnB w="12240">
-                      <a:solidFill>
-                        <a:srgbClr val="ffffff"/>
-                      </a:solidFill>
-                      <a:prstDash val="solid"/>
-                    </a:lnB>
-                    <a:solidFill>
-                      <a:srgbClr val="e0e0e0"/>
-                    </a:solidFill>
-                  </a:tcPr>
-                </a:tc>
-                <a:tc>
-                  <a:txBody>
-                    <a:bodyPr anchor="ctr">
-                      <a:noAutofit/>
-                    </a:bodyPr>
-                    <a:p>
-                      <a:pPr algn="ctr" defTabSz="3291840">
-                        <a:lnSpc>
-                          <a:spcPct val="100000"/>
-                        </a:lnSpc>
-                      </a:pPr>
-                      <a:r>
-                        <a:rPr b="0" lang="en-US" sz="3200" strike="noStrike" u="none">
-                          <a:solidFill>
-                            <a:srgbClr val="000000"/>
-                          </a:solidFill>
-                          <a:effectLst/>
-                          <a:uFillTx/>
-                          <a:latin typeface="Calibri"/>
-                        </a:rPr>
-                        <a:t>238</a:t>
-                      </a:r>
-                      <a:endParaRPr b="0" lang="en-US" sz="3200" strike="noStrike" u="none">
-                        <a:solidFill>
-                          <a:srgbClr val="000000"/>
-                        </a:solidFill>
-                        <a:effectLst/>
-                        <a:uFillTx/>
-                        <a:latin typeface="Arial"/>
-                      </a:endParaRPr>
-                    </a:p>
-                  </a:txBody>
-                  <a:tcPr anchor="ctr" marL="91440" marR="91440">
-                    <a:lnL w="12240">
-                      <a:solidFill>
-                        <a:srgbClr val="ffffff"/>
-                      </a:solidFill>
-                      <a:prstDash val="solid"/>
-                    </a:lnL>
-                    <a:lnR w="12240">
-                      <a:solidFill>
-                        <a:srgbClr val="ffffff"/>
-                      </a:solidFill>
-                      <a:prstDash val="solid"/>
-                    </a:lnR>
-                    <a:lnT w="12240">
-                      <a:solidFill>
-                        <a:srgbClr val="ffffff"/>
-                      </a:solidFill>
-                      <a:prstDash val="solid"/>
-                    </a:lnT>
-                    <a:lnB w="12240">
-                      <a:solidFill>
-                        <a:srgbClr val="ffffff"/>
-                      </a:solidFill>
-                      <a:prstDash val="solid"/>
-                    </a:lnB>
-                    <a:solidFill>
-                      <a:srgbClr val="e0e0e0"/>
-                    </a:solidFill>
-                  </a:tcPr>
-                </a:tc>
-              </a:tr>
-            </a:tbl>
-          </a:graphicData>
-        </a:graphic>
-      </p:graphicFrame>
       <p:sp>
         <p:nvSpPr>
-          <p:cNvPr id="77" name="Rectangle 21"/>
+          <p:cNvPr id="76" name="Rectangle 21"/>
           <p:cNvSpPr/>
           <p:nvPr/>
         </p:nvSpPr>
@@ -9062,7 +7783,7 @@
                 <a:uFillTx/>
                 <a:latin typeface="Calibri"/>
               </a:rPr>
-              <a:t>Obtaining manuscripts</a:t>
+              <a:t>Challenges</a:t>
             </a:r>
             <a:endParaRPr b="0" lang="en-US" sz="6000" strike="noStrike" u="none">
               <a:solidFill>
@@ -9077,14 +7798,14 @@
       </p:sp>
       <p:sp>
         <p:nvSpPr>
-          <p:cNvPr id="78" name="Text Box 180"/>
+          <p:cNvPr id="77" name="Text Box 180"/>
           <p:cNvSpPr/>
           <p:nvPr/>
         </p:nvSpPr>
         <p:spPr>
           <a:xfrm>
-            <a:off x="1813320" y="26193600"/>
-            <a:ext cx="3749040" cy="456120"/>
+            <a:off x="16916400" y="21183480"/>
+            <a:ext cx="7539120" cy="456120"/>
           </a:xfrm>
           <a:prstGeom prst="rect">
             <a:avLst/>
@@ -9119,7 +7840,7 @@
                 <a:uFillTx/>
                 <a:latin typeface="Calibri"/>
               </a:rPr>
-              <a:t>Table 1.</a:t>
+              <a:t>Figure 1.</a:t>
             </a:r>
             <a:r>
               <a:rPr b="0" lang="en-US" sz="2400" strike="noStrike" u="none">
@@ -9130,91 +7851,7 @@
                 <a:uFillTx/>
                 <a:latin typeface="Calibri"/>
               </a:rPr>
-              <a:t> Label in 24pt Calibri.</a:t>
-            </a:r>
-            <a:endParaRPr b="0" lang="en-US" sz="2400" strike="noStrike" u="none">
-              <a:solidFill>
-                <a:srgbClr val="000000"/>
-              </a:solidFill>
-              <a:effectLst/>
-              <a:uFillTx/>
-              <a:latin typeface="Arial"/>
-            </a:endParaRPr>
-          </a:p>
-        </p:txBody>
-      </p:sp>
-      <p:graphicFrame>
-        <p:nvGraphicFramePr>
-          <p:cNvPr id="79" name="Chart 23"/>
-          <p:cNvGraphicFramePr/>
-          <p:nvPr/>
-        </p:nvGraphicFramePr>
-        <p:xfrm>
-          <a:off x="16916400" y="15202080"/>
-          <a:ext cx="14172840" cy="5976720"/>
-        </p:xfrm>
-        <a:graphic>
-          <a:graphicData uri="http://schemas.openxmlformats.org/drawingml/2006/chart">
-            <c:chart xmlns:c="http://schemas.openxmlformats.org/drawingml/2006/chart" xmlns:r="http://schemas.openxmlformats.org/officeDocument/2006/relationships" r:id="rId3"/>
-          </a:graphicData>
-        </a:graphic>
-      </p:graphicFrame>
-      <p:sp>
-        <p:nvSpPr>
-          <p:cNvPr id="80" name="Text Box 180"/>
-          <p:cNvSpPr/>
-          <p:nvPr/>
-        </p:nvSpPr>
-        <p:spPr>
-          <a:xfrm>
-            <a:off x="16957440" y="21183480"/>
-            <a:ext cx="3768480" cy="456120"/>
-          </a:xfrm>
-          <a:prstGeom prst="rect">
-            <a:avLst/>
-          </a:prstGeom>
-          <a:noFill/>
-          <a:ln w="0">
-            <a:noFill/>
-          </a:ln>
-        </p:spPr>
-        <p:style>
-          <a:lnRef idx="0"/>
-          <a:fillRef idx="0"/>
-          <a:effectRef idx="0"/>
-          <a:fontRef idx="minor"/>
-        </p:style>
-        <p:txBody>
-          <a:bodyPr wrap="none" lIns="90000" rIns="90000" tIns="45000" bIns="45000" anchor="t">
-            <a:spAutoFit/>
-          </a:bodyPr>
-          <a:p>
-            <a:pPr algn="ctr" defTabSz="4389480">
-              <a:lnSpc>
-                <a:spcPct val="100000"/>
-              </a:lnSpc>
-            </a:pPr>
-            <a:r>
-              <a:rPr b="1" lang="en-US" sz="2400" strike="noStrike" u="none">
-                <a:solidFill>
-                  <a:schemeClr val="dk1"/>
-                </a:solidFill>
-                <a:effectLst/>
-                <a:uFillTx/>
-                <a:latin typeface="Calibri"/>
-              </a:rPr>
-              <a:t>Chart 1.</a:t>
-            </a:r>
-            <a:r>
-              <a:rPr b="0" lang="en-US" sz="2400" strike="noStrike" u="none">
-                <a:solidFill>
-                  <a:schemeClr val="dk1"/>
-                </a:solidFill>
-                <a:effectLst/>
-                <a:uFillTx/>
-                <a:latin typeface="Calibri"/>
-              </a:rPr>
-              <a:t> Label in 24pt Calibri.</a:t>
+              <a:t> Distribution of Data Access in AER articles in 2024.</a:t>
             </a:r>
             <a:endParaRPr b="0" lang="en-US" sz="2400" strike="noStrike" u="none">
               <a:solidFill>
@@ -9229,7 +7866,7 @@
       </p:sp>
       <p:sp>
         <p:nvSpPr>
-          <p:cNvPr id="81" name="Rectangle 265"/>
+          <p:cNvPr id="78" name="Rectangle 265"/>
           <p:cNvSpPr/>
           <p:nvPr/>
         </p:nvSpPr>
@@ -9319,7 +7956,7 @@
       </p:sp>
       <p:sp>
         <p:nvSpPr>
-          <p:cNvPr id="82" name="Rectangle 265"/>
+          <p:cNvPr id="79" name="Rectangle 265"/>
           <p:cNvSpPr/>
           <p:nvPr/>
         </p:nvSpPr>
@@ -9409,7 +8046,7 @@
       </p:sp>
       <p:pic>
         <p:nvPicPr>
-          <p:cNvPr id="83" name="Picture 178" descr="Picture1"/>
+          <p:cNvPr id="80" name="" descr=""/>
           <p:cNvPicPr/>
           <p:nvPr/>
         </p:nvPicPr>
@@ -9419,293 +8056,7 @@
         </p:blipFill>
         <p:spPr>
           <a:xfrm>
-            <a:off x="18059400" y="29870280"/>
-            <a:ext cx="3511080" cy="2925720"/>
-          </a:xfrm>
-          <a:prstGeom prst="rect">
-            <a:avLst/>
-          </a:prstGeom>
-          <a:noFill/>
-          <a:ln w="9360">
-            <a:solidFill>
-              <a:schemeClr val="dk2">
-                <a:lumMod val="50000"/>
-              </a:schemeClr>
-            </a:solidFill>
-            <a:miter/>
-          </a:ln>
-        </p:spPr>
-      </p:pic>
-      <p:pic>
-        <p:nvPicPr>
-          <p:cNvPr id="84" name="Picture 179" descr="Picture2"/>
-          <p:cNvPicPr/>
-          <p:nvPr/>
-        </p:nvPicPr>
-        <p:blipFill>
-          <a:blip r:embed="rId7"/>
-          <a:stretch/>
-        </p:blipFill>
-        <p:spPr>
-          <a:xfrm>
-            <a:off x="22247280" y="29870280"/>
-            <a:ext cx="3511080" cy="2925720"/>
-          </a:xfrm>
-          <a:prstGeom prst="rect">
-            <a:avLst/>
-          </a:prstGeom>
-          <a:noFill/>
-          <a:ln w="0">
-            <a:noFill/>
-          </a:ln>
-        </p:spPr>
-      </p:pic>
-      <p:sp>
-        <p:nvSpPr>
-          <p:cNvPr id="85" name="Text Box 180"/>
-          <p:cNvSpPr/>
-          <p:nvPr/>
-        </p:nvSpPr>
-        <p:spPr>
-          <a:xfrm>
-            <a:off x="18135720" y="32918400"/>
-            <a:ext cx="3252960" cy="395280"/>
-          </a:xfrm>
-          <a:prstGeom prst="rect">
-            <a:avLst/>
-          </a:prstGeom>
-          <a:noFill/>
-          <a:ln w="0">
-            <a:noFill/>
-          </a:ln>
-        </p:spPr>
-        <p:style>
-          <a:lnRef idx="0"/>
-          <a:fillRef idx="0"/>
-          <a:effectRef idx="0"/>
-          <a:fontRef idx="minor"/>
-        </p:style>
-        <p:txBody>
-          <a:bodyPr wrap="none" lIns="90000" rIns="90000" tIns="45000" bIns="45000" anchor="t">
-            <a:spAutoFit/>
-          </a:bodyPr>
-          <a:p>
-            <a:pPr defTabSz="4389480">
-              <a:lnSpc>
-                <a:spcPct val="100000"/>
-              </a:lnSpc>
-            </a:pPr>
-            <a:r>
-              <a:rPr b="1" lang="en-US" sz="2000" strike="noStrike" u="none">
-                <a:solidFill>
-                  <a:schemeClr val="dk1"/>
-                </a:solidFill>
-                <a:effectLst/>
-                <a:uFillTx/>
-                <a:latin typeface="Calibri"/>
-              </a:rPr>
-              <a:t>Figure 1.</a:t>
-            </a:r>
-            <a:r>
-              <a:rPr b="0" lang="en-US" sz="2000" strike="noStrike" u="none">
-                <a:solidFill>
-                  <a:schemeClr val="dk1"/>
-                </a:solidFill>
-                <a:effectLst/>
-                <a:uFillTx/>
-                <a:latin typeface="Calibri"/>
-              </a:rPr>
-              <a:t> Label in 20pt Calibri.</a:t>
-            </a:r>
-            <a:endParaRPr b="0" lang="en-US" sz="2000" strike="noStrike" u="none">
-              <a:solidFill>
-                <a:srgbClr val="000000"/>
-              </a:solidFill>
-              <a:effectLst/>
-              <a:uFillTx/>
-              <a:latin typeface="Arial"/>
-            </a:endParaRPr>
-          </a:p>
-        </p:txBody>
-      </p:sp>
-      <p:sp>
-        <p:nvSpPr>
-          <p:cNvPr id="86" name="Text Box 181"/>
-          <p:cNvSpPr/>
-          <p:nvPr/>
-        </p:nvSpPr>
-        <p:spPr>
-          <a:xfrm>
-            <a:off x="22326480" y="32918400"/>
-            <a:ext cx="3252960" cy="395280"/>
-          </a:xfrm>
-          <a:prstGeom prst="rect">
-            <a:avLst/>
-          </a:prstGeom>
-          <a:noFill/>
-          <a:ln w="0">
-            <a:noFill/>
-          </a:ln>
-        </p:spPr>
-        <p:style>
-          <a:lnRef idx="0"/>
-          <a:fillRef idx="0"/>
-          <a:effectRef idx="0"/>
-          <a:fontRef idx="minor"/>
-        </p:style>
-        <p:txBody>
-          <a:bodyPr wrap="none" lIns="90000" rIns="90000" tIns="45000" bIns="45000" anchor="t">
-            <a:spAutoFit/>
-          </a:bodyPr>
-          <a:p>
-            <a:pPr defTabSz="4389480">
-              <a:lnSpc>
-                <a:spcPct val="100000"/>
-              </a:lnSpc>
-            </a:pPr>
-            <a:r>
-              <a:rPr b="1" lang="en-US" sz="2000" strike="noStrike" u="none">
-                <a:solidFill>
-                  <a:schemeClr val="dk1"/>
-                </a:solidFill>
-                <a:effectLst/>
-                <a:uFillTx/>
-                <a:latin typeface="Calibri"/>
-              </a:rPr>
-              <a:t>Figure 2.</a:t>
-            </a:r>
-            <a:r>
-              <a:rPr b="0" lang="en-US" sz="2000" strike="noStrike" u="none">
-                <a:solidFill>
-                  <a:schemeClr val="dk1"/>
-                </a:solidFill>
-                <a:effectLst/>
-                <a:uFillTx/>
-                <a:latin typeface="Calibri"/>
-              </a:rPr>
-              <a:t> Label in 20pt Calibri.</a:t>
-            </a:r>
-            <a:endParaRPr b="0" lang="en-US" sz="2000" strike="noStrike" u="none">
-              <a:solidFill>
-                <a:srgbClr val="000000"/>
-              </a:solidFill>
-              <a:effectLst/>
-              <a:uFillTx/>
-              <a:latin typeface="Arial"/>
-            </a:endParaRPr>
-          </a:p>
-        </p:txBody>
-      </p:sp>
-      <p:pic>
-        <p:nvPicPr>
-          <p:cNvPr id="87" name="Picture 31" descr=""/>
-          <p:cNvPicPr/>
-          <p:nvPr/>
-        </p:nvPicPr>
-        <p:blipFill>
-          <a:blip r:embed="rId8"/>
-          <a:srcRect l="0" t="0" r="20126" b="0"/>
-          <a:stretch/>
-        </p:blipFill>
-        <p:spPr>
-          <a:xfrm>
-            <a:off x="26435160" y="29870280"/>
-            <a:ext cx="3511080" cy="2925720"/>
-          </a:xfrm>
-          <a:prstGeom prst="rect">
-            <a:avLst/>
-          </a:prstGeom>
-          <a:noFill/>
-          <a:ln w="0">
-            <a:solidFill>
-              <a:schemeClr val="dk2">
-                <a:lumMod val="50000"/>
-              </a:schemeClr>
-            </a:solidFill>
-          </a:ln>
-        </p:spPr>
-      </p:pic>
-      <p:sp>
-        <p:nvSpPr>
-          <p:cNvPr id="88" name="Text Box 181"/>
-          <p:cNvSpPr/>
-          <p:nvPr/>
-        </p:nvSpPr>
-        <p:spPr>
-          <a:xfrm>
-            <a:off x="26506080" y="32918400"/>
-            <a:ext cx="3252960" cy="395280"/>
-          </a:xfrm>
-          <a:prstGeom prst="rect">
-            <a:avLst/>
-          </a:prstGeom>
-          <a:noFill/>
-          <a:ln w="0">
-            <a:noFill/>
-          </a:ln>
-        </p:spPr>
-        <p:style>
-          <a:lnRef idx="0"/>
-          <a:fillRef idx="0"/>
-          <a:effectRef idx="0"/>
-          <a:fontRef idx="minor"/>
-        </p:style>
-        <p:txBody>
-          <a:bodyPr wrap="none" lIns="90000" rIns="90000" tIns="45000" bIns="45000" anchor="t">
-            <a:spAutoFit/>
-          </a:bodyPr>
-          <a:p>
-            <a:pPr defTabSz="4389480">
-              <a:lnSpc>
-                <a:spcPct val="100000"/>
-              </a:lnSpc>
-            </a:pPr>
-            <a:r>
-              <a:rPr b="1" lang="en-US" sz="2000" strike="noStrike" u="none">
-                <a:solidFill>
-                  <a:schemeClr val="dk1"/>
-                </a:solidFill>
-                <a:effectLst/>
-                <a:uFillTx/>
-                <a:latin typeface="Calibri"/>
-              </a:rPr>
-              <a:t>Figure 3.</a:t>
-            </a:r>
-            <a:r>
-              <a:rPr b="0" lang="en-US" sz="2000" strike="noStrike" u="none">
-                <a:solidFill>
-                  <a:schemeClr val="dk1"/>
-                </a:solidFill>
-                <a:effectLst/>
-                <a:uFillTx/>
-                <a:latin typeface="Calibri"/>
-              </a:rPr>
-              <a:t> Label in 20pt Calibri.</a:t>
-            </a:r>
-            <a:endParaRPr b="0" lang="en-US" sz="2000" strike="noStrike" u="none">
-              <a:solidFill>
-                <a:srgbClr val="000000"/>
-              </a:solidFill>
-              <a:effectLst/>
-              <a:uFillTx/>
-              <a:latin typeface="Arial"/>
-            </a:endParaRPr>
-          </a:p>
-        </p:txBody>
-      </p:sp>
-      <p:pic>
-        <p:nvPicPr>
-          <p:cNvPr id="89" name="" descr=""/>
-          <p:cNvPicPr/>
-          <p:nvPr/>
-        </p:nvPicPr>
-        <p:blipFill>
-          <a:blip r:embed="rId9"/>
-          <a:stretch/>
-        </p:blipFill>
-        <p:spPr>
-          <a:xfrm>
-            <a:off x="10744560" y="38404800"/>
+            <a:off x="10744200" y="39015000"/>
             <a:ext cx="4571640" cy="4571640"/>
           </a:xfrm>
           <a:prstGeom prst="rect">
@@ -9719,13 +8070,13 @@
       </p:pic>
       <p:sp>
         <p:nvSpPr>
-          <p:cNvPr id="90" name="Text Box 1"/>
+          <p:cNvPr id="81" name="Text Box 1"/>
           <p:cNvSpPr/>
           <p:nvPr/>
         </p:nvSpPr>
         <p:spPr>
           <a:xfrm>
-            <a:off x="1828800" y="15087240"/>
+            <a:off x="1829160" y="13409280"/>
             <a:ext cx="14172840" cy="6707520"/>
           </a:xfrm>
           <a:prstGeom prst="rect">
@@ -9844,6 +8195,630 @@
                 <a:spcPct val="100000"/>
               </a:lnSpc>
             </a:pPr>
+            <a:endParaRPr b="0" lang="en-US" sz="3200" strike="noStrike" u="none">
+              <a:solidFill>
+                <a:srgbClr val="000000"/>
+              </a:solidFill>
+              <a:effectLst/>
+              <a:uFillTx/>
+              <a:latin typeface="Arial"/>
+            </a:endParaRPr>
+          </a:p>
+        </p:txBody>
+      </p:sp>
+      <p:pic>
+        <p:nvPicPr>
+          <p:cNvPr id="82" name="" descr=""/>
+          <p:cNvPicPr/>
+          <p:nvPr/>
+        </p:nvPicPr>
+        <p:blipFill>
+          <a:blip r:embed="rId7"/>
+          <a:stretch/>
+        </p:blipFill>
+        <p:spPr>
+          <a:xfrm>
+            <a:off x="16696440" y="12664080"/>
+            <a:ext cx="13021560" cy="8138520"/>
+          </a:xfrm>
+          <a:prstGeom prst="rect">
+            <a:avLst/>
+          </a:prstGeom>
+          <a:noFill/>
+          <a:ln w="0">
+            <a:noFill/>
+          </a:ln>
+        </p:spPr>
+      </p:pic>
+      <p:sp>
+        <p:nvSpPr>
+          <p:cNvPr id="83" name="Text Box 2"/>
+          <p:cNvSpPr/>
+          <p:nvPr/>
+        </p:nvSpPr>
+        <p:spPr>
+          <a:xfrm>
+            <a:off x="1828800" y="21304080"/>
+            <a:ext cx="14172840" cy="5243400"/>
+          </a:xfrm>
+          <a:prstGeom prst="rect">
+            <a:avLst/>
+          </a:prstGeom>
+          <a:solidFill>
+            <a:schemeClr val="lt1"/>
+          </a:solidFill>
+          <a:ln w="12600">
+            <a:solidFill>
+              <a:schemeClr val="accent1">
+                <a:lumMod val="75000"/>
+              </a:schemeClr>
+            </a:solidFill>
+            <a:round/>
+          </a:ln>
+        </p:spPr>
+        <p:style>
+          <a:lnRef idx="0"/>
+          <a:fillRef idx="0"/>
+          <a:effectRef idx="0"/>
+          <a:fontRef idx="minor"/>
+        </p:style>
+        <p:txBody>
+          <a:bodyPr lIns="182880" rIns="182880" tIns="182880" bIns="182880" anchor="t">
+            <a:spAutoFit/>
+          </a:bodyPr>
+          <a:p>
+            <a:pPr defTabSz="3686760">
+              <a:lnSpc>
+                <a:spcPct val="100000"/>
+              </a:lnSpc>
+            </a:pPr>
+            <a:r>
+              <a:rPr b="0" lang="en-US" sz="3200" strike="noStrike" u="none">
+                <a:solidFill>
+                  <a:schemeClr val="dk1"/>
+                </a:solidFill>
+                <a:effectLst/>
+                <a:uFillTx/>
+                <a:latin typeface="Calibri"/>
+              </a:rPr>
+              <a:t>Over the past 8 years, we have trained </a:t>
+            </a:r>
+            <a:r>
+              <a:rPr b="1" lang="en-US" sz="3200" strike="noStrike" u="none">
+                <a:solidFill>
+                  <a:schemeClr val="dk1"/>
+                </a:solidFill>
+                <a:effectLst/>
+                <a:uFillTx/>
+                <a:latin typeface="Calibri"/>
+              </a:rPr>
+              <a:t>200+ students</a:t>
+            </a:r>
+            <a:r>
+              <a:rPr b="0" lang="en-US" sz="3200" strike="noStrike" u="none">
+                <a:solidFill>
+                  <a:schemeClr val="dk1"/>
+                </a:solidFill>
+                <a:effectLst/>
+                <a:uFillTx/>
+                <a:latin typeface="Calibri"/>
+              </a:rPr>
+              <a:t>, in 3 training sessions per year, who have subsequently helped produce  </a:t>
+            </a:r>
+            <a:r>
+              <a:rPr b="1" lang="en-US" sz="3200" strike="noStrike" u="none">
+                <a:solidFill>
+                  <a:schemeClr val="dk1"/>
+                </a:solidFill>
+                <a:effectLst/>
+                <a:uFillTx/>
+                <a:latin typeface="Calibri"/>
+              </a:rPr>
+              <a:t>4,470 reports on 2,791 articles</a:t>
+            </a:r>
+            <a:r>
+              <a:rPr b="0" lang="en-US" sz="3200" strike="noStrike" u="none">
+                <a:solidFill>
+                  <a:schemeClr val="dk1"/>
+                </a:solidFill>
+                <a:effectLst/>
+                <a:uFillTx/>
+                <a:latin typeface="Calibri"/>
+              </a:rPr>
+              <a:t> (Vilhuber, 2025). </a:t>
+            </a:r>
+            <a:br>
+              <a:rPr sz="3200"/>
+            </a:br>
+            <a:r>
+              <a:rPr b="0" lang="en-US" sz="3200" strike="noStrike" u="none">
+                <a:solidFill>
+                  <a:schemeClr val="dk1"/>
+                </a:solidFill>
+                <a:effectLst/>
+                <a:uFillTx/>
+                <a:latin typeface="Calibri"/>
+              </a:rPr>
+              <a:t>The majority of undergraduate students were recruited at </a:t>
+            </a:r>
+            <a:r>
+              <a:rPr b="1" lang="en-US" sz="3200" strike="noStrike" u="none">
+                <a:solidFill>
+                  <a:schemeClr val="dk1"/>
+                </a:solidFill>
+                <a:effectLst/>
+                <a:uFillTx/>
+                <a:latin typeface="Calibri"/>
+              </a:rPr>
+              <a:t>Cornell University</a:t>
+            </a:r>
+            <a:r>
+              <a:rPr b="0" lang="en-US" sz="3200" strike="noStrike" u="none">
+                <a:solidFill>
+                  <a:schemeClr val="dk1"/>
+                </a:solidFill>
+                <a:effectLst/>
+                <a:uFillTx/>
+                <a:latin typeface="Calibri"/>
+              </a:rPr>
+              <a:t>, from across STEM and social science fields, mostly sophomores and juniors.  We have expanded the search beyond Cornell in the past three summers, running an internship program with 20 non-Cornell students from various universities and colleges (</a:t>
+            </a:r>
+            <a:r>
+              <a:rPr b="1" lang="en-US" sz="3200" strike="noStrike" u="none">
+                <a:solidFill>
+                  <a:schemeClr val="dk1"/>
+                </a:solidFill>
+                <a:effectLst/>
+                <a:uFillTx/>
+                <a:latin typeface="Calibri"/>
+              </a:rPr>
+              <a:t>Haverford, Bryn Mawr, Wellesley, Notre Dame, U Colorado Boulder</a:t>
+            </a:r>
+            <a:r>
+              <a:rPr b="0" lang="en-US" sz="3200" strike="noStrike" u="none">
+                <a:solidFill>
+                  <a:schemeClr val="dk1"/>
+                </a:solidFill>
+                <a:effectLst/>
+                <a:uFillTx/>
+                <a:latin typeface="Calibri"/>
+              </a:rPr>
+              <a:t>). Through this process, we have identified the necessary pre-requisites and technical tooling to conduct reproducibility verification with students. </a:t>
+            </a:r>
+            <a:endParaRPr b="0" lang="en-US" sz="3200" strike="noStrike" u="none">
+              <a:solidFill>
+                <a:srgbClr val="000000"/>
+              </a:solidFill>
+              <a:effectLst/>
+              <a:uFillTx/>
+              <a:latin typeface="Arial"/>
+            </a:endParaRPr>
+          </a:p>
+        </p:txBody>
+      </p:sp>
+      <p:sp>
+        <p:nvSpPr>
+          <p:cNvPr id="84" name="Rectangle 1"/>
+          <p:cNvSpPr/>
+          <p:nvPr/>
+        </p:nvSpPr>
+        <p:spPr>
+          <a:xfrm>
+            <a:off x="1828800" y="20343960"/>
+            <a:ext cx="14172840" cy="1005120"/>
+          </a:xfrm>
+          <a:prstGeom prst="rect">
+            <a:avLst/>
+          </a:prstGeom>
+          <a:solidFill>
+            <a:schemeClr val="accent1">
+              <a:lumMod val="75000"/>
+            </a:schemeClr>
+          </a:solidFill>
+          <a:ln w="12600">
+            <a:solidFill>
+              <a:schemeClr val="accent1"/>
+            </a:solidFill>
+            <a:miter/>
+          </a:ln>
+        </p:spPr>
+        <p:style>
+          <a:lnRef idx="0"/>
+          <a:fillRef idx="0"/>
+          <a:effectRef idx="0"/>
+          <a:fontRef idx="minor"/>
+        </p:style>
+        <p:txBody>
+          <a:bodyPr lIns="90000" rIns="90000" tIns="45000" bIns="45000" anchor="ctr">
+            <a:spAutoFit/>
+          </a:bodyPr>
+          <a:p>
+            <a:pPr algn="ctr" defTabSz="3686760">
+              <a:lnSpc>
+                <a:spcPct val="100000"/>
+              </a:lnSpc>
+            </a:pPr>
+            <a:r>
+              <a:rPr b="1" lang="en-US" sz="6000" strike="noStrike" u="none">
+                <a:solidFill>
+                  <a:schemeClr val="accent3">
+                    <a:lumMod val="20000"/>
+                    <a:lumOff val="80000"/>
+                  </a:schemeClr>
+                </a:solidFill>
+                <a:effectLst/>
+                <a:uFillTx/>
+                <a:latin typeface="Calibri"/>
+              </a:rPr>
+              <a:t>Background</a:t>
+            </a:r>
+            <a:endParaRPr b="0" lang="en-US" sz="6000" strike="noStrike" u="none">
+              <a:solidFill>
+                <a:srgbClr val="ffffff"/>
+              </a:solidFill>
+              <a:effectLst/>
+              <a:uFillTx/>
+              <a:latin typeface="Arial"/>
+            </a:endParaRPr>
+          </a:p>
+        </p:txBody>
+      </p:sp>
+      <p:sp>
+        <p:nvSpPr>
+          <p:cNvPr id="85" name="Text Box 3"/>
+          <p:cNvSpPr/>
+          <p:nvPr/>
+        </p:nvSpPr>
+        <p:spPr>
+          <a:xfrm>
+            <a:off x="16916400" y="28194120"/>
+            <a:ext cx="4572000" cy="4755600"/>
+          </a:xfrm>
+          <a:prstGeom prst="rect">
+            <a:avLst/>
+          </a:prstGeom>
+          <a:solidFill>
+            <a:schemeClr val="lt1"/>
+          </a:solidFill>
+          <a:ln w="12600">
+            <a:solidFill>
+              <a:schemeClr val="accent1">
+                <a:lumMod val="75000"/>
+              </a:schemeClr>
+            </a:solidFill>
+            <a:round/>
+          </a:ln>
+        </p:spPr>
+        <p:style>
+          <a:lnRef idx="0"/>
+          <a:fillRef idx="0"/>
+          <a:effectRef idx="0"/>
+          <a:fontRef idx="minor"/>
+        </p:style>
+        <p:txBody>
+          <a:bodyPr lIns="182880" rIns="182880" tIns="182880" bIns="182880" anchor="t">
+            <a:spAutoFit/>
+          </a:bodyPr>
+          <a:p>
+            <a:pPr defTabSz="3686760">
+              <a:lnSpc>
+                <a:spcPct val="100000"/>
+              </a:lnSpc>
+            </a:pPr>
+            <a:r>
+              <a:rPr b="1" lang="en-US" sz="3200" strike="noStrike" u="none">
+                <a:solidFill>
+                  <a:schemeClr val="dk1"/>
+                </a:solidFill>
+                <a:effectLst/>
+                <a:uFillTx/>
+                <a:latin typeface="Calibri"/>
+              </a:rPr>
+              <a:t>2020 sociology graduate working for a nonprofit research organization:</a:t>
+            </a:r>
+            <a:endParaRPr b="0" lang="en-US" sz="3200" strike="noStrike" u="none">
+              <a:solidFill>
+                <a:srgbClr val="000000"/>
+              </a:solidFill>
+              <a:effectLst/>
+              <a:uFillTx/>
+              <a:latin typeface="Arial"/>
+            </a:endParaRPr>
+          </a:p>
+          <a:p>
+            <a:pPr defTabSz="3686760">
+              <a:lnSpc>
+                <a:spcPct val="100000"/>
+              </a:lnSpc>
+            </a:pPr>
+            <a:r>
+              <a:rPr b="0" lang="en-US" sz="3200" strike="noStrike" u="none">
+                <a:solidFill>
+                  <a:schemeClr val="dk1"/>
+                </a:solidFill>
+                <a:effectLst/>
+                <a:uFillTx/>
+                <a:latin typeface="Calibri"/>
+              </a:rPr>
+              <a:t>“[I received] overwhelmingly positive feedback on my documentation method in code reviews.”</a:t>
+            </a:r>
+            <a:endParaRPr b="0" lang="en-US" sz="3200" strike="noStrike" u="none">
+              <a:solidFill>
+                <a:srgbClr val="000000"/>
+              </a:solidFill>
+              <a:effectLst/>
+              <a:uFillTx/>
+              <a:latin typeface="Arial"/>
+            </a:endParaRPr>
+          </a:p>
+          <a:p>
+            <a:pPr defTabSz="3686760">
+              <a:lnSpc>
+                <a:spcPct val="100000"/>
+              </a:lnSpc>
+            </a:pPr>
+            <a:endParaRPr b="0" lang="en-US" sz="3200" strike="noStrike" u="none">
+              <a:solidFill>
+                <a:srgbClr val="000000"/>
+              </a:solidFill>
+              <a:effectLst/>
+              <a:uFillTx/>
+              <a:latin typeface="Arial"/>
+            </a:endParaRPr>
+          </a:p>
+        </p:txBody>
+      </p:sp>
+      <p:sp>
+        <p:nvSpPr>
+          <p:cNvPr id="86" name="Rectangle 2"/>
+          <p:cNvSpPr/>
+          <p:nvPr/>
+        </p:nvSpPr>
+        <p:spPr>
+          <a:xfrm>
+            <a:off x="16916400" y="26974800"/>
+            <a:ext cx="14172840" cy="914040"/>
+          </a:xfrm>
+          <a:prstGeom prst="rect">
+            <a:avLst/>
+          </a:prstGeom>
+          <a:solidFill>
+            <a:schemeClr val="accent1">
+              <a:lumMod val="75000"/>
+            </a:schemeClr>
+          </a:solidFill>
+          <a:ln w="12600">
+            <a:solidFill>
+              <a:schemeClr val="accent1"/>
+            </a:solidFill>
+            <a:miter/>
+          </a:ln>
+        </p:spPr>
+        <p:style>
+          <a:lnRef idx="0"/>
+          <a:fillRef idx="0"/>
+          <a:effectRef idx="0"/>
+          <a:fontRef idx="minor"/>
+        </p:style>
+        <p:txBody>
+          <a:bodyPr lIns="90000" rIns="90000" tIns="45000" bIns="45000" anchor="ctr">
+            <a:noAutofit/>
+          </a:bodyPr>
+          <a:p>
+            <a:pPr algn="ctr" defTabSz="3686760">
+              <a:lnSpc>
+                <a:spcPct val="100000"/>
+              </a:lnSpc>
+            </a:pPr>
+            <a:r>
+              <a:rPr b="1" lang="en-US" sz="6000" strike="noStrike" u="none">
+                <a:solidFill>
+                  <a:schemeClr val="accent3">
+                    <a:lumMod val="20000"/>
+                    <a:lumOff val="80000"/>
+                  </a:schemeClr>
+                </a:solidFill>
+                <a:effectLst/>
+                <a:uFillTx/>
+                <a:latin typeface="Calibri"/>
+              </a:rPr>
+              <a:t>Some outcomes</a:t>
+            </a:r>
+            <a:endParaRPr b="0" lang="en-US" sz="6000" strike="noStrike" u="none">
+              <a:solidFill>
+                <a:srgbClr val="ffffff"/>
+              </a:solidFill>
+              <a:effectLst/>
+              <a:uFillTx/>
+              <a:latin typeface="Arial"/>
+            </a:endParaRPr>
+          </a:p>
+        </p:txBody>
+      </p:sp>
+      <p:sp>
+        <p:nvSpPr>
+          <p:cNvPr id="87" name="Text Box 4"/>
+          <p:cNvSpPr/>
+          <p:nvPr/>
+        </p:nvSpPr>
+        <p:spPr>
+          <a:xfrm>
+            <a:off x="21488400" y="28194120"/>
+            <a:ext cx="4800600" cy="4756320"/>
+          </a:xfrm>
+          <a:prstGeom prst="rect">
+            <a:avLst/>
+          </a:prstGeom>
+          <a:solidFill>
+            <a:schemeClr val="lt1"/>
+          </a:solidFill>
+          <a:ln w="12600">
+            <a:solidFill>
+              <a:schemeClr val="accent1">
+                <a:lumMod val="75000"/>
+              </a:schemeClr>
+            </a:solidFill>
+            <a:round/>
+          </a:ln>
+        </p:spPr>
+        <p:style>
+          <a:lnRef idx="0"/>
+          <a:fillRef idx="0"/>
+          <a:effectRef idx="0"/>
+          <a:fontRef idx="minor"/>
+        </p:style>
+        <p:txBody>
+          <a:bodyPr lIns="182880" rIns="182880" tIns="182880" bIns="182880" anchor="t">
+            <a:spAutoFit/>
+          </a:bodyPr>
+          <a:p>
+            <a:pPr defTabSz="3686760">
+              <a:lnSpc>
+                <a:spcPct val="100000"/>
+              </a:lnSpc>
+            </a:pPr>
+            <a:r>
+              <a:rPr b="1" lang="en-US" sz="3200" strike="noStrike" u="none">
+                <a:solidFill>
+                  <a:schemeClr val="dk1"/>
+                </a:solidFill>
+                <a:effectLst/>
+                <a:uFillTx/>
+                <a:latin typeface="Calibri"/>
+              </a:rPr>
+              <a:t>2021 Economics graduate,  pursuing a Ph.D. in Political Economics</a:t>
+            </a:r>
+            <a:endParaRPr b="0" lang="en-US" sz="3200" strike="noStrike" u="none">
+              <a:solidFill>
+                <a:srgbClr val="000000"/>
+              </a:solidFill>
+              <a:effectLst/>
+              <a:uFillTx/>
+              <a:latin typeface="Arial"/>
+            </a:endParaRPr>
+          </a:p>
+          <a:p>
+            <a:pPr defTabSz="3686760">
+              <a:lnSpc>
+                <a:spcPct val="100000"/>
+              </a:lnSpc>
+            </a:pPr>
+            <a:r>
+              <a:rPr b="0" lang="en-US" sz="3200" strike="noStrike" u="none">
+                <a:solidFill>
+                  <a:schemeClr val="dk1"/>
+                </a:solidFill>
+                <a:effectLst/>
+                <a:uFillTx/>
+                <a:latin typeface="Calibri"/>
+              </a:rPr>
+              <a:t>    “… I feel like [LDI Replicator position] was the single most important thing … to prepare myself to succeed in [predoctoral fellowship]….”</a:t>
+            </a:r>
+            <a:endParaRPr b="0" lang="en-US" sz="3200" strike="noStrike" u="none">
+              <a:solidFill>
+                <a:srgbClr val="000000"/>
+              </a:solidFill>
+              <a:effectLst/>
+              <a:uFillTx/>
+              <a:latin typeface="Arial"/>
+            </a:endParaRPr>
+          </a:p>
+        </p:txBody>
+      </p:sp>
+      <p:sp>
+        <p:nvSpPr>
+          <p:cNvPr id="88" name="Text Box 5"/>
+          <p:cNvSpPr/>
+          <p:nvPr/>
+        </p:nvSpPr>
+        <p:spPr>
+          <a:xfrm>
+            <a:off x="26289000" y="28194120"/>
+            <a:ext cx="4800600" cy="4756320"/>
+          </a:xfrm>
+          <a:prstGeom prst="rect">
+            <a:avLst/>
+          </a:prstGeom>
+          <a:solidFill>
+            <a:schemeClr val="lt1"/>
+          </a:solidFill>
+          <a:ln w="12600">
+            <a:solidFill>
+              <a:schemeClr val="accent1">
+                <a:lumMod val="75000"/>
+              </a:schemeClr>
+            </a:solidFill>
+            <a:round/>
+          </a:ln>
+        </p:spPr>
+        <p:style>
+          <a:lnRef idx="0"/>
+          <a:fillRef idx="0"/>
+          <a:effectRef idx="0"/>
+          <a:fontRef idx="minor"/>
+        </p:style>
+        <p:txBody>
+          <a:bodyPr lIns="182880" rIns="182880" tIns="182880" bIns="182880" anchor="t">
+            <a:spAutoFit/>
+          </a:bodyPr>
+          <a:p>
+            <a:pPr defTabSz="3686760">
+              <a:lnSpc>
+                <a:spcPct val="100000"/>
+              </a:lnSpc>
+            </a:pPr>
+            <a:r>
+              <a:rPr b="1" lang="en-US" sz="3200" strike="noStrike" u="none">
+                <a:solidFill>
+                  <a:schemeClr val="dk1"/>
+                </a:solidFill>
+                <a:effectLst/>
+                <a:uFillTx/>
+                <a:latin typeface="Calibri"/>
+              </a:rPr>
+              <a:t>2024 Economics intern</a:t>
+            </a:r>
+            <a:endParaRPr b="0" lang="en-US" sz="3200" strike="noStrike" u="none">
+              <a:solidFill>
+                <a:srgbClr val="000000"/>
+              </a:solidFill>
+              <a:effectLst/>
+              <a:uFillTx/>
+              <a:latin typeface="Arial"/>
+            </a:endParaRPr>
+          </a:p>
+          <a:p>
+            <a:pPr defTabSz="3686760">
+              <a:lnSpc>
+                <a:spcPct val="100000"/>
+              </a:lnSpc>
+            </a:pPr>
+            <a:endParaRPr b="0" lang="en-US" sz="3200" strike="noStrike" u="none">
+              <a:solidFill>
+                <a:srgbClr val="000000"/>
+              </a:solidFill>
+              <a:effectLst/>
+              <a:uFillTx/>
+              <a:latin typeface="Arial"/>
+            </a:endParaRPr>
+          </a:p>
+          <a:p>
+            <a:pPr defTabSz="3686760">
+              <a:lnSpc>
+                <a:spcPct val="100000"/>
+              </a:lnSpc>
+            </a:pPr>
+            <a:r>
+              <a:rPr b="0" lang="en-US" sz="3200" strike="noStrike" u="none">
+                <a:solidFill>
+                  <a:schemeClr val="dk1"/>
+                </a:solidFill>
+                <a:effectLst/>
+                <a:uFillTx/>
+                <a:latin typeface="Calibri"/>
+              </a:rPr>
+              <a:t>    “For every issue I did solve, there was a gratify-ing moment, knowing I’ve explored something new and that the authors would read and heed my documented solution.”</a:t>
+            </a:r>
             <a:endParaRPr b="0" lang="en-US" sz="3200" strike="noStrike" u="none">
               <a:solidFill>
                 <a:srgbClr val="000000"/>

--- a/vilhuber-sachdev-nizard-2026.pptx
+++ b/vilhuber-sachdev-nizard-2026.pptx
@@ -114,7 +114,20 @@
       </a:defRPr>
     </a:lvl9pPr>
   </p:defaultTextStyle>
+  <p:extLst>
+    <p:ext uri="{EFAFB233-063F-42B5-8137-9DF3F51BA10A}">
+      <p15:sldGuideLst xmlns:p15="http://schemas.microsoft.com/office/powerpoint/2012/main"/>
+    </p:ext>
+  </p:extLst>
 </p:presentation>
+</file>
+
+<file path=ppt/revisionInfo.xml><?xml version="1.0" encoding="utf-8"?>
+<p1510:revInfo xmlns:a="http://schemas.openxmlformats.org/drawingml/2006/main" xmlns:r="http://schemas.openxmlformats.org/officeDocument/2006/relationships" xmlns:p1510="http://schemas.microsoft.com/office/powerpoint/2015/10/main">
+  <p1510:revLst>
+    <p1510:client id="{97024BB9-2D00-9E18-8D0C-E0BB1D058C15}" v="7" dt="2025-12-07T19:05:38.313"/>
+  </p1510:revLst>
+</p1510:revInfo>
 </file>
 
 <file path=ppt/slideLayouts/slideLayout1.xml><?xml version="1.0" encoding="utf-8"?>
@@ -283,6 +296,2785 @@
         </p:txBody>
       </p:sp>
     </p:spTree>
+  </p:cSld>
+  <p:clrMapOvr>
+    <a:masterClrMapping/>
+  </p:clrMapOvr>
+</p:sldLayout>
+</file>
+
+<file path=ppt/slideLayouts/slideLayout10.xml><?xml version="1.0" encoding="utf-8"?>
+<p:sldLayout xmlns:a="http://schemas.openxmlformats.org/drawingml/2006/main" xmlns:r="http://schemas.openxmlformats.org/officeDocument/2006/relationships" xmlns:p="http://schemas.openxmlformats.org/presentationml/2006/main" type="title" preserve="1">
+  <p:cSld name="Title Slide">
+    <p:spTree>
+      <p:nvGrpSpPr>
+        <p:cNvPr id="1" name=""/>
+        <p:cNvGrpSpPr/>
+        <p:nvPr/>
+      </p:nvGrpSpPr>
+      <p:grpSpPr>
+        <a:xfrm>
+          <a:off x="0" y="0"/>
+          <a:ext cx="0" cy="0"/>
+          <a:chOff x="0" y="0"/>
+          <a:chExt cx="0" cy="0"/>
+        </a:xfrm>
+      </p:grpSpPr>
+      <p:sp>
+        <p:nvSpPr>
+          <p:cNvPr id="2" name="Title 1">
+            <a:extLst>
+              <a:ext uri="{FF2B5EF4-FFF2-40B4-BE49-F238E27FC236}">
+                <a16:creationId xmlns:a16="http://schemas.microsoft.com/office/drawing/2014/main" id="{1AFA9A7F-9121-E6D2-83D9-9D7486EC3414}"/>
+              </a:ext>
+            </a:extLst>
+          </p:cNvPr>
+          <p:cNvSpPr>
+            <a:spLocks noGrp="1"/>
+          </p:cNvSpPr>
+          <p:nvPr>
+            <p:ph type="ctrTitle"/>
+          </p:nvPr>
+        </p:nvSpPr>
+        <p:spPr>
+          <a:xfrm>
+            <a:off x="4114800" y="7183438"/>
+            <a:ext cx="24688800" cy="15279687"/>
+          </a:xfrm>
+        </p:spPr>
+        <p:txBody>
+          <a:bodyPr anchor="b"/>
+          <a:lstStyle>
+            <a:lvl1pPr algn="ctr">
+              <a:defRPr sz="6000"/>
+            </a:lvl1pPr>
+          </a:lstStyle>
+          <a:p>
+            <a:r>
+              <a:rPr lang="en-US"/>
+              <a:t>Click to edit Master title style</a:t>
+            </a:r>
+          </a:p>
+        </p:txBody>
+      </p:sp>
+      <p:sp>
+        <p:nvSpPr>
+          <p:cNvPr id="3" name="Subtitle 2">
+            <a:extLst>
+              <a:ext uri="{FF2B5EF4-FFF2-40B4-BE49-F238E27FC236}">
+                <a16:creationId xmlns:a16="http://schemas.microsoft.com/office/drawing/2014/main" id="{0771E3F0-5338-058B-CDBE-FCC266FEC4A4}"/>
+              </a:ext>
+            </a:extLst>
+          </p:cNvPr>
+          <p:cNvSpPr>
+            <a:spLocks noGrp="1"/>
+          </p:cNvSpPr>
+          <p:nvPr>
+            <p:ph type="subTitle" idx="1"/>
+          </p:nvPr>
+        </p:nvSpPr>
+        <p:spPr>
+          <a:xfrm>
+            <a:off x="4114800" y="23053675"/>
+            <a:ext cx="24688800" cy="10596563"/>
+          </a:xfrm>
+        </p:spPr>
+        <p:txBody>
+          <a:bodyPr/>
+          <a:lstStyle>
+            <a:lvl1pPr marL="0" indent="0" algn="ctr">
+              <a:buNone/>
+              <a:defRPr sz="2400"/>
+            </a:lvl1pPr>
+            <a:lvl2pPr marL="457200" indent="0" algn="ctr">
+              <a:buNone/>
+              <a:defRPr sz="2000"/>
+            </a:lvl2pPr>
+            <a:lvl3pPr marL="914400" indent="0" algn="ctr">
+              <a:buNone/>
+              <a:defRPr sz="1800"/>
+            </a:lvl3pPr>
+            <a:lvl4pPr marL="1371600" indent="0" algn="ctr">
+              <a:buNone/>
+              <a:defRPr sz="1600"/>
+            </a:lvl4pPr>
+            <a:lvl5pPr marL="1828800" indent="0" algn="ctr">
+              <a:buNone/>
+              <a:defRPr sz="1600"/>
+            </a:lvl5pPr>
+            <a:lvl6pPr marL="2286000" indent="0" algn="ctr">
+              <a:buNone/>
+              <a:defRPr sz="1600"/>
+            </a:lvl6pPr>
+            <a:lvl7pPr marL="2743200" indent="0" algn="ctr">
+              <a:buNone/>
+              <a:defRPr sz="1600"/>
+            </a:lvl7pPr>
+            <a:lvl8pPr marL="3200400" indent="0" algn="ctr">
+              <a:buNone/>
+              <a:defRPr sz="1600"/>
+            </a:lvl8pPr>
+            <a:lvl9pPr marL="3657600" indent="0" algn="ctr">
+              <a:buNone/>
+              <a:defRPr sz="1600"/>
+            </a:lvl9pPr>
+          </a:lstStyle>
+          <a:p>
+            <a:r>
+              <a:rPr lang="en-US"/>
+              <a:t>Click to edit Master subtitle style</a:t>
+            </a:r>
+          </a:p>
+        </p:txBody>
+      </p:sp>
+      <p:sp>
+        <p:nvSpPr>
+          <p:cNvPr id="4" name="Date Placeholder 3">
+            <a:extLst>
+              <a:ext uri="{FF2B5EF4-FFF2-40B4-BE49-F238E27FC236}">
+                <a16:creationId xmlns:a16="http://schemas.microsoft.com/office/drawing/2014/main" id="{4D1AAB0A-656E-0FC1-3206-FDBA85996A5B}"/>
+              </a:ext>
+            </a:extLst>
+          </p:cNvPr>
+          <p:cNvSpPr>
+            <a:spLocks noGrp="1"/>
+          </p:cNvSpPr>
+          <p:nvPr>
+            <p:ph type="dt" idx="10"/>
+          </p:nvPr>
+        </p:nvSpPr>
+        <p:spPr/>
+        <p:txBody>
+          <a:bodyPr/>
+          <a:lstStyle/>
+          <a:p>
+            <a:pPr indent="0" defTabSz="3686760">
+              <a:lnSpc>
+                <a:spcPct val="100000"/>
+              </a:lnSpc>
+              <a:buNone/>
+            </a:pPr>
+            <a:r>
+              <a:rPr lang="en-US" sz="4320" b="0" u="none" strike="noStrike">
+                <a:solidFill>
+                  <a:schemeClr val="dk1">
+                    <a:tint val="75000"/>
+                  </a:schemeClr>
+                </a:solidFill>
+                <a:effectLst/>
+                <a:uFillTx/>
+                <a:latin typeface="Calibri"/>
+              </a:rPr>
+              <a:t>&lt;date/time&gt;</a:t>
+            </a:r>
+            <a:endParaRPr lang="en-US" sz="4320" b="0" u="none" strike="noStrike">
+              <a:solidFill>
+                <a:srgbClr val="000000"/>
+              </a:solidFill>
+              <a:effectLst/>
+              <a:uFillTx/>
+              <a:latin typeface="Times New Roman"/>
+            </a:endParaRPr>
+          </a:p>
+        </p:txBody>
+      </p:sp>
+      <p:sp>
+        <p:nvSpPr>
+          <p:cNvPr id="5" name="Footer Placeholder 4">
+            <a:extLst>
+              <a:ext uri="{FF2B5EF4-FFF2-40B4-BE49-F238E27FC236}">
+                <a16:creationId xmlns:a16="http://schemas.microsoft.com/office/drawing/2014/main" id="{39FC044E-F1B5-94A4-5AE4-6E5F4C371F67}"/>
+              </a:ext>
+            </a:extLst>
+          </p:cNvPr>
+          <p:cNvSpPr>
+            <a:spLocks noGrp="1"/>
+          </p:cNvSpPr>
+          <p:nvPr>
+            <p:ph type="ftr" idx="11"/>
+          </p:nvPr>
+        </p:nvSpPr>
+        <p:spPr/>
+        <p:txBody>
+          <a:bodyPr/>
+          <a:lstStyle/>
+          <a:p>
+            <a:pPr indent="0" algn="ctr">
+              <a:buNone/>
+            </a:pPr>
+            <a:r>
+              <a:rPr lang="en-US" sz="1400" b="0" u="none" strike="noStrike">
+                <a:solidFill>
+                  <a:srgbClr val="000000"/>
+                </a:solidFill>
+                <a:effectLst/>
+                <a:uFillTx/>
+                <a:latin typeface="Times New Roman"/>
+              </a:rPr>
+              <a:t>&lt;footer&gt;</a:t>
+            </a:r>
+          </a:p>
+        </p:txBody>
+      </p:sp>
+      <p:sp>
+        <p:nvSpPr>
+          <p:cNvPr id="6" name="Slide Number Placeholder 5">
+            <a:extLst>
+              <a:ext uri="{FF2B5EF4-FFF2-40B4-BE49-F238E27FC236}">
+                <a16:creationId xmlns:a16="http://schemas.microsoft.com/office/drawing/2014/main" id="{3C8AC693-0812-2B14-550D-E0B4BCFB3DFA}"/>
+              </a:ext>
+            </a:extLst>
+          </p:cNvPr>
+          <p:cNvSpPr>
+            <a:spLocks noGrp="1"/>
+          </p:cNvSpPr>
+          <p:nvPr>
+            <p:ph type="sldNum" idx="12"/>
+          </p:nvPr>
+        </p:nvSpPr>
+        <p:spPr/>
+        <p:txBody>
+          <a:bodyPr/>
+          <a:lstStyle/>
+          <a:p>
+            <a:pPr indent="0" algn="r" defTabSz="3686760">
+              <a:lnSpc>
+                <a:spcPct val="100000"/>
+              </a:lnSpc>
+              <a:buNone/>
+            </a:pPr>
+            <a:fld id="{8F0D49BD-4054-4D7E-9042-7F053818855F}" type="slidenum">
+              <a:rPr lang="en-US" sz="4320" b="0" u="none" strike="noStrike">
+                <a:solidFill>
+                  <a:schemeClr val="dk1">
+                    <a:tint val="75000"/>
+                  </a:schemeClr>
+                </a:solidFill>
+                <a:effectLst/>
+                <a:uFillTx/>
+                <a:latin typeface="Calibri"/>
+              </a:rPr>
+              <a:t>‹#›</a:t>
+            </a:fld>
+            <a:endParaRPr lang="en-US" sz="4320" b="0" u="none" strike="noStrike">
+              <a:solidFill>
+                <a:srgbClr val="000000"/>
+              </a:solidFill>
+              <a:effectLst/>
+              <a:uFillTx/>
+              <a:latin typeface="Times New Roman"/>
+            </a:endParaRPr>
+          </a:p>
+        </p:txBody>
+      </p:sp>
+    </p:spTree>
+    <p:extLst>
+      <p:ext uri="{BB962C8B-B14F-4D97-AF65-F5344CB8AC3E}">
+        <p14:creationId xmlns:p14="http://schemas.microsoft.com/office/powerpoint/2010/main" val="2061058523"/>
+      </p:ext>
+    </p:extLst>
+  </p:cSld>
+  <p:clrMapOvr>
+    <a:masterClrMapping/>
+  </p:clrMapOvr>
+</p:sldLayout>
+</file>
+
+<file path=ppt/slideLayouts/slideLayout11.xml><?xml version="1.0" encoding="utf-8"?>
+<p:sldLayout xmlns:a="http://schemas.openxmlformats.org/drawingml/2006/main" xmlns:r="http://schemas.openxmlformats.org/officeDocument/2006/relationships" xmlns:p="http://schemas.openxmlformats.org/presentationml/2006/main" type="title" preserve="1">
+  <p:cSld name="Title Slide">
+    <p:spTree>
+      <p:nvGrpSpPr>
+        <p:cNvPr id="1" name=""/>
+        <p:cNvGrpSpPr/>
+        <p:nvPr/>
+      </p:nvGrpSpPr>
+      <p:grpSpPr>
+        <a:xfrm>
+          <a:off x="0" y="0"/>
+          <a:ext cx="0" cy="0"/>
+          <a:chOff x="0" y="0"/>
+          <a:chExt cx="0" cy="0"/>
+        </a:xfrm>
+      </p:grpSpPr>
+      <p:sp>
+        <p:nvSpPr>
+          <p:cNvPr id="2" name="Title 1">
+            <a:extLst>
+              <a:ext uri="{FF2B5EF4-FFF2-40B4-BE49-F238E27FC236}">
+                <a16:creationId xmlns:a16="http://schemas.microsoft.com/office/drawing/2014/main" id="{68F9CE2F-AEAD-2EEF-F861-8F6E7C11E48E}"/>
+              </a:ext>
+            </a:extLst>
+          </p:cNvPr>
+          <p:cNvSpPr>
+            <a:spLocks noGrp="1"/>
+          </p:cNvSpPr>
+          <p:nvPr>
+            <p:ph type="ctrTitle"/>
+          </p:nvPr>
+        </p:nvSpPr>
+        <p:spPr>
+          <a:xfrm>
+            <a:off x="4114800" y="7183438"/>
+            <a:ext cx="24688800" cy="15279687"/>
+          </a:xfrm>
+        </p:spPr>
+        <p:txBody>
+          <a:bodyPr anchor="b"/>
+          <a:lstStyle>
+            <a:lvl1pPr algn="ctr">
+              <a:defRPr sz="6000"/>
+            </a:lvl1pPr>
+          </a:lstStyle>
+          <a:p>
+            <a:r>
+              <a:rPr lang="en-US"/>
+              <a:t>Click to edit Master title style</a:t>
+            </a:r>
+          </a:p>
+        </p:txBody>
+      </p:sp>
+      <p:sp>
+        <p:nvSpPr>
+          <p:cNvPr id="3" name="Subtitle 2">
+            <a:extLst>
+              <a:ext uri="{FF2B5EF4-FFF2-40B4-BE49-F238E27FC236}">
+                <a16:creationId xmlns:a16="http://schemas.microsoft.com/office/drawing/2014/main" id="{6A797B72-BA44-0493-9A2B-087153531259}"/>
+              </a:ext>
+            </a:extLst>
+          </p:cNvPr>
+          <p:cNvSpPr>
+            <a:spLocks noGrp="1"/>
+          </p:cNvSpPr>
+          <p:nvPr>
+            <p:ph type="subTitle" idx="1"/>
+          </p:nvPr>
+        </p:nvSpPr>
+        <p:spPr>
+          <a:xfrm>
+            <a:off x="4114800" y="23053675"/>
+            <a:ext cx="24688800" cy="10596563"/>
+          </a:xfrm>
+        </p:spPr>
+        <p:txBody>
+          <a:bodyPr/>
+          <a:lstStyle>
+            <a:lvl1pPr marL="0" indent="0" algn="ctr">
+              <a:buNone/>
+              <a:defRPr sz="2400"/>
+            </a:lvl1pPr>
+            <a:lvl2pPr marL="457200" indent="0" algn="ctr">
+              <a:buNone/>
+              <a:defRPr sz="2000"/>
+            </a:lvl2pPr>
+            <a:lvl3pPr marL="914400" indent="0" algn="ctr">
+              <a:buNone/>
+              <a:defRPr sz="1800"/>
+            </a:lvl3pPr>
+            <a:lvl4pPr marL="1371600" indent="0" algn="ctr">
+              <a:buNone/>
+              <a:defRPr sz="1600"/>
+            </a:lvl4pPr>
+            <a:lvl5pPr marL="1828800" indent="0" algn="ctr">
+              <a:buNone/>
+              <a:defRPr sz="1600"/>
+            </a:lvl5pPr>
+            <a:lvl6pPr marL="2286000" indent="0" algn="ctr">
+              <a:buNone/>
+              <a:defRPr sz="1600"/>
+            </a:lvl6pPr>
+            <a:lvl7pPr marL="2743200" indent="0" algn="ctr">
+              <a:buNone/>
+              <a:defRPr sz="1600"/>
+            </a:lvl7pPr>
+            <a:lvl8pPr marL="3200400" indent="0" algn="ctr">
+              <a:buNone/>
+              <a:defRPr sz="1600"/>
+            </a:lvl8pPr>
+            <a:lvl9pPr marL="3657600" indent="0" algn="ctr">
+              <a:buNone/>
+              <a:defRPr sz="1600"/>
+            </a:lvl9pPr>
+          </a:lstStyle>
+          <a:p>
+            <a:r>
+              <a:rPr lang="en-US"/>
+              <a:t>Click to edit Master subtitle style</a:t>
+            </a:r>
+          </a:p>
+        </p:txBody>
+      </p:sp>
+      <p:sp>
+        <p:nvSpPr>
+          <p:cNvPr id="4" name="Date Placeholder 3">
+            <a:extLst>
+              <a:ext uri="{FF2B5EF4-FFF2-40B4-BE49-F238E27FC236}">
+                <a16:creationId xmlns:a16="http://schemas.microsoft.com/office/drawing/2014/main" id="{C119EA07-9EDD-8796-C145-28371B32CAC7}"/>
+              </a:ext>
+            </a:extLst>
+          </p:cNvPr>
+          <p:cNvSpPr>
+            <a:spLocks noGrp="1"/>
+          </p:cNvSpPr>
+          <p:nvPr>
+            <p:ph type="dt" idx="10"/>
+          </p:nvPr>
+        </p:nvSpPr>
+        <p:spPr/>
+        <p:txBody>
+          <a:bodyPr/>
+          <a:lstStyle/>
+          <a:p>
+            <a:pPr indent="0" defTabSz="3686760">
+              <a:lnSpc>
+                <a:spcPct val="100000"/>
+              </a:lnSpc>
+              <a:buNone/>
+            </a:pPr>
+            <a:r>
+              <a:rPr lang="en-US" sz="4320" b="0" u="none" strike="noStrike">
+                <a:solidFill>
+                  <a:schemeClr val="dk1">
+                    <a:tint val="75000"/>
+                  </a:schemeClr>
+                </a:solidFill>
+                <a:effectLst/>
+                <a:uFillTx/>
+                <a:latin typeface="Calibri"/>
+              </a:rPr>
+              <a:t>&lt;date/time&gt;</a:t>
+            </a:r>
+            <a:endParaRPr lang="en-US" sz="4320" b="0" u="none" strike="noStrike">
+              <a:solidFill>
+                <a:srgbClr val="000000"/>
+              </a:solidFill>
+              <a:effectLst/>
+              <a:uFillTx/>
+              <a:latin typeface="Times New Roman"/>
+            </a:endParaRPr>
+          </a:p>
+        </p:txBody>
+      </p:sp>
+      <p:sp>
+        <p:nvSpPr>
+          <p:cNvPr id="5" name="Footer Placeholder 4">
+            <a:extLst>
+              <a:ext uri="{FF2B5EF4-FFF2-40B4-BE49-F238E27FC236}">
+                <a16:creationId xmlns:a16="http://schemas.microsoft.com/office/drawing/2014/main" id="{7831497D-6E70-C988-6005-BEB620AE89FC}"/>
+              </a:ext>
+            </a:extLst>
+          </p:cNvPr>
+          <p:cNvSpPr>
+            <a:spLocks noGrp="1"/>
+          </p:cNvSpPr>
+          <p:nvPr>
+            <p:ph type="ftr" idx="11"/>
+          </p:nvPr>
+        </p:nvSpPr>
+        <p:spPr/>
+        <p:txBody>
+          <a:bodyPr/>
+          <a:lstStyle/>
+          <a:p>
+            <a:pPr indent="0" algn="ctr">
+              <a:buNone/>
+            </a:pPr>
+            <a:r>
+              <a:rPr lang="en-US" sz="1400" b="0" u="none" strike="noStrike">
+                <a:solidFill>
+                  <a:srgbClr val="000000"/>
+                </a:solidFill>
+                <a:effectLst/>
+                <a:uFillTx/>
+                <a:latin typeface="Times New Roman"/>
+              </a:rPr>
+              <a:t>&lt;footer&gt;</a:t>
+            </a:r>
+          </a:p>
+        </p:txBody>
+      </p:sp>
+      <p:sp>
+        <p:nvSpPr>
+          <p:cNvPr id="6" name="Slide Number Placeholder 5">
+            <a:extLst>
+              <a:ext uri="{FF2B5EF4-FFF2-40B4-BE49-F238E27FC236}">
+                <a16:creationId xmlns:a16="http://schemas.microsoft.com/office/drawing/2014/main" id="{10237A23-055F-8DB1-1B09-6C969D093B9F}"/>
+              </a:ext>
+            </a:extLst>
+          </p:cNvPr>
+          <p:cNvSpPr>
+            <a:spLocks noGrp="1"/>
+          </p:cNvSpPr>
+          <p:nvPr>
+            <p:ph type="sldNum" idx="12"/>
+          </p:nvPr>
+        </p:nvSpPr>
+        <p:spPr/>
+        <p:txBody>
+          <a:bodyPr/>
+          <a:lstStyle/>
+          <a:p>
+            <a:pPr indent="0" algn="r" defTabSz="3686760">
+              <a:lnSpc>
+                <a:spcPct val="100000"/>
+              </a:lnSpc>
+              <a:buNone/>
+            </a:pPr>
+            <a:fld id="{EBEDFE62-D954-482B-91A4-2A576D6FE8FA}" type="slidenum">
+              <a:rPr lang="en-US" sz="4320" b="0" u="none" strike="noStrike">
+                <a:solidFill>
+                  <a:schemeClr val="dk1">
+                    <a:tint val="75000"/>
+                  </a:schemeClr>
+                </a:solidFill>
+                <a:effectLst/>
+                <a:uFillTx/>
+                <a:latin typeface="Calibri"/>
+              </a:rPr>
+              <a:t>‹#›</a:t>
+            </a:fld>
+            <a:endParaRPr lang="en-US" sz="4320" b="0" u="none" strike="noStrike">
+              <a:solidFill>
+                <a:srgbClr val="000000"/>
+              </a:solidFill>
+              <a:effectLst/>
+              <a:uFillTx/>
+              <a:latin typeface="Times New Roman"/>
+            </a:endParaRPr>
+          </a:p>
+        </p:txBody>
+      </p:sp>
+    </p:spTree>
+    <p:extLst>
+      <p:ext uri="{BB962C8B-B14F-4D97-AF65-F5344CB8AC3E}">
+        <p14:creationId xmlns:p14="http://schemas.microsoft.com/office/powerpoint/2010/main" val="2789677311"/>
+      </p:ext>
+    </p:extLst>
+  </p:cSld>
+  <p:clrMapOvr>
+    <a:masterClrMapping/>
+  </p:clrMapOvr>
+</p:sldLayout>
+</file>
+
+<file path=ppt/slideLayouts/slideLayout2.xml><?xml version="1.0" encoding="utf-8"?>
+<p:sldLayout xmlns:a="http://schemas.openxmlformats.org/drawingml/2006/main" xmlns:r="http://schemas.openxmlformats.org/officeDocument/2006/relationships" xmlns:p="http://schemas.openxmlformats.org/presentationml/2006/main" type="title" preserve="1">
+  <p:cSld name="Title Slide">
+    <p:spTree>
+      <p:nvGrpSpPr>
+        <p:cNvPr id="1" name=""/>
+        <p:cNvGrpSpPr/>
+        <p:nvPr/>
+      </p:nvGrpSpPr>
+      <p:grpSpPr>
+        <a:xfrm>
+          <a:off x="0" y="0"/>
+          <a:ext cx="0" cy="0"/>
+          <a:chOff x="0" y="0"/>
+          <a:chExt cx="0" cy="0"/>
+        </a:xfrm>
+      </p:grpSpPr>
+      <p:sp>
+        <p:nvSpPr>
+          <p:cNvPr id="2" name="Title 1">
+            <a:extLst>
+              <a:ext uri="{FF2B5EF4-FFF2-40B4-BE49-F238E27FC236}">
+                <a16:creationId xmlns:a16="http://schemas.microsoft.com/office/drawing/2014/main" id="{DA765ED3-7BDD-C11D-F32E-10F4E3B7E554}"/>
+              </a:ext>
+            </a:extLst>
+          </p:cNvPr>
+          <p:cNvSpPr>
+            <a:spLocks noGrp="1"/>
+          </p:cNvSpPr>
+          <p:nvPr>
+            <p:ph type="ctrTitle"/>
+          </p:nvPr>
+        </p:nvSpPr>
+        <p:spPr>
+          <a:xfrm>
+            <a:off x="4114800" y="7183438"/>
+            <a:ext cx="24688800" cy="15279687"/>
+          </a:xfrm>
+        </p:spPr>
+        <p:txBody>
+          <a:bodyPr anchor="b"/>
+          <a:lstStyle>
+            <a:lvl1pPr algn="ctr">
+              <a:defRPr sz="6000"/>
+            </a:lvl1pPr>
+          </a:lstStyle>
+          <a:p>
+            <a:r>
+              <a:rPr lang="en-US"/>
+              <a:t>Click to edit Master title style</a:t>
+            </a:r>
+          </a:p>
+        </p:txBody>
+      </p:sp>
+      <p:sp>
+        <p:nvSpPr>
+          <p:cNvPr id="3" name="Subtitle 2">
+            <a:extLst>
+              <a:ext uri="{FF2B5EF4-FFF2-40B4-BE49-F238E27FC236}">
+                <a16:creationId xmlns:a16="http://schemas.microsoft.com/office/drawing/2014/main" id="{5EC3B089-0EF0-6CF8-0C2B-24B621CEEDAB}"/>
+              </a:ext>
+            </a:extLst>
+          </p:cNvPr>
+          <p:cNvSpPr>
+            <a:spLocks noGrp="1"/>
+          </p:cNvSpPr>
+          <p:nvPr>
+            <p:ph type="subTitle" idx="1"/>
+          </p:nvPr>
+        </p:nvSpPr>
+        <p:spPr>
+          <a:xfrm>
+            <a:off x="4114800" y="23053675"/>
+            <a:ext cx="24688800" cy="10596563"/>
+          </a:xfrm>
+        </p:spPr>
+        <p:txBody>
+          <a:bodyPr/>
+          <a:lstStyle>
+            <a:lvl1pPr marL="0" indent="0" algn="ctr">
+              <a:buNone/>
+              <a:defRPr sz="2400"/>
+            </a:lvl1pPr>
+            <a:lvl2pPr marL="457200" indent="0" algn="ctr">
+              <a:buNone/>
+              <a:defRPr sz="2000"/>
+            </a:lvl2pPr>
+            <a:lvl3pPr marL="914400" indent="0" algn="ctr">
+              <a:buNone/>
+              <a:defRPr sz="1800"/>
+            </a:lvl3pPr>
+            <a:lvl4pPr marL="1371600" indent="0" algn="ctr">
+              <a:buNone/>
+              <a:defRPr sz="1600"/>
+            </a:lvl4pPr>
+            <a:lvl5pPr marL="1828800" indent="0" algn="ctr">
+              <a:buNone/>
+              <a:defRPr sz="1600"/>
+            </a:lvl5pPr>
+            <a:lvl6pPr marL="2286000" indent="0" algn="ctr">
+              <a:buNone/>
+              <a:defRPr sz="1600"/>
+            </a:lvl6pPr>
+            <a:lvl7pPr marL="2743200" indent="0" algn="ctr">
+              <a:buNone/>
+              <a:defRPr sz="1600"/>
+            </a:lvl7pPr>
+            <a:lvl8pPr marL="3200400" indent="0" algn="ctr">
+              <a:buNone/>
+              <a:defRPr sz="1600"/>
+            </a:lvl8pPr>
+            <a:lvl9pPr marL="3657600" indent="0" algn="ctr">
+              <a:buNone/>
+              <a:defRPr sz="1600"/>
+            </a:lvl9pPr>
+          </a:lstStyle>
+          <a:p>
+            <a:r>
+              <a:rPr lang="en-US"/>
+              <a:t>Click to edit Master subtitle style</a:t>
+            </a:r>
+          </a:p>
+        </p:txBody>
+      </p:sp>
+      <p:sp>
+        <p:nvSpPr>
+          <p:cNvPr id="4" name="Date Placeholder 3">
+            <a:extLst>
+              <a:ext uri="{FF2B5EF4-FFF2-40B4-BE49-F238E27FC236}">
+                <a16:creationId xmlns:a16="http://schemas.microsoft.com/office/drawing/2014/main" id="{0A70843C-B9DD-1D6A-7B7C-00E4C29AB13D}"/>
+              </a:ext>
+            </a:extLst>
+          </p:cNvPr>
+          <p:cNvSpPr>
+            <a:spLocks noGrp="1"/>
+          </p:cNvSpPr>
+          <p:nvPr>
+            <p:ph type="dt" idx="10"/>
+          </p:nvPr>
+        </p:nvSpPr>
+        <p:spPr/>
+        <p:txBody>
+          <a:bodyPr/>
+          <a:lstStyle/>
+          <a:p>
+            <a:pPr indent="0" defTabSz="3686760">
+              <a:lnSpc>
+                <a:spcPct val="100000"/>
+              </a:lnSpc>
+              <a:buNone/>
+            </a:pPr>
+            <a:r>
+              <a:rPr lang="en-US" sz="4320" b="0" u="none" strike="noStrike">
+                <a:solidFill>
+                  <a:schemeClr val="dk1">
+                    <a:tint val="75000"/>
+                  </a:schemeClr>
+                </a:solidFill>
+                <a:effectLst/>
+                <a:uFillTx/>
+                <a:latin typeface="Calibri"/>
+              </a:rPr>
+              <a:t>&lt;date/time&gt;</a:t>
+            </a:r>
+            <a:endParaRPr lang="en-US" sz="4320" b="0" u="none" strike="noStrike">
+              <a:solidFill>
+                <a:srgbClr val="000000"/>
+              </a:solidFill>
+              <a:effectLst/>
+              <a:uFillTx/>
+              <a:latin typeface="Times New Roman"/>
+            </a:endParaRPr>
+          </a:p>
+        </p:txBody>
+      </p:sp>
+      <p:sp>
+        <p:nvSpPr>
+          <p:cNvPr id="5" name="Footer Placeholder 4">
+            <a:extLst>
+              <a:ext uri="{FF2B5EF4-FFF2-40B4-BE49-F238E27FC236}">
+                <a16:creationId xmlns:a16="http://schemas.microsoft.com/office/drawing/2014/main" id="{0AC06C27-A179-9757-8ED8-4BB0EA510945}"/>
+              </a:ext>
+            </a:extLst>
+          </p:cNvPr>
+          <p:cNvSpPr>
+            <a:spLocks noGrp="1"/>
+          </p:cNvSpPr>
+          <p:nvPr>
+            <p:ph type="ftr" idx="11"/>
+          </p:nvPr>
+        </p:nvSpPr>
+        <p:spPr/>
+        <p:txBody>
+          <a:bodyPr/>
+          <a:lstStyle/>
+          <a:p>
+            <a:pPr indent="0" algn="ctr">
+              <a:buNone/>
+            </a:pPr>
+            <a:r>
+              <a:rPr lang="en-US" sz="1400" b="0" u="none" strike="noStrike">
+                <a:solidFill>
+                  <a:srgbClr val="000000"/>
+                </a:solidFill>
+                <a:effectLst/>
+                <a:uFillTx/>
+                <a:latin typeface="Times New Roman"/>
+              </a:rPr>
+              <a:t>&lt;footer&gt;</a:t>
+            </a:r>
+          </a:p>
+        </p:txBody>
+      </p:sp>
+      <p:sp>
+        <p:nvSpPr>
+          <p:cNvPr id="6" name="Slide Number Placeholder 5">
+            <a:extLst>
+              <a:ext uri="{FF2B5EF4-FFF2-40B4-BE49-F238E27FC236}">
+                <a16:creationId xmlns:a16="http://schemas.microsoft.com/office/drawing/2014/main" id="{C54904BE-D4DE-CED9-D1DB-40A6A2AA38FD}"/>
+              </a:ext>
+            </a:extLst>
+          </p:cNvPr>
+          <p:cNvSpPr>
+            <a:spLocks noGrp="1"/>
+          </p:cNvSpPr>
+          <p:nvPr>
+            <p:ph type="sldNum" idx="12"/>
+          </p:nvPr>
+        </p:nvSpPr>
+        <p:spPr/>
+        <p:txBody>
+          <a:bodyPr/>
+          <a:lstStyle/>
+          <a:p>
+            <a:pPr indent="0" algn="r" defTabSz="3686760">
+              <a:lnSpc>
+                <a:spcPct val="100000"/>
+              </a:lnSpc>
+              <a:buNone/>
+            </a:pPr>
+            <a:fld id="{5323C254-255E-4F9A-9B80-950FA50609F0}" type="slidenum">
+              <a:rPr lang="en-US" sz="4320" b="0" u="none" strike="noStrike">
+                <a:solidFill>
+                  <a:schemeClr val="dk1">
+                    <a:tint val="75000"/>
+                  </a:schemeClr>
+                </a:solidFill>
+                <a:effectLst/>
+                <a:uFillTx/>
+                <a:latin typeface="Calibri"/>
+              </a:rPr>
+              <a:t>‹#›</a:t>
+            </a:fld>
+            <a:endParaRPr lang="en-US" sz="4320" b="0" u="none" strike="noStrike">
+              <a:solidFill>
+                <a:srgbClr val="000000"/>
+              </a:solidFill>
+              <a:effectLst/>
+              <a:uFillTx/>
+              <a:latin typeface="Times New Roman"/>
+            </a:endParaRPr>
+          </a:p>
+        </p:txBody>
+      </p:sp>
+    </p:spTree>
+    <p:extLst>
+      <p:ext uri="{BB962C8B-B14F-4D97-AF65-F5344CB8AC3E}">
+        <p14:creationId xmlns:p14="http://schemas.microsoft.com/office/powerpoint/2010/main" val="2138366268"/>
+      </p:ext>
+    </p:extLst>
+  </p:cSld>
+  <p:clrMapOvr>
+    <a:masterClrMapping/>
+  </p:clrMapOvr>
+</p:sldLayout>
+</file>
+
+<file path=ppt/slideLayouts/slideLayout3.xml><?xml version="1.0" encoding="utf-8"?>
+<p:sldLayout xmlns:a="http://schemas.openxmlformats.org/drawingml/2006/main" xmlns:r="http://schemas.openxmlformats.org/officeDocument/2006/relationships" xmlns:p="http://schemas.openxmlformats.org/presentationml/2006/main" type="title" preserve="1">
+  <p:cSld name="Title Slide">
+    <p:spTree>
+      <p:nvGrpSpPr>
+        <p:cNvPr id="1" name=""/>
+        <p:cNvGrpSpPr/>
+        <p:nvPr/>
+      </p:nvGrpSpPr>
+      <p:grpSpPr>
+        <a:xfrm>
+          <a:off x="0" y="0"/>
+          <a:ext cx="0" cy="0"/>
+          <a:chOff x="0" y="0"/>
+          <a:chExt cx="0" cy="0"/>
+        </a:xfrm>
+      </p:grpSpPr>
+      <p:sp>
+        <p:nvSpPr>
+          <p:cNvPr id="2" name="Title 1">
+            <a:extLst>
+              <a:ext uri="{FF2B5EF4-FFF2-40B4-BE49-F238E27FC236}">
+                <a16:creationId xmlns:a16="http://schemas.microsoft.com/office/drawing/2014/main" id="{5ACFBAE8-5D38-4A81-9BE4-2871FCB6EC15}"/>
+              </a:ext>
+            </a:extLst>
+          </p:cNvPr>
+          <p:cNvSpPr>
+            <a:spLocks noGrp="1"/>
+          </p:cNvSpPr>
+          <p:nvPr>
+            <p:ph type="ctrTitle"/>
+          </p:nvPr>
+        </p:nvSpPr>
+        <p:spPr>
+          <a:xfrm>
+            <a:off x="4114800" y="7183438"/>
+            <a:ext cx="24688800" cy="15279687"/>
+          </a:xfrm>
+        </p:spPr>
+        <p:txBody>
+          <a:bodyPr anchor="b"/>
+          <a:lstStyle>
+            <a:lvl1pPr algn="ctr">
+              <a:defRPr sz="6000"/>
+            </a:lvl1pPr>
+          </a:lstStyle>
+          <a:p>
+            <a:r>
+              <a:rPr lang="en-US"/>
+              <a:t>Click to edit Master title style</a:t>
+            </a:r>
+          </a:p>
+        </p:txBody>
+      </p:sp>
+      <p:sp>
+        <p:nvSpPr>
+          <p:cNvPr id="3" name="Subtitle 2">
+            <a:extLst>
+              <a:ext uri="{FF2B5EF4-FFF2-40B4-BE49-F238E27FC236}">
+                <a16:creationId xmlns:a16="http://schemas.microsoft.com/office/drawing/2014/main" id="{12E07DF4-E200-0532-6DEC-F2880DFBFC24}"/>
+              </a:ext>
+            </a:extLst>
+          </p:cNvPr>
+          <p:cNvSpPr>
+            <a:spLocks noGrp="1"/>
+          </p:cNvSpPr>
+          <p:nvPr>
+            <p:ph type="subTitle" idx="1"/>
+          </p:nvPr>
+        </p:nvSpPr>
+        <p:spPr>
+          <a:xfrm>
+            <a:off x="4114800" y="23053675"/>
+            <a:ext cx="24688800" cy="10596563"/>
+          </a:xfrm>
+        </p:spPr>
+        <p:txBody>
+          <a:bodyPr/>
+          <a:lstStyle>
+            <a:lvl1pPr marL="0" indent="0" algn="ctr">
+              <a:buNone/>
+              <a:defRPr sz="2400"/>
+            </a:lvl1pPr>
+            <a:lvl2pPr marL="457200" indent="0" algn="ctr">
+              <a:buNone/>
+              <a:defRPr sz="2000"/>
+            </a:lvl2pPr>
+            <a:lvl3pPr marL="914400" indent="0" algn="ctr">
+              <a:buNone/>
+              <a:defRPr sz="1800"/>
+            </a:lvl3pPr>
+            <a:lvl4pPr marL="1371600" indent="0" algn="ctr">
+              <a:buNone/>
+              <a:defRPr sz="1600"/>
+            </a:lvl4pPr>
+            <a:lvl5pPr marL="1828800" indent="0" algn="ctr">
+              <a:buNone/>
+              <a:defRPr sz="1600"/>
+            </a:lvl5pPr>
+            <a:lvl6pPr marL="2286000" indent="0" algn="ctr">
+              <a:buNone/>
+              <a:defRPr sz="1600"/>
+            </a:lvl6pPr>
+            <a:lvl7pPr marL="2743200" indent="0" algn="ctr">
+              <a:buNone/>
+              <a:defRPr sz="1600"/>
+            </a:lvl7pPr>
+            <a:lvl8pPr marL="3200400" indent="0" algn="ctr">
+              <a:buNone/>
+              <a:defRPr sz="1600"/>
+            </a:lvl8pPr>
+            <a:lvl9pPr marL="3657600" indent="0" algn="ctr">
+              <a:buNone/>
+              <a:defRPr sz="1600"/>
+            </a:lvl9pPr>
+          </a:lstStyle>
+          <a:p>
+            <a:r>
+              <a:rPr lang="en-US"/>
+              <a:t>Click to edit Master subtitle style</a:t>
+            </a:r>
+          </a:p>
+        </p:txBody>
+      </p:sp>
+      <p:sp>
+        <p:nvSpPr>
+          <p:cNvPr id="4" name="Date Placeholder 3">
+            <a:extLst>
+              <a:ext uri="{FF2B5EF4-FFF2-40B4-BE49-F238E27FC236}">
+                <a16:creationId xmlns:a16="http://schemas.microsoft.com/office/drawing/2014/main" id="{119ED651-A1C4-7B21-8BE9-B34C9F092EA0}"/>
+              </a:ext>
+            </a:extLst>
+          </p:cNvPr>
+          <p:cNvSpPr>
+            <a:spLocks noGrp="1"/>
+          </p:cNvSpPr>
+          <p:nvPr>
+            <p:ph type="dt" idx="10"/>
+          </p:nvPr>
+        </p:nvSpPr>
+        <p:spPr/>
+        <p:txBody>
+          <a:bodyPr/>
+          <a:lstStyle/>
+          <a:p>
+            <a:pPr indent="0" defTabSz="3686760">
+              <a:lnSpc>
+                <a:spcPct val="100000"/>
+              </a:lnSpc>
+              <a:buNone/>
+            </a:pPr>
+            <a:r>
+              <a:rPr lang="en-US" sz="4320" b="0" u="none" strike="noStrike">
+                <a:solidFill>
+                  <a:schemeClr val="dk1">
+                    <a:tint val="75000"/>
+                  </a:schemeClr>
+                </a:solidFill>
+                <a:effectLst/>
+                <a:uFillTx/>
+                <a:latin typeface="Calibri"/>
+              </a:rPr>
+              <a:t>&lt;date/time&gt;</a:t>
+            </a:r>
+            <a:endParaRPr lang="en-US" sz="4320" b="0" u="none" strike="noStrike">
+              <a:solidFill>
+                <a:srgbClr val="000000"/>
+              </a:solidFill>
+              <a:effectLst/>
+              <a:uFillTx/>
+              <a:latin typeface="Times New Roman"/>
+            </a:endParaRPr>
+          </a:p>
+        </p:txBody>
+      </p:sp>
+      <p:sp>
+        <p:nvSpPr>
+          <p:cNvPr id="5" name="Footer Placeholder 4">
+            <a:extLst>
+              <a:ext uri="{FF2B5EF4-FFF2-40B4-BE49-F238E27FC236}">
+                <a16:creationId xmlns:a16="http://schemas.microsoft.com/office/drawing/2014/main" id="{0E0E4AFC-82AB-4ADB-2702-5CE076DD2EB7}"/>
+              </a:ext>
+            </a:extLst>
+          </p:cNvPr>
+          <p:cNvSpPr>
+            <a:spLocks noGrp="1"/>
+          </p:cNvSpPr>
+          <p:nvPr>
+            <p:ph type="ftr" idx="11"/>
+          </p:nvPr>
+        </p:nvSpPr>
+        <p:spPr/>
+        <p:txBody>
+          <a:bodyPr/>
+          <a:lstStyle/>
+          <a:p>
+            <a:pPr indent="0" algn="ctr">
+              <a:buNone/>
+            </a:pPr>
+            <a:r>
+              <a:rPr lang="en-US" sz="1400" b="0" u="none" strike="noStrike">
+                <a:solidFill>
+                  <a:srgbClr val="000000"/>
+                </a:solidFill>
+                <a:effectLst/>
+                <a:uFillTx/>
+                <a:latin typeface="Times New Roman"/>
+              </a:rPr>
+              <a:t>&lt;footer&gt;</a:t>
+            </a:r>
+          </a:p>
+        </p:txBody>
+      </p:sp>
+      <p:sp>
+        <p:nvSpPr>
+          <p:cNvPr id="6" name="Slide Number Placeholder 5">
+            <a:extLst>
+              <a:ext uri="{FF2B5EF4-FFF2-40B4-BE49-F238E27FC236}">
+                <a16:creationId xmlns:a16="http://schemas.microsoft.com/office/drawing/2014/main" id="{2D8F210D-D3C0-5EF2-04A9-9239C6AB8A0D}"/>
+              </a:ext>
+            </a:extLst>
+          </p:cNvPr>
+          <p:cNvSpPr>
+            <a:spLocks noGrp="1"/>
+          </p:cNvSpPr>
+          <p:nvPr>
+            <p:ph type="sldNum" idx="12"/>
+          </p:nvPr>
+        </p:nvSpPr>
+        <p:spPr/>
+        <p:txBody>
+          <a:bodyPr/>
+          <a:lstStyle/>
+          <a:p>
+            <a:pPr indent="0" algn="r" defTabSz="3686760">
+              <a:lnSpc>
+                <a:spcPct val="100000"/>
+              </a:lnSpc>
+              <a:buNone/>
+            </a:pPr>
+            <a:fld id="{C9444C3B-F4CF-41ED-9F12-446A5467C14E}" type="slidenum">
+              <a:rPr lang="en-US" sz="4320" b="0" u="none" strike="noStrike">
+                <a:solidFill>
+                  <a:schemeClr val="dk1">
+                    <a:tint val="75000"/>
+                  </a:schemeClr>
+                </a:solidFill>
+                <a:effectLst/>
+                <a:uFillTx/>
+                <a:latin typeface="Calibri"/>
+              </a:rPr>
+              <a:t>‹#›</a:t>
+            </a:fld>
+            <a:endParaRPr lang="en-US" sz="4320" b="0" u="none" strike="noStrike">
+              <a:solidFill>
+                <a:srgbClr val="000000"/>
+              </a:solidFill>
+              <a:effectLst/>
+              <a:uFillTx/>
+              <a:latin typeface="Times New Roman"/>
+            </a:endParaRPr>
+          </a:p>
+        </p:txBody>
+      </p:sp>
+    </p:spTree>
+    <p:extLst>
+      <p:ext uri="{BB962C8B-B14F-4D97-AF65-F5344CB8AC3E}">
+        <p14:creationId xmlns:p14="http://schemas.microsoft.com/office/powerpoint/2010/main" val="3273081049"/>
+      </p:ext>
+    </p:extLst>
+  </p:cSld>
+  <p:clrMapOvr>
+    <a:masterClrMapping/>
+  </p:clrMapOvr>
+</p:sldLayout>
+</file>
+
+<file path=ppt/slideLayouts/slideLayout4.xml><?xml version="1.0" encoding="utf-8"?>
+<p:sldLayout xmlns:a="http://schemas.openxmlformats.org/drawingml/2006/main" xmlns:r="http://schemas.openxmlformats.org/officeDocument/2006/relationships" xmlns:p="http://schemas.openxmlformats.org/presentationml/2006/main" type="title" preserve="1">
+  <p:cSld name="Title Slide">
+    <p:spTree>
+      <p:nvGrpSpPr>
+        <p:cNvPr id="1" name=""/>
+        <p:cNvGrpSpPr/>
+        <p:nvPr/>
+      </p:nvGrpSpPr>
+      <p:grpSpPr>
+        <a:xfrm>
+          <a:off x="0" y="0"/>
+          <a:ext cx="0" cy="0"/>
+          <a:chOff x="0" y="0"/>
+          <a:chExt cx="0" cy="0"/>
+        </a:xfrm>
+      </p:grpSpPr>
+      <p:sp>
+        <p:nvSpPr>
+          <p:cNvPr id="2" name="Title 1">
+            <a:extLst>
+              <a:ext uri="{FF2B5EF4-FFF2-40B4-BE49-F238E27FC236}">
+                <a16:creationId xmlns:a16="http://schemas.microsoft.com/office/drawing/2014/main" id="{0C6155B0-8673-26CA-734F-C10F548EBF8D}"/>
+              </a:ext>
+            </a:extLst>
+          </p:cNvPr>
+          <p:cNvSpPr>
+            <a:spLocks noGrp="1"/>
+          </p:cNvSpPr>
+          <p:nvPr>
+            <p:ph type="ctrTitle"/>
+          </p:nvPr>
+        </p:nvSpPr>
+        <p:spPr>
+          <a:xfrm>
+            <a:off x="4114800" y="7183438"/>
+            <a:ext cx="24688800" cy="15279687"/>
+          </a:xfrm>
+        </p:spPr>
+        <p:txBody>
+          <a:bodyPr anchor="b"/>
+          <a:lstStyle>
+            <a:lvl1pPr algn="ctr">
+              <a:defRPr sz="6000"/>
+            </a:lvl1pPr>
+          </a:lstStyle>
+          <a:p>
+            <a:r>
+              <a:rPr lang="en-US"/>
+              <a:t>Click to edit Master title style</a:t>
+            </a:r>
+          </a:p>
+        </p:txBody>
+      </p:sp>
+      <p:sp>
+        <p:nvSpPr>
+          <p:cNvPr id="3" name="Subtitle 2">
+            <a:extLst>
+              <a:ext uri="{FF2B5EF4-FFF2-40B4-BE49-F238E27FC236}">
+                <a16:creationId xmlns:a16="http://schemas.microsoft.com/office/drawing/2014/main" id="{3F00D50F-5228-1FC0-C69F-7630FEFB3E35}"/>
+              </a:ext>
+            </a:extLst>
+          </p:cNvPr>
+          <p:cNvSpPr>
+            <a:spLocks noGrp="1"/>
+          </p:cNvSpPr>
+          <p:nvPr>
+            <p:ph type="subTitle" idx="1"/>
+          </p:nvPr>
+        </p:nvSpPr>
+        <p:spPr>
+          <a:xfrm>
+            <a:off x="4114800" y="23053675"/>
+            <a:ext cx="24688800" cy="10596563"/>
+          </a:xfrm>
+        </p:spPr>
+        <p:txBody>
+          <a:bodyPr/>
+          <a:lstStyle>
+            <a:lvl1pPr marL="0" indent="0" algn="ctr">
+              <a:buNone/>
+              <a:defRPr sz="2400"/>
+            </a:lvl1pPr>
+            <a:lvl2pPr marL="457200" indent="0" algn="ctr">
+              <a:buNone/>
+              <a:defRPr sz="2000"/>
+            </a:lvl2pPr>
+            <a:lvl3pPr marL="914400" indent="0" algn="ctr">
+              <a:buNone/>
+              <a:defRPr sz="1800"/>
+            </a:lvl3pPr>
+            <a:lvl4pPr marL="1371600" indent="0" algn="ctr">
+              <a:buNone/>
+              <a:defRPr sz="1600"/>
+            </a:lvl4pPr>
+            <a:lvl5pPr marL="1828800" indent="0" algn="ctr">
+              <a:buNone/>
+              <a:defRPr sz="1600"/>
+            </a:lvl5pPr>
+            <a:lvl6pPr marL="2286000" indent="0" algn="ctr">
+              <a:buNone/>
+              <a:defRPr sz="1600"/>
+            </a:lvl6pPr>
+            <a:lvl7pPr marL="2743200" indent="0" algn="ctr">
+              <a:buNone/>
+              <a:defRPr sz="1600"/>
+            </a:lvl7pPr>
+            <a:lvl8pPr marL="3200400" indent="0" algn="ctr">
+              <a:buNone/>
+              <a:defRPr sz="1600"/>
+            </a:lvl8pPr>
+            <a:lvl9pPr marL="3657600" indent="0" algn="ctr">
+              <a:buNone/>
+              <a:defRPr sz="1600"/>
+            </a:lvl9pPr>
+          </a:lstStyle>
+          <a:p>
+            <a:r>
+              <a:rPr lang="en-US"/>
+              <a:t>Click to edit Master subtitle style</a:t>
+            </a:r>
+          </a:p>
+        </p:txBody>
+      </p:sp>
+      <p:sp>
+        <p:nvSpPr>
+          <p:cNvPr id="4" name="Date Placeholder 3">
+            <a:extLst>
+              <a:ext uri="{FF2B5EF4-FFF2-40B4-BE49-F238E27FC236}">
+                <a16:creationId xmlns:a16="http://schemas.microsoft.com/office/drawing/2014/main" id="{25F997BB-2730-1E39-C0E7-8604D8E69534}"/>
+              </a:ext>
+            </a:extLst>
+          </p:cNvPr>
+          <p:cNvSpPr>
+            <a:spLocks noGrp="1"/>
+          </p:cNvSpPr>
+          <p:nvPr>
+            <p:ph type="dt" idx="10"/>
+          </p:nvPr>
+        </p:nvSpPr>
+        <p:spPr/>
+        <p:txBody>
+          <a:bodyPr/>
+          <a:lstStyle/>
+          <a:p>
+            <a:pPr indent="0" defTabSz="3686760">
+              <a:lnSpc>
+                <a:spcPct val="100000"/>
+              </a:lnSpc>
+              <a:buNone/>
+            </a:pPr>
+            <a:r>
+              <a:rPr lang="en-US" sz="4320" b="0" u="none" strike="noStrike">
+                <a:solidFill>
+                  <a:schemeClr val="dk1">
+                    <a:tint val="75000"/>
+                  </a:schemeClr>
+                </a:solidFill>
+                <a:effectLst/>
+                <a:uFillTx/>
+                <a:latin typeface="Calibri"/>
+              </a:rPr>
+              <a:t>&lt;date/time&gt;</a:t>
+            </a:r>
+            <a:endParaRPr lang="en-US" sz="4320" b="0" u="none" strike="noStrike">
+              <a:solidFill>
+                <a:srgbClr val="000000"/>
+              </a:solidFill>
+              <a:effectLst/>
+              <a:uFillTx/>
+              <a:latin typeface="Times New Roman"/>
+            </a:endParaRPr>
+          </a:p>
+        </p:txBody>
+      </p:sp>
+      <p:sp>
+        <p:nvSpPr>
+          <p:cNvPr id="5" name="Footer Placeholder 4">
+            <a:extLst>
+              <a:ext uri="{FF2B5EF4-FFF2-40B4-BE49-F238E27FC236}">
+                <a16:creationId xmlns:a16="http://schemas.microsoft.com/office/drawing/2014/main" id="{58C802BF-A3E4-5C91-414B-FAF3718C56F3}"/>
+              </a:ext>
+            </a:extLst>
+          </p:cNvPr>
+          <p:cNvSpPr>
+            <a:spLocks noGrp="1"/>
+          </p:cNvSpPr>
+          <p:nvPr>
+            <p:ph type="ftr" idx="11"/>
+          </p:nvPr>
+        </p:nvSpPr>
+        <p:spPr/>
+        <p:txBody>
+          <a:bodyPr/>
+          <a:lstStyle/>
+          <a:p>
+            <a:pPr indent="0" algn="ctr">
+              <a:buNone/>
+            </a:pPr>
+            <a:r>
+              <a:rPr lang="en-US" sz="1400" b="0" u="none" strike="noStrike">
+                <a:solidFill>
+                  <a:srgbClr val="000000"/>
+                </a:solidFill>
+                <a:effectLst/>
+                <a:uFillTx/>
+                <a:latin typeface="Times New Roman"/>
+              </a:rPr>
+              <a:t>&lt;footer&gt;</a:t>
+            </a:r>
+          </a:p>
+        </p:txBody>
+      </p:sp>
+      <p:sp>
+        <p:nvSpPr>
+          <p:cNvPr id="6" name="Slide Number Placeholder 5">
+            <a:extLst>
+              <a:ext uri="{FF2B5EF4-FFF2-40B4-BE49-F238E27FC236}">
+                <a16:creationId xmlns:a16="http://schemas.microsoft.com/office/drawing/2014/main" id="{F9FD9D77-2E3B-67C6-A4D4-E616437C58CA}"/>
+              </a:ext>
+            </a:extLst>
+          </p:cNvPr>
+          <p:cNvSpPr>
+            <a:spLocks noGrp="1"/>
+          </p:cNvSpPr>
+          <p:nvPr>
+            <p:ph type="sldNum" idx="12"/>
+          </p:nvPr>
+        </p:nvSpPr>
+        <p:spPr/>
+        <p:txBody>
+          <a:bodyPr/>
+          <a:lstStyle/>
+          <a:p>
+            <a:pPr indent="0" algn="r" defTabSz="3686760">
+              <a:lnSpc>
+                <a:spcPct val="100000"/>
+              </a:lnSpc>
+              <a:buNone/>
+            </a:pPr>
+            <a:fld id="{344610C0-B15E-4ED2-BCBB-C0AAA3AE3B78}" type="slidenum">
+              <a:rPr lang="en-US" sz="4320" b="0" u="none" strike="noStrike">
+                <a:solidFill>
+                  <a:schemeClr val="dk1">
+                    <a:tint val="75000"/>
+                  </a:schemeClr>
+                </a:solidFill>
+                <a:effectLst/>
+                <a:uFillTx/>
+                <a:latin typeface="Calibri"/>
+              </a:rPr>
+              <a:t>‹#›</a:t>
+            </a:fld>
+            <a:endParaRPr lang="en-US" sz="4320" b="0" u="none" strike="noStrike">
+              <a:solidFill>
+                <a:srgbClr val="000000"/>
+              </a:solidFill>
+              <a:effectLst/>
+              <a:uFillTx/>
+              <a:latin typeface="Times New Roman"/>
+            </a:endParaRPr>
+          </a:p>
+        </p:txBody>
+      </p:sp>
+    </p:spTree>
+    <p:extLst>
+      <p:ext uri="{BB962C8B-B14F-4D97-AF65-F5344CB8AC3E}">
+        <p14:creationId xmlns:p14="http://schemas.microsoft.com/office/powerpoint/2010/main" val="3587378645"/>
+      </p:ext>
+    </p:extLst>
+  </p:cSld>
+  <p:clrMapOvr>
+    <a:masterClrMapping/>
+  </p:clrMapOvr>
+</p:sldLayout>
+</file>
+
+<file path=ppt/slideLayouts/slideLayout5.xml><?xml version="1.0" encoding="utf-8"?>
+<p:sldLayout xmlns:a="http://schemas.openxmlformats.org/drawingml/2006/main" xmlns:r="http://schemas.openxmlformats.org/officeDocument/2006/relationships" xmlns:p="http://schemas.openxmlformats.org/presentationml/2006/main" type="title" preserve="1">
+  <p:cSld name="Title Slide">
+    <p:spTree>
+      <p:nvGrpSpPr>
+        <p:cNvPr id="1" name=""/>
+        <p:cNvGrpSpPr/>
+        <p:nvPr/>
+      </p:nvGrpSpPr>
+      <p:grpSpPr>
+        <a:xfrm>
+          <a:off x="0" y="0"/>
+          <a:ext cx="0" cy="0"/>
+          <a:chOff x="0" y="0"/>
+          <a:chExt cx="0" cy="0"/>
+        </a:xfrm>
+      </p:grpSpPr>
+      <p:sp>
+        <p:nvSpPr>
+          <p:cNvPr id="2" name="Title 1">
+            <a:extLst>
+              <a:ext uri="{FF2B5EF4-FFF2-40B4-BE49-F238E27FC236}">
+                <a16:creationId xmlns:a16="http://schemas.microsoft.com/office/drawing/2014/main" id="{60074004-CE04-8BB1-350A-6152814BC25B}"/>
+              </a:ext>
+            </a:extLst>
+          </p:cNvPr>
+          <p:cNvSpPr>
+            <a:spLocks noGrp="1"/>
+          </p:cNvSpPr>
+          <p:nvPr>
+            <p:ph type="ctrTitle"/>
+          </p:nvPr>
+        </p:nvSpPr>
+        <p:spPr>
+          <a:xfrm>
+            <a:off x="4114800" y="7183438"/>
+            <a:ext cx="24688800" cy="15279687"/>
+          </a:xfrm>
+        </p:spPr>
+        <p:txBody>
+          <a:bodyPr anchor="b"/>
+          <a:lstStyle>
+            <a:lvl1pPr algn="ctr">
+              <a:defRPr sz="6000"/>
+            </a:lvl1pPr>
+          </a:lstStyle>
+          <a:p>
+            <a:r>
+              <a:rPr lang="en-US"/>
+              <a:t>Click to edit Master title style</a:t>
+            </a:r>
+          </a:p>
+        </p:txBody>
+      </p:sp>
+      <p:sp>
+        <p:nvSpPr>
+          <p:cNvPr id="3" name="Subtitle 2">
+            <a:extLst>
+              <a:ext uri="{FF2B5EF4-FFF2-40B4-BE49-F238E27FC236}">
+                <a16:creationId xmlns:a16="http://schemas.microsoft.com/office/drawing/2014/main" id="{6548E751-9E08-38D1-09FA-286EFD515145}"/>
+              </a:ext>
+            </a:extLst>
+          </p:cNvPr>
+          <p:cNvSpPr>
+            <a:spLocks noGrp="1"/>
+          </p:cNvSpPr>
+          <p:nvPr>
+            <p:ph type="subTitle" idx="1"/>
+          </p:nvPr>
+        </p:nvSpPr>
+        <p:spPr>
+          <a:xfrm>
+            <a:off x="4114800" y="23053675"/>
+            <a:ext cx="24688800" cy="10596563"/>
+          </a:xfrm>
+        </p:spPr>
+        <p:txBody>
+          <a:bodyPr/>
+          <a:lstStyle>
+            <a:lvl1pPr marL="0" indent="0" algn="ctr">
+              <a:buNone/>
+              <a:defRPr sz="2400"/>
+            </a:lvl1pPr>
+            <a:lvl2pPr marL="457200" indent="0" algn="ctr">
+              <a:buNone/>
+              <a:defRPr sz="2000"/>
+            </a:lvl2pPr>
+            <a:lvl3pPr marL="914400" indent="0" algn="ctr">
+              <a:buNone/>
+              <a:defRPr sz="1800"/>
+            </a:lvl3pPr>
+            <a:lvl4pPr marL="1371600" indent="0" algn="ctr">
+              <a:buNone/>
+              <a:defRPr sz="1600"/>
+            </a:lvl4pPr>
+            <a:lvl5pPr marL="1828800" indent="0" algn="ctr">
+              <a:buNone/>
+              <a:defRPr sz="1600"/>
+            </a:lvl5pPr>
+            <a:lvl6pPr marL="2286000" indent="0" algn="ctr">
+              <a:buNone/>
+              <a:defRPr sz="1600"/>
+            </a:lvl6pPr>
+            <a:lvl7pPr marL="2743200" indent="0" algn="ctr">
+              <a:buNone/>
+              <a:defRPr sz="1600"/>
+            </a:lvl7pPr>
+            <a:lvl8pPr marL="3200400" indent="0" algn="ctr">
+              <a:buNone/>
+              <a:defRPr sz="1600"/>
+            </a:lvl8pPr>
+            <a:lvl9pPr marL="3657600" indent="0" algn="ctr">
+              <a:buNone/>
+              <a:defRPr sz="1600"/>
+            </a:lvl9pPr>
+          </a:lstStyle>
+          <a:p>
+            <a:r>
+              <a:rPr lang="en-US"/>
+              <a:t>Click to edit Master subtitle style</a:t>
+            </a:r>
+          </a:p>
+        </p:txBody>
+      </p:sp>
+      <p:sp>
+        <p:nvSpPr>
+          <p:cNvPr id="4" name="Date Placeholder 3">
+            <a:extLst>
+              <a:ext uri="{FF2B5EF4-FFF2-40B4-BE49-F238E27FC236}">
+                <a16:creationId xmlns:a16="http://schemas.microsoft.com/office/drawing/2014/main" id="{FB1AD264-2542-A994-05A4-8CA063A4D8EB}"/>
+              </a:ext>
+            </a:extLst>
+          </p:cNvPr>
+          <p:cNvSpPr>
+            <a:spLocks noGrp="1"/>
+          </p:cNvSpPr>
+          <p:nvPr>
+            <p:ph type="dt" idx="10"/>
+          </p:nvPr>
+        </p:nvSpPr>
+        <p:spPr/>
+        <p:txBody>
+          <a:bodyPr/>
+          <a:lstStyle/>
+          <a:p>
+            <a:pPr indent="0" defTabSz="3686760">
+              <a:lnSpc>
+                <a:spcPct val="100000"/>
+              </a:lnSpc>
+              <a:buNone/>
+            </a:pPr>
+            <a:r>
+              <a:rPr lang="en-US" sz="4320" b="0" u="none" strike="noStrike">
+                <a:solidFill>
+                  <a:schemeClr val="dk1">
+                    <a:tint val="75000"/>
+                  </a:schemeClr>
+                </a:solidFill>
+                <a:effectLst/>
+                <a:uFillTx/>
+                <a:latin typeface="Calibri"/>
+              </a:rPr>
+              <a:t>&lt;date/time&gt;</a:t>
+            </a:r>
+            <a:endParaRPr lang="en-US" sz="4320" b="0" u="none" strike="noStrike">
+              <a:solidFill>
+                <a:srgbClr val="000000"/>
+              </a:solidFill>
+              <a:effectLst/>
+              <a:uFillTx/>
+              <a:latin typeface="Times New Roman"/>
+            </a:endParaRPr>
+          </a:p>
+        </p:txBody>
+      </p:sp>
+      <p:sp>
+        <p:nvSpPr>
+          <p:cNvPr id="5" name="Footer Placeholder 4">
+            <a:extLst>
+              <a:ext uri="{FF2B5EF4-FFF2-40B4-BE49-F238E27FC236}">
+                <a16:creationId xmlns:a16="http://schemas.microsoft.com/office/drawing/2014/main" id="{F5338CAF-42B8-3653-9A42-EC8EBC2119E5}"/>
+              </a:ext>
+            </a:extLst>
+          </p:cNvPr>
+          <p:cNvSpPr>
+            <a:spLocks noGrp="1"/>
+          </p:cNvSpPr>
+          <p:nvPr>
+            <p:ph type="ftr" idx="11"/>
+          </p:nvPr>
+        </p:nvSpPr>
+        <p:spPr/>
+        <p:txBody>
+          <a:bodyPr/>
+          <a:lstStyle/>
+          <a:p>
+            <a:pPr indent="0" algn="ctr">
+              <a:buNone/>
+            </a:pPr>
+            <a:r>
+              <a:rPr lang="en-US" sz="1400" b="0" u="none" strike="noStrike">
+                <a:solidFill>
+                  <a:srgbClr val="000000"/>
+                </a:solidFill>
+                <a:effectLst/>
+                <a:uFillTx/>
+                <a:latin typeface="Times New Roman"/>
+              </a:rPr>
+              <a:t>&lt;footer&gt;</a:t>
+            </a:r>
+          </a:p>
+        </p:txBody>
+      </p:sp>
+      <p:sp>
+        <p:nvSpPr>
+          <p:cNvPr id="6" name="Slide Number Placeholder 5">
+            <a:extLst>
+              <a:ext uri="{FF2B5EF4-FFF2-40B4-BE49-F238E27FC236}">
+                <a16:creationId xmlns:a16="http://schemas.microsoft.com/office/drawing/2014/main" id="{32BAB845-B887-4995-9CBB-BA80B3F3C5C5}"/>
+              </a:ext>
+            </a:extLst>
+          </p:cNvPr>
+          <p:cNvSpPr>
+            <a:spLocks noGrp="1"/>
+          </p:cNvSpPr>
+          <p:nvPr>
+            <p:ph type="sldNum" idx="12"/>
+          </p:nvPr>
+        </p:nvSpPr>
+        <p:spPr/>
+        <p:txBody>
+          <a:bodyPr/>
+          <a:lstStyle/>
+          <a:p>
+            <a:pPr indent="0" algn="r" defTabSz="3686760">
+              <a:lnSpc>
+                <a:spcPct val="100000"/>
+              </a:lnSpc>
+              <a:buNone/>
+            </a:pPr>
+            <a:fld id="{D419B8C4-309B-4284-A9B5-7C4AC0BA8AF0}" type="slidenum">
+              <a:rPr lang="en-US" sz="4320" b="0" u="none" strike="noStrike">
+                <a:solidFill>
+                  <a:schemeClr val="dk1">
+                    <a:tint val="75000"/>
+                  </a:schemeClr>
+                </a:solidFill>
+                <a:effectLst/>
+                <a:uFillTx/>
+                <a:latin typeface="Calibri"/>
+              </a:rPr>
+              <a:t>‹#›</a:t>
+            </a:fld>
+            <a:endParaRPr lang="en-US" sz="4320" b="0" u="none" strike="noStrike">
+              <a:solidFill>
+                <a:srgbClr val="000000"/>
+              </a:solidFill>
+              <a:effectLst/>
+              <a:uFillTx/>
+              <a:latin typeface="Times New Roman"/>
+            </a:endParaRPr>
+          </a:p>
+        </p:txBody>
+      </p:sp>
+    </p:spTree>
+    <p:extLst>
+      <p:ext uri="{BB962C8B-B14F-4D97-AF65-F5344CB8AC3E}">
+        <p14:creationId xmlns:p14="http://schemas.microsoft.com/office/powerpoint/2010/main" val="4084265054"/>
+      </p:ext>
+    </p:extLst>
+  </p:cSld>
+  <p:clrMapOvr>
+    <a:masterClrMapping/>
+  </p:clrMapOvr>
+</p:sldLayout>
+</file>
+
+<file path=ppt/slideLayouts/slideLayout6.xml><?xml version="1.0" encoding="utf-8"?>
+<p:sldLayout xmlns:a="http://schemas.openxmlformats.org/drawingml/2006/main" xmlns:r="http://schemas.openxmlformats.org/officeDocument/2006/relationships" xmlns:p="http://schemas.openxmlformats.org/presentationml/2006/main" type="title" preserve="1">
+  <p:cSld name="Title Slide">
+    <p:spTree>
+      <p:nvGrpSpPr>
+        <p:cNvPr id="1" name=""/>
+        <p:cNvGrpSpPr/>
+        <p:nvPr/>
+      </p:nvGrpSpPr>
+      <p:grpSpPr>
+        <a:xfrm>
+          <a:off x="0" y="0"/>
+          <a:ext cx="0" cy="0"/>
+          <a:chOff x="0" y="0"/>
+          <a:chExt cx="0" cy="0"/>
+        </a:xfrm>
+      </p:grpSpPr>
+      <p:sp>
+        <p:nvSpPr>
+          <p:cNvPr id="2" name="Title 1">
+            <a:extLst>
+              <a:ext uri="{FF2B5EF4-FFF2-40B4-BE49-F238E27FC236}">
+                <a16:creationId xmlns:a16="http://schemas.microsoft.com/office/drawing/2014/main" id="{12514EDF-BFFC-681C-6246-442D29B256E4}"/>
+              </a:ext>
+            </a:extLst>
+          </p:cNvPr>
+          <p:cNvSpPr>
+            <a:spLocks noGrp="1"/>
+          </p:cNvSpPr>
+          <p:nvPr>
+            <p:ph type="ctrTitle"/>
+          </p:nvPr>
+        </p:nvSpPr>
+        <p:spPr>
+          <a:xfrm>
+            <a:off x="4114800" y="7183438"/>
+            <a:ext cx="24688800" cy="15279687"/>
+          </a:xfrm>
+        </p:spPr>
+        <p:txBody>
+          <a:bodyPr anchor="b"/>
+          <a:lstStyle>
+            <a:lvl1pPr algn="ctr">
+              <a:defRPr sz="6000"/>
+            </a:lvl1pPr>
+          </a:lstStyle>
+          <a:p>
+            <a:r>
+              <a:rPr lang="en-US"/>
+              <a:t>Click to edit Master title style</a:t>
+            </a:r>
+          </a:p>
+        </p:txBody>
+      </p:sp>
+      <p:sp>
+        <p:nvSpPr>
+          <p:cNvPr id="3" name="Subtitle 2">
+            <a:extLst>
+              <a:ext uri="{FF2B5EF4-FFF2-40B4-BE49-F238E27FC236}">
+                <a16:creationId xmlns:a16="http://schemas.microsoft.com/office/drawing/2014/main" id="{EA8B797C-2046-69CC-C1C4-25991DFA5A41}"/>
+              </a:ext>
+            </a:extLst>
+          </p:cNvPr>
+          <p:cNvSpPr>
+            <a:spLocks noGrp="1"/>
+          </p:cNvSpPr>
+          <p:nvPr>
+            <p:ph type="subTitle" idx="1"/>
+          </p:nvPr>
+        </p:nvSpPr>
+        <p:spPr>
+          <a:xfrm>
+            <a:off x="4114800" y="23053675"/>
+            <a:ext cx="24688800" cy="10596563"/>
+          </a:xfrm>
+        </p:spPr>
+        <p:txBody>
+          <a:bodyPr/>
+          <a:lstStyle>
+            <a:lvl1pPr marL="0" indent="0" algn="ctr">
+              <a:buNone/>
+              <a:defRPr sz="2400"/>
+            </a:lvl1pPr>
+            <a:lvl2pPr marL="457200" indent="0" algn="ctr">
+              <a:buNone/>
+              <a:defRPr sz="2000"/>
+            </a:lvl2pPr>
+            <a:lvl3pPr marL="914400" indent="0" algn="ctr">
+              <a:buNone/>
+              <a:defRPr sz="1800"/>
+            </a:lvl3pPr>
+            <a:lvl4pPr marL="1371600" indent="0" algn="ctr">
+              <a:buNone/>
+              <a:defRPr sz="1600"/>
+            </a:lvl4pPr>
+            <a:lvl5pPr marL="1828800" indent="0" algn="ctr">
+              <a:buNone/>
+              <a:defRPr sz="1600"/>
+            </a:lvl5pPr>
+            <a:lvl6pPr marL="2286000" indent="0" algn="ctr">
+              <a:buNone/>
+              <a:defRPr sz="1600"/>
+            </a:lvl6pPr>
+            <a:lvl7pPr marL="2743200" indent="0" algn="ctr">
+              <a:buNone/>
+              <a:defRPr sz="1600"/>
+            </a:lvl7pPr>
+            <a:lvl8pPr marL="3200400" indent="0" algn="ctr">
+              <a:buNone/>
+              <a:defRPr sz="1600"/>
+            </a:lvl8pPr>
+            <a:lvl9pPr marL="3657600" indent="0" algn="ctr">
+              <a:buNone/>
+              <a:defRPr sz="1600"/>
+            </a:lvl9pPr>
+          </a:lstStyle>
+          <a:p>
+            <a:r>
+              <a:rPr lang="en-US"/>
+              <a:t>Click to edit Master subtitle style</a:t>
+            </a:r>
+          </a:p>
+        </p:txBody>
+      </p:sp>
+      <p:sp>
+        <p:nvSpPr>
+          <p:cNvPr id="4" name="Date Placeholder 3">
+            <a:extLst>
+              <a:ext uri="{FF2B5EF4-FFF2-40B4-BE49-F238E27FC236}">
+                <a16:creationId xmlns:a16="http://schemas.microsoft.com/office/drawing/2014/main" id="{669561F4-F1FC-550E-990D-8742CFE31491}"/>
+              </a:ext>
+            </a:extLst>
+          </p:cNvPr>
+          <p:cNvSpPr>
+            <a:spLocks noGrp="1"/>
+          </p:cNvSpPr>
+          <p:nvPr>
+            <p:ph type="dt" idx="10"/>
+          </p:nvPr>
+        </p:nvSpPr>
+        <p:spPr/>
+        <p:txBody>
+          <a:bodyPr/>
+          <a:lstStyle/>
+          <a:p>
+            <a:pPr indent="0" defTabSz="3686760">
+              <a:lnSpc>
+                <a:spcPct val="100000"/>
+              </a:lnSpc>
+              <a:buNone/>
+            </a:pPr>
+            <a:r>
+              <a:rPr lang="en-US" sz="4320" b="0" u="none" strike="noStrike">
+                <a:solidFill>
+                  <a:schemeClr val="dk1">
+                    <a:tint val="75000"/>
+                  </a:schemeClr>
+                </a:solidFill>
+                <a:effectLst/>
+                <a:uFillTx/>
+                <a:latin typeface="Calibri"/>
+              </a:rPr>
+              <a:t>&lt;date/time&gt;</a:t>
+            </a:r>
+            <a:endParaRPr lang="en-US" sz="4320" b="0" u="none" strike="noStrike">
+              <a:solidFill>
+                <a:srgbClr val="000000"/>
+              </a:solidFill>
+              <a:effectLst/>
+              <a:uFillTx/>
+              <a:latin typeface="Times New Roman"/>
+            </a:endParaRPr>
+          </a:p>
+        </p:txBody>
+      </p:sp>
+      <p:sp>
+        <p:nvSpPr>
+          <p:cNvPr id="5" name="Footer Placeholder 4">
+            <a:extLst>
+              <a:ext uri="{FF2B5EF4-FFF2-40B4-BE49-F238E27FC236}">
+                <a16:creationId xmlns:a16="http://schemas.microsoft.com/office/drawing/2014/main" id="{75DFD07B-BE6B-B05F-F598-B67176317B55}"/>
+              </a:ext>
+            </a:extLst>
+          </p:cNvPr>
+          <p:cNvSpPr>
+            <a:spLocks noGrp="1"/>
+          </p:cNvSpPr>
+          <p:nvPr>
+            <p:ph type="ftr" idx="11"/>
+          </p:nvPr>
+        </p:nvSpPr>
+        <p:spPr/>
+        <p:txBody>
+          <a:bodyPr/>
+          <a:lstStyle/>
+          <a:p>
+            <a:pPr indent="0" algn="ctr">
+              <a:buNone/>
+            </a:pPr>
+            <a:r>
+              <a:rPr lang="en-US" sz="1400" b="0" u="none" strike="noStrike">
+                <a:solidFill>
+                  <a:srgbClr val="000000"/>
+                </a:solidFill>
+                <a:effectLst/>
+                <a:uFillTx/>
+                <a:latin typeface="Times New Roman"/>
+              </a:rPr>
+              <a:t>&lt;footer&gt;</a:t>
+            </a:r>
+          </a:p>
+        </p:txBody>
+      </p:sp>
+      <p:sp>
+        <p:nvSpPr>
+          <p:cNvPr id="6" name="Slide Number Placeholder 5">
+            <a:extLst>
+              <a:ext uri="{FF2B5EF4-FFF2-40B4-BE49-F238E27FC236}">
+                <a16:creationId xmlns:a16="http://schemas.microsoft.com/office/drawing/2014/main" id="{213FD0C8-4F22-2EBC-3A3E-2E24D02AB806}"/>
+              </a:ext>
+            </a:extLst>
+          </p:cNvPr>
+          <p:cNvSpPr>
+            <a:spLocks noGrp="1"/>
+          </p:cNvSpPr>
+          <p:nvPr>
+            <p:ph type="sldNum" idx="12"/>
+          </p:nvPr>
+        </p:nvSpPr>
+        <p:spPr/>
+        <p:txBody>
+          <a:bodyPr/>
+          <a:lstStyle/>
+          <a:p>
+            <a:pPr indent="0" algn="r" defTabSz="3686760">
+              <a:lnSpc>
+                <a:spcPct val="100000"/>
+              </a:lnSpc>
+              <a:buNone/>
+            </a:pPr>
+            <a:fld id="{7FA0A2F1-C865-46D0-8164-9659914DD028}" type="slidenum">
+              <a:rPr lang="en-US" sz="4320" b="0" u="none" strike="noStrike">
+                <a:solidFill>
+                  <a:schemeClr val="dk1">
+                    <a:tint val="75000"/>
+                  </a:schemeClr>
+                </a:solidFill>
+                <a:effectLst/>
+                <a:uFillTx/>
+                <a:latin typeface="Calibri"/>
+              </a:rPr>
+              <a:t>‹#›</a:t>
+            </a:fld>
+            <a:endParaRPr lang="en-US" sz="4320" b="0" u="none" strike="noStrike">
+              <a:solidFill>
+                <a:srgbClr val="000000"/>
+              </a:solidFill>
+              <a:effectLst/>
+              <a:uFillTx/>
+              <a:latin typeface="Times New Roman"/>
+            </a:endParaRPr>
+          </a:p>
+        </p:txBody>
+      </p:sp>
+    </p:spTree>
+    <p:extLst>
+      <p:ext uri="{BB962C8B-B14F-4D97-AF65-F5344CB8AC3E}">
+        <p14:creationId xmlns:p14="http://schemas.microsoft.com/office/powerpoint/2010/main" val="146355701"/>
+      </p:ext>
+    </p:extLst>
+  </p:cSld>
+  <p:clrMapOvr>
+    <a:masterClrMapping/>
+  </p:clrMapOvr>
+</p:sldLayout>
+</file>
+
+<file path=ppt/slideLayouts/slideLayout7.xml><?xml version="1.0" encoding="utf-8"?>
+<p:sldLayout xmlns:a="http://schemas.openxmlformats.org/drawingml/2006/main" xmlns:r="http://schemas.openxmlformats.org/officeDocument/2006/relationships" xmlns:p="http://schemas.openxmlformats.org/presentationml/2006/main" type="title" preserve="1">
+  <p:cSld name="Title Slide">
+    <p:spTree>
+      <p:nvGrpSpPr>
+        <p:cNvPr id="1" name=""/>
+        <p:cNvGrpSpPr/>
+        <p:nvPr/>
+      </p:nvGrpSpPr>
+      <p:grpSpPr>
+        <a:xfrm>
+          <a:off x="0" y="0"/>
+          <a:ext cx="0" cy="0"/>
+          <a:chOff x="0" y="0"/>
+          <a:chExt cx="0" cy="0"/>
+        </a:xfrm>
+      </p:grpSpPr>
+      <p:sp>
+        <p:nvSpPr>
+          <p:cNvPr id="2" name="Title 1">
+            <a:extLst>
+              <a:ext uri="{FF2B5EF4-FFF2-40B4-BE49-F238E27FC236}">
+                <a16:creationId xmlns:a16="http://schemas.microsoft.com/office/drawing/2014/main" id="{4594AA20-7FE3-8ECD-D9B7-4094B5BA1979}"/>
+              </a:ext>
+            </a:extLst>
+          </p:cNvPr>
+          <p:cNvSpPr>
+            <a:spLocks noGrp="1"/>
+          </p:cNvSpPr>
+          <p:nvPr>
+            <p:ph type="ctrTitle"/>
+          </p:nvPr>
+        </p:nvSpPr>
+        <p:spPr>
+          <a:xfrm>
+            <a:off x="4114800" y="7183438"/>
+            <a:ext cx="24688800" cy="15279687"/>
+          </a:xfrm>
+        </p:spPr>
+        <p:txBody>
+          <a:bodyPr anchor="b"/>
+          <a:lstStyle>
+            <a:lvl1pPr algn="ctr">
+              <a:defRPr sz="6000"/>
+            </a:lvl1pPr>
+          </a:lstStyle>
+          <a:p>
+            <a:r>
+              <a:rPr lang="en-US"/>
+              <a:t>Click to edit Master title style</a:t>
+            </a:r>
+          </a:p>
+        </p:txBody>
+      </p:sp>
+      <p:sp>
+        <p:nvSpPr>
+          <p:cNvPr id="3" name="Subtitle 2">
+            <a:extLst>
+              <a:ext uri="{FF2B5EF4-FFF2-40B4-BE49-F238E27FC236}">
+                <a16:creationId xmlns:a16="http://schemas.microsoft.com/office/drawing/2014/main" id="{2A9A496B-661F-8C94-92FE-C361C4DCD2CA}"/>
+              </a:ext>
+            </a:extLst>
+          </p:cNvPr>
+          <p:cNvSpPr>
+            <a:spLocks noGrp="1"/>
+          </p:cNvSpPr>
+          <p:nvPr>
+            <p:ph type="subTitle" idx="1"/>
+          </p:nvPr>
+        </p:nvSpPr>
+        <p:spPr>
+          <a:xfrm>
+            <a:off x="4114800" y="23053675"/>
+            <a:ext cx="24688800" cy="10596563"/>
+          </a:xfrm>
+        </p:spPr>
+        <p:txBody>
+          <a:bodyPr/>
+          <a:lstStyle>
+            <a:lvl1pPr marL="0" indent="0" algn="ctr">
+              <a:buNone/>
+              <a:defRPr sz="2400"/>
+            </a:lvl1pPr>
+            <a:lvl2pPr marL="457200" indent="0" algn="ctr">
+              <a:buNone/>
+              <a:defRPr sz="2000"/>
+            </a:lvl2pPr>
+            <a:lvl3pPr marL="914400" indent="0" algn="ctr">
+              <a:buNone/>
+              <a:defRPr sz="1800"/>
+            </a:lvl3pPr>
+            <a:lvl4pPr marL="1371600" indent="0" algn="ctr">
+              <a:buNone/>
+              <a:defRPr sz="1600"/>
+            </a:lvl4pPr>
+            <a:lvl5pPr marL="1828800" indent="0" algn="ctr">
+              <a:buNone/>
+              <a:defRPr sz="1600"/>
+            </a:lvl5pPr>
+            <a:lvl6pPr marL="2286000" indent="0" algn="ctr">
+              <a:buNone/>
+              <a:defRPr sz="1600"/>
+            </a:lvl6pPr>
+            <a:lvl7pPr marL="2743200" indent="0" algn="ctr">
+              <a:buNone/>
+              <a:defRPr sz="1600"/>
+            </a:lvl7pPr>
+            <a:lvl8pPr marL="3200400" indent="0" algn="ctr">
+              <a:buNone/>
+              <a:defRPr sz="1600"/>
+            </a:lvl8pPr>
+            <a:lvl9pPr marL="3657600" indent="0" algn="ctr">
+              <a:buNone/>
+              <a:defRPr sz="1600"/>
+            </a:lvl9pPr>
+          </a:lstStyle>
+          <a:p>
+            <a:r>
+              <a:rPr lang="en-US"/>
+              <a:t>Click to edit Master subtitle style</a:t>
+            </a:r>
+          </a:p>
+        </p:txBody>
+      </p:sp>
+      <p:sp>
+        <p:nvSpPr>
+          <p:cNvPr id="4" name="Date Placeholder 3">
+            <a:extLst>
+              <a:ext uri="{FF2B5EF4-FFF2-40B4-BE49-F238E27FC236}">
+                <a16:creationId xmlns:a16="http://schemas.microsoft.com/office/drawing/2014/main" id="{22FACA1C-3435-AC4D-A2D7-4341BB23B58E}"/>
+              </a:ext>
+            </a:extLst>
+          </p:cNvPr>
+          <p:cNvSpPr>
+            <a:spLocks noGrp="1"/>
+          </p:cNvSpPr>
+          <p:nvPr>
+            <p:ph type="dt" idx="10"/>
+          </p:nvPr>
+        </p:nvSpPr>
+        <p:spPr/>
+        <p:txBody>
+          <a:bodyPr/>
+          <a:lstStyle/>
+          <a:p>
+            <a:pPr indent="0" defTabSz="3686760">
+              <a:lnSpc>
+                <a:spcPct val="100000"/>
+              </a:lnSpc>
+              <a:buNone/>
+            </a:pPr>
+            <a:r>
+              <a:rPr lang="en-US" sz="4320" b="0" u="none" strike="noStrike">
+                <a:solidFill>
+                  <a:schemeClr val="dk1">
+                    <a:tint val="75000"/>
+                  </a:schemeClr>
+                </a:solidFill>
+                <a:effectLst/>
+                <a:uFillTx/>
+                <a:latin typeface="Calibri"/>
+              </a:rPr>
+              <a:t>&lt;date/time&gt;</a:t>
+            </a:r>
+            <a:endParaRPr lang="en-US" sz="4320" b="0" u="none" strike="noStrike">
+              <a:solidFill>
+                <a:srgbClr val="000000"/>
+              </a:solidFill>
+              <a:effectLst/>
+              <a:uFillTx/>
+              <a:latin typeface="Times New Roman"/>
+            </a:endParaRPr>
+          </a:p>
+        </p:txBody>
+      </p:sp>
+      <p:sp>
+        <p:nvSpPr>
+          <p:cNvPr id="5" name="Footer Placeholder 4">
+            <a:extLst>
+              <a:ext uri="{FF2B5EF4-FFF2-40B4-BE49-F238E27FC236}">
+                <a16:creationId xmlns:a16="http://schemas.microsoft.com/office/drawing/2014/main" id="{9F8091E8-500C-5865-CE93-B92DF420D1BC}"/>
+              </a:ext>
+            </a:extLst>
+          </p:cNvPr>
+          <p:cNvSpPr>
+            <a:spLocks noGrp="1"/>
+          </p:cNvSpPr>
+          <p:nvPr>
+            <p:ph type="ftr" idx="11"/>
+          </p:nvPr>
+        </p:nvSpPr>
+        <p:spPr/>
+        <p:txBody>
+          <a:bodyPr/>
+          <a:lstStyle/>
+          <a:p>
+            <a:pPr indent="0" algn="ctr">
+              <a:buNone/>
+            </a:pPr>
+            <a:r>
+              <a:rPr lang="en-US" sz="1400" b="0" u="none" strike="noStrike">
+                <a:solidFill>
+                  <a:srgbClr val="000000"/>
+                </a:solidFill>
+                <a:effectLst/>
+                <a:uFillTx/>
+                <a:latin typeface="Times New Roman"/>
+              </a:rPr>
+              <a:t>&lt;footer&gt;</a:t>
+            </a:r>
+          </a:p>
+        </p:txBody>
+      </p:sp>
+      <p:sp>
+        <p:nvSpPr>
+          <p:cNvPr id="6" name="Slide Number Placeholder 5">
+            <a:extLst>
+              <a:ext uri="{FF2B5EF4-FFF2-40B4-BE49-F238E27FC236}">
+                <a16:creationId xmlns:a16="http://schemas.microsoft.com/office/drawing/2014/main" id="{824D9836-1489-F47B-56B7-F26A8D05D845}"/>
+              </a:ext>
+            </a:extLst>
+          </p:cNvPr>
+          <p:cNvSpPr>
+            <a:spLocks noGrp="1"/>
+          </p:cNvSpPr>
+          <p:nvPr>
+            <p:ph type="sldNum" idx="12"/>
+          </p:nvPr>
+        </p:nvSpPr>
+        <p:spPr/>
+        <p:txBody>
+          <a:bodyPr/>
+          <a:lstStyle/>
+          <a:p>
+            <a:pPr indent="0" algn="r" defTabSz="3686760">
+              <a:lnSpc>
+                <a:spcPct val="100000"/>
+              </a:lnSpc>
+              <a:buNone/>
+            </a:pPr>
+            <a:fld id="{BF581548-F6BC-4C7E-ABC2-29B1CD527CDB}" type="slidenum">
+              <a:rPr lang="en-US" sz="4320" b="0" u="none" strike="noStrike">
+                <a:solidFill>
+                  <a:schemeClr val="dk1">
+                    <a:tint val="75000"/>
+                  </a:schemeClr>
+                </a:solidFill>
+                <a:effectLst/>
+                <a:uFillTx/>
+                <a:latin typeface="Calibri"/>
+              </a:rPr>
+              <a:t>‹#›</a:t>
+            </a:fld>
+            <a:endParaRPr lang="en-US" sz="4320" b="0" u="none" strike="noStrike">
+              <a:solidFill>
+                <a:srgbClr val="000000"/>
+              </a:solidFill>
+              <a:effectLst/>
+              <a:uFillTx/>
+              <a:latin typeface="Times New Roman"/>
+            </a:endParaRPr>
+          </a:p>
+        </p:txBody>
+      </p:sp>
+    </p:spTree>
+    <p:extLst>
+      <p:ext uri="{BB962C8B-B14F-4D97-AF65-F5344CB8AC3E}">
+        <p14:creationId xmlns:p14="http://schemas.microsoft.com/office/powerpoint/2010/main" val="1294702312"/>
+      </p:ext>
+    </p:extLst>
+  </p:cSld>
+  <p:clrMapOvr>
+    <a:masterClrMapping/>
+  </p:clrMapOvr>
+</p:sldLayout>
+</file>
+
+<file path=ppt/slideLayouts/slideLayout8.xml><?xml version="1.0" encoding="utf-8"?>
+<p:sldLayout xmlns:a="http://schemas.openxmlformats.org/drawingml/2006/main" xmlns:r="http://schemas.openxmlformats.org/officeDocument/2006/relationships" xmlns:p="http://schemas.openxmlformats.org/presentationml/2006/main" type="title" preserve="1">
+  <p:cSld name="Title Slide">
+    <p:spTree>
+      <p:nvGrpSpPr>
+        <p:cNvPr id="1" name=""/>
+        <p:cNvGrpSpPr/>
+        <p:nvPr/>
+      </p:nvGrpSpPr>
+      <p:grpSpPr>
+        <a:xfrm>
+          <a:off x="0" y="0"/>
+          <a:ext cx="0" cy="0"/>
+          <a:chOff x="0" y="0"/>
+          <a:chExt cx="0" cy="0"/>
+        </a:xfrm>
+      </p:grpSpPr>
+      <p:sp>
+        <p:nvSpPr>
+          <p:cNvPr id="2" name="Title 1">
+            <a:extLst>
+              <a:ext uri="{FF2B5EF4-FFF2-40B4-BE49-F238E27FC236}">
+                <a16:creationId xmlns:a16="http://schemas.microsoft.com/office/drawing/2014/main" id="{7538EB40-0C1C-C311-CD0B-E7E13AF9147E}"/>
+              </a:ext>
+            </a:extLst>
+          </p:cNvPr>
+          <p:cNvSpPr>
+            <a:spLocks noGrp="1"/>
+          </p:cNvSpPr>
+          <p:nvPr>
+            <p:ph type="ctrTitle"/>
+          </p:nvPr>
+        </p:nvSpPr>
+        <p:spPr>
+          <a:xfrm>
+            <a:off x="4114800" y="7183438"/>
+            <a:ext cx="24688800" cy="15279687"/>
+          </a:xfrm>
+        </p:spPr>
+        <p:txBody>
+          <a:bodyPr anchor="b"/>
+          <a:lstStyle>
+            <a:lvl1pPr algn="ctr">
+              <a:defRPr sz="6000"/>
+            </a:lvl1pPr>
+          </a:lstStyle>
+          <a:p>
+            <a:r>
+              <a:rPr lang="en-US"/>
+              <a:t>Click to edit Master title style</a:t>
+            </a:r>
+          </a:p>
+        </p:txBody>
+      </p:sp>
+      <p:sp>
+        <p:nvSpPr>
+          <p:cNvPr id="3" name="Subtitle 2">
+            <a:extLst>
+              <a:ext uri="{FF2B5EF4-FFF2-40B4-BE49-F238E27FC236}">
+                <a16:creationId xmlns:a16="http://schemas.microsoft.com/office/drawing/2014/main" id="{897E8220-D6E4-D1F7-2322-C78E4200290A}"/>
+              </a:ext>
+            </a:extLst>
+          </p:cNvPr>
+          <p:cNvSpPr>
+            <a:spLocks noGrp="1"/>
+          </p:cNvSpPr>
+          <p:nvPr>
+            <p:ph type="subTitle" idx="1"/>
+          </p:nvPr>
+        </p:nvSpPr>
+        <p:spPr>
+          <a:xfrm>
+            <a:off x="4114800" y="23053675"/>
+            <a:ext cx="24688800" cy="10596563"/>
+          </a:xfrm>
+          <a:prstGeom prst="rect">
+            <a:avLst/>
+          </a:prstGeom>
+        </p:spPr>
+        <p:txBody>
+          <a:bodyPr/>
+          <a:lstStyle>
+            <a:lvl1pPr marL="0" indent="0" algn="ctr">
+              <a:buNone/>
+              <a:defRPr sz="2400"/>
+            </a:lvl1pPr>
+            <a:lvl2pPr marL="457200" indent="0" algn="ctr">
+              <a:buNone/>
+              <a:defRPr sz="2000"/>
+            </a:lvl2pPr>
+            <a:lvl3pPr marL="914400" indent="0" algn="ctr">
+              <a:buNone/>
+              <a:defRPr sz="1800"/>
+            </a:lvl3pPr>
+            <a:lvl4pPr marL="1371600" indent="0" algn="ctr">
+              <a:buNone/>
+              <a:defRPr sz="1600"/>
+            </a:lvl4pPr>
+            <a:lvl5pPr marL="1828800" indent="0" algn="ctr">
+              <a:buNone/>
+              <a:defRPr sz="1600"/>
+            </a:lvl5pPr>
+            <a:lvl6pPr marL="2286000" indent="0" algn="ctr">
+              <a:buNone/>
+              <a:defRPr sz="1600"/>
+            </a:lvl6pPr>
+            <a:lvl7pPr marL="2743200" indent="0" algn="ctr">
+              <a:buNone/>
+              <a:defRPr sz="1600"/>
+            </a:lvl7pPr>
+            <a:lvl8pPr marL="3200400" indent="0" algn="ctr">
+              <a:buNone/>
+              <a:defRPr sz="1600"/>
+            </a:lvl8pPr>
+            <a:lvl9pPr marL="3657600" indent="0" algn="ctr">
+              <a:buNone/>
+              <a:defRPr sz="1600"/>
+            </a:lvl9pPr>
+          </a:lstStyle>
+          <a:p>
+            <a:r>
+              <a:rPr lang="en-US"/>
+              <a:t>Click to edit Master subtitle style</a:t>
+            </a:r>
+          </a:p>
+        </p:txBody>
+      </p:sp>
+      <p:sp>
+        <p:nvSpPr>
+          <p:cNvPr id="4" name="Date Placeholder 3">
+            <a:extLst>
+              <a:ext uri="{FF2B5EF4-FFF2-40B4-BE49-F238E27FC236}">
+                <a16:creationId xmlns:a16="http://schemas.microsoft.com/office/drawing/2014/main" id="{BDFED2F6-CCC2-0E8E-747B-ED4874ADEDEE}"/>
+              </a:ext>
+            </a:extLst>
+          </p:cNvPr>
+          <p:cNvSpPr>
+            <a:spLocks noGrp="1"/>
+          </p:cNvSpPr>
+          <p:nvPr>
+            <p:ph type="dt" idx="10"/>
+          </p:nvPr>
+        </p:nvSpPr>
+        <p:spPr/>
+        <p:txBody>
+          <a:bodyPr/>
+          <a:lstStyle/>
+          <a:p>
+            <a:pPr indent="0" defTabSz="3686760">
+              <a:lnSpc>
+                <a:spcPct val="100000"/>
+              </a:lnSpc>
+              <a:buNone/>
+            </a:pPr>
+            <a:r>
+              <a:rPr lang="en-US" sz="4320" b="0" u="none" strike="noStrike">
+                <a:solidFill>
+                  <a:schemeClr val="dk1">
+                    <a:tint val="75000"/>
+                  </a:schemeClr>
+                </a:solidFill>
+                <a:effectLst/>
+                <a:uFillTx/>
+                <a:latin typeface="Calibri"/>
+              </a:rPr>
+              <a:t>&lt;date/time&gt;</a:t>
+            </a:r>
+            <a:endParaRPr lang="en-US" sz="4320" b="0" u="none" strike="noStrike">
+              <a:solidFill>
+                <a:srgbClr val="000000"/>
+              </a:solidFill>
+              <a:effectLst/>
+              <a:uFillTx/>
+              <a:latin typeface="Times New Roman"/>
+            </a:endParaRPr>
+          </a:p>
+        </p:txBody>
+      </p:sp>
+      <p:sp>
+        <p:nvSpPr>
+          <p:cNvPr id="5" name="Footer Placeholder 4">
+            <a:extLst>
+              <a:ext uri="{FF2B5EF4-FFF2-40B4-BE49-F238E27FC236}">
+                <a16:creationId xmlns:a16="http://schemas.microsoft.com/office/drawing/2014/main" id="{34441D86-229F-7689-A01A-89B5CAC97466}"/>
+              </a:ext>
+            </a:extLst>
+          </p:cNvPr>
+          <p:cNvSpPr>
+            <a:spLocks noGrp="1"/>
+          </p:cNvSpPr>
+          <p:nvPr>
+            <p:ph type="ftr" idx="11"/>
+          </p:nvPr>
+        </p:nvSpPr>
+        <p:spPr/>
+        <p:txBody>
+          <a:bodyPr/>
+          <a:lstStyle/>
+          <a:p>
+            <a:pPr indent="0" algn="ctr">
+              <a:buNone/>
+            </a:pPr>
+            <a:r>
+              <a:rPr lang="en-US" sz="1400" b="0" u="none" strike="noStrike">
+                <a:solidFill>
+                  <a:srgbClr val="000000"/>
+                </a:solidFill>
+                <a:effectLst/>
+                <a:uFillTx/>
+                <a:latin typeface="Times New Roman"/>
+              </a:rPr>
+              <a:t>&lt;footer&gt;</a:t>
+            </a:r>
+          </a:p>
+        </p:txBody>
+      </p:sp>
+      <p:sp>
+        <p:nvSpPr>
+          <p:cNvPr id="6" name="Slide Number Placeholder 5">
+            <a:extLst>
+              <a:ext uri="{FF2B5EF4-FFF2-40B4-BE49-F238E27FC236}">
+                <a16:creationId xmlns:a16="http://schemas.microsoft.com/office/drawing/2014/main" id="{FEE599B6-E3ED-9190-B4C1-69F80AC83A2F}"/>
+              </a:ext>
+            </a:extLst>
+          </p:cNvPr>
+          <p:cNvSpPr>
+            <a:spLocks noGrp="1"/>
+          </p:cNvSpPr>
+          <p:nvPr>
+            <p:ph type="sldNum" idx="12"/>
+          </p:nvPr>
+        </p:nvSpPr>
+        <p:spPr/>
+        <p:txBody>
+          <a:bodyPr/>
+          <a:lstStyle/>
+          <a:p>
+            <a:pPr indent="0" algn="r" defTabSz="3686760">
+              <a:lnSpc>
+                <a:spcPct val="100000"/>
+              </a:lnSpc>
+              <a:buNone/>
+            </a:pPr>
+            <a:fld id="{0F05AC51-3074-4323-8D78-C52EDF208115}" type="slidenum">
+              <a:rPr lang="en-US" sz="4320" b="0" u="none" strike="noStrike">
+                <a:solidFill>
+                  <a:schemeClr val="dk1">
+                    <a:tint val="75000"/>
+                  </a:schemeClr>
+                </a:solidFill>
+                <a:effectLst/>
+                <a:uFillTx/>
+                <a:latin typeface="Calibri"/>
+              </a:rPr>
+              <a:t>‹#›</a:t>
+            </a:fld>
+            <a:endParaRPr lang="en-US" sz="4320" b="0" u="none" strike="noStrike">
+              <a:solidFill>
+                <a:srgbClr val="000000"/>
+              </a:solidFill>
+              <a:effectLst/>
+              <a:uFillTx/>
+              <a:latin typeface="Times New Roman"/>
+            </a:endParaRPr>
+          </a:p>
+        </p:txBody>
+      </p:sp>
+    </p:spTree>
+    <p:extLst>
+      <p:ext uri="{BB962C8B-B14F-4D97-AF65-F5344CB8AC3E}">
+        <p14:creationId xmlns:p14="http://schemas.microsoft.com/office/powerpoint/2010/main" val="3343445168"/>
+      </p:ext>
+    </p:extLst>
+  </p:cSld>
+  <p:clrMapOvr>
+    <a:masterClrMapping/>
+  </p:clrMapOvr>
+</p:sldLayout>
+</file>
+
+<file path=ppt/slideLayouts/slideLayout9.xml><?xml version="1.0" encoding="utf-8"?>
+<p:sldLayout xmlns:a="http://schemas.openxmlformats.org/drawingml/2006/main" xmlns:r="http://schemas.openxmlformats.org/officeDocument/2006/relationships" xmlns:p="http://schemas.openxmlformats.org/presentationml/2006/main" type="title" preserve="1">
+  <p:cSld name="Title Slide">
+    <p:spTree>
+      <p:nvGrpSpPr>
+        <p:cNvPr id="1" name=""/>
+        <p:cNvGrpSpPr/>
+        <p:nvPr/>
+      </p:nvGrpSpPr>
+      <p:grpSpPr>
+        <a:xfrm>
+          <a:off x="0" y="0"/>
+          <a:ext cx="0" cy="0"/>
+          <a:chOff x="0" y="0"/>
+          <a:chExt cx="0" cy="0"/>
+        </a:xfrm>
+      </p:grpSpPr>
+      <p:sp>
+        <p:nvSpPr>
+          <p:cNvPr id="2" name="Title 1">
+            <a:extLst>
+              <a:ext uri="{FF2B5EF4-FFF2-40B4-BE49-F238E27FC236}">
+                <a16:creationId xmlns:a16="http://schemas.microsoft.com/office/drawing/2014/main" id="{B0C331F1-D707-C1AC-F111-D041793ABDF4}"/>
+              </a:ext>
+            </a:extLst>
+          </p:cNvPr>
+          <p:cNvSpPr>
+            <a:spLocks noGrp="1"/>
+          </p:cNvSpPr>
+          <p:nvPr>
+            <p:ph type="ctrTitle"/>
+          </p:nvPr>
+        </p:nvSpPr>
+        <p:spPr>
+          <a:xfrm>
+            <a:off x="4114800" y="7183438"/>
+            <a:ext cx="24688800" cy="15279687"/>
+          </a:xfrm>
+          <a:prstGeom prst="rect">
+            <a:avLst/>
+          </a:prstGeom>
+        </p:spPr>
+        <p:txBody>
+          <a:bodyPr anchor="b"/>
+          <a:lstStyle>
+            <a:lvl1pPr algn="ctr">
+              <a:defRPr sz="6000"/>
+            </a:lvl1pPr>
+          </a:lstStyle>
+          <a:p>
+            <a:r>
+              <a:rPr lang="en-US"/>
+              <a:t>Click to edit Master title style</a:t>
+            </a:r>
+          </a:p>
+        </p:txBody>
+      </p:sp>
+      <p:sp>
+        <p:nvSpPr>
+          <p:cNvPr id="3" name="Subtitle 2">
+            <a:extLst>
+              <a:ext uri="{FF2B5EF4-FFF2-40B4-BE49-F238E27FC236}">
+                <a16:creationId xmlns:a16="http://schemas.microsoft.com/office/drawing/2014/main" id="{ED5168BF-B743-EA23-65DF-BE43DC96649D}"/>
+              </a:ext>
+            </a:extLst>
+          </p:cNvPr>
+          <p:cNvSpPr>
+            <a:spLocks noGrp="1"/>
+          </p:cNvSpPr>
+          <p:nvPr>
+            <p:ph type="subTitle" idx="1"/>
+          </p:nvPr>
+        </p:nvSpPr>
+        <p:spPr>
+          <a:xfrm>
+            <a:off x="4114800" y="23053675"/>
+            <a:ext cx="24688800" cy="10596563"/>
+          </a:xfrm>
+          <a:prstGeom prst="rect">
+            <a:avLst/>
+          </a:prstGeom>
+        </p:spPr>
+        <p:txBody>
+          <a:bodyPr/>
+          <a:lstStyle>
+            <a:lvl1pPr marL="0" indent="0" algn="ctr">
+              <a:buNone/>
+              <a:defRPr sz="2400"/>
+            </a:lvl1pPr>
+            <a:lvl2pPr marL="457200" indent="0" algn="ctr">
+              <a:buNone/>
+              <a:defRPr sz="2000"/>
+            </a:lvl2pPr>
+            <a:lvl3pPr marL="914400" indent="0" algn="ctr">
+              <a:buNone/>
+              <a:defRPr sz="1800"/>
+            </a:lvl3pPr>
+            <a:lvl4pPr marL="1371600" indent="0" algn="ctr">
+              <a:buNone/>
+              <a:defRPr sz="1600"/>
+            </a:lvl4pPr>
+            <a:lvl5pPr marL="1828800" indent="0" algn="ctr">
+              <a:buNone/>
+              <a:defRPr sz="1600"/>
+            </a:lvl5pPr>
+            <a:lvl6pPr marL="2286000" indent="0" algn="ctr">
+              <a:buNone/>
+              <a:defRPr sz="1600"/>
+            </a:lvl6pPr>
+            <a:lvl7pPr marL="2743200" indent="0" algn="ctr">
+              <a:buNone/>
+              <a:defRPr sz="1600"/>
+            </a:lvl7pPr>
+            <a:lvl8pPr marL="3200400" indent="0" algn="ctr">
+              <a:buNone/>
+              <a:defRPr sz="1600"/>
+            </a:lvl8pPr>
+            <a:lvl9pPr marL="3657600" indent="0" algn="ctr">
+              <a:buNone/>
+              <a:defRPr sz="1600"/>
+            </a:lvl9pPr>
+          </a:lstStyle>
+          <a:p>
+            <a:r>
+              <a:rPr lang="en-US"/>
+              <a:t>Click to edit Master subtitle style</a:t>
+            </a:r>
+          </a:p>
+        </p:txBody>
+      </p:sp>
+      <p:sp>
+        <p:nvSpPr>
+          <p:cNvPr id="4" name="Date Placeholder 3">
+            <a:extLst>
+              <a:ext uri="{FF2B5EF4-FFF2-40B4-BE49-F238E27FC236}">
+                <a16:creationId xmlns:a16="http://schemas.microsoft.com/office/drawing/2014/main" id="{99CC8037-03E4-3B96-1644-482075021876}"/>
+              </a:ext>
+            </a:extLst>
+          </p:cNvPr>
+          <p:cNvSpPr>
+            <a:spLocks noGrp="1"/>
+          </p:cNvSpPr>
+          <p:nvPr>
+            <p:ph type="dt" idx="10"/>
+          </p:nvPr>
+        </p:nvSpPr>
+        <p:spPr/>
+        <p:txBody>
+          <a:bodyPr/>
+          <a:lstStyle/>
+          <a:p>
+            <a:pPr indent="0" defTabSz="3686760">
+              <a:lnSpc>
+                <a:spcPct val="100000"/>
+              </a:lnSpc>
+              <a:buNone/>
+            </a:pPr>
+            <a:r>
+              <a:rPr lang="en-US" sz="4320" b="0" u="none" strike="noStrike">
+                <a:solidFill>
+                  <a:schemeClr val="dk1">
+                    <a:tint val="75000"/>
+                  </a:schemeClr>
+                </a:solidFill>
+                <a:effectLst/>
+                <a:uFillTx/>
+                <a:latin typeface="Calibri"/>
+              </a:rPr>
+              <a:t>&lt;date/time&gt;</a:t>
+            </a:r>
+            <a:endParaRPr lang="en-US" sz="4320" b="0" u="none" strike="noStrike">
+              <a:solidFill>
+                <a:srgbClr val="000000"/>
+              </a:solidFill>
+              <a:effectLst/>
+              <a:uFillTx/>
+              <a:latin typeface="Times New Roman"/>
+            </a:endParaRPr>
+          </a:p>
+        </p:txBody>
+      </p:sp>
+      <p:sp>
+        <p:nvSpPr>
+          <p:cNvPr id="5" name="Footer Placeholder 4">
+            <a:extLst>
+              <a:ext uri="{FF2B5EF4-FFF2-40B4-BE49-F238E27FC236}">
+                <a16:creationId xmlns:a16="http://schemas.microsoft.com/office/drawing/2014/main" id="{83F9E3A1-1384-B438-D2C9-AE8B4504772E}"/>
+              </a:ext>
+            </a:extLst>
+          </p:cNvPr>
+          <p:cNvSpPr>
+            <a:spLocks noGrp="1"/>
+          </p:cNvSpPr>
+          <p:nvPr>
+            <p:ph type="ftr" idx="11"/>
+          </p:nvPr>
+        </p:nvSpPr>
+        <p:spPr/>
+        <p:txBody>
+          <a:bodyPr/>
+          <a:lstStyle/>
+          <a:p>
+            <a:pPr indent="0" algn="ctr">
+              <a:buNone/>
+            </a:pPr>
+            <a:r>
+              <a:rPr lang="en-US" sz="1400" b="0" u="none" strike="noStrike">
+                <a:solidFill>
+                  <a:srgbClr val="000000"/>
+                </a:solidFill>
+                <a:effectLst/>
+                <a:uFillTx/>
+                <a:latin typeface="Times New Roman"/>
+              </a:rPr>
+              <a:t>&lt;footer&gt;</a:t>
+            </a:r>
+          </a:p>
+        </p:txBody>
+      </p:sp>
+      <p:sp>
+        <p:nvSpPr>
+          <p:cNvPr id="6" name="Slide Number Placeholder 5">
+            <a:extLst>
+              <a:ext uri="{FF2B5EF4-FFF2-40B4-BE49-F238E27FC236}">
+                <a16:creationId xmlns:a16="http://schemas.microsoft.com/office/drawing/2014/main" id="{DED868A2-CEF1-A03D-5147-738B84380023}"/>
+              </a:ext>
+            </a:extLst>
+          </p:cNvPr>
+          <p:cNvSpPr>
+            <a:spLocks noGrp="1"/>
+          </p:cNvSpPr>
+          <p:nvPr>
+            <p:ph type="sldNum" idx="12"/>
+          </p:nvPr>
+        </p:nvSpPr>
+        <p:spPr/>
+        <p:txBody>
+          <a:bodyPr/>
+          <a:lstStyle/>
+          <a:p>
+            <a:pPr indent="0" algn="r" defTabSz="3686760">
+              <a:lnSpc>
+                <a:spcPct val="100000"/>
+              </a:lnSpc>
+              <a:buNone/>
+            </a:pPr>
+            <a:fld id="{46A45BA0-370F-40AA-852A-A228D61883BD}" type="slidenum">
+              <a:rPr lang="en-US" sz="4320" b="0" u="none" strike="noStrike">
+                <a:solidFill>
+                  <a:schemeClr val="dk1">
+                    <a:tint val="75000"/>
+                  </a:schemeClr>
+                </a:solidFill>
+                <a:effectLst/>
+                <a:uFillTx/>
+                <a:latin typeface="Calibri"/>
+              </a:rPr>
+              <a:t>‹#›</a:t>
+            </a:fld>
+            <a:endParaRPr lang="en-US" sz="4320" b="0" u="none" strike="noStrike">
+              <a:solidFill>
+                <a:srgbClr val="000000"/>
+              </a:solidFill>
+              <a:effectLst/>
+              <a:uFillTx/>
+              <a:latin typeface="Times New Roman"/>
+            </a:endParaRPr>
+          </a:p>
+        </p:txBody>
+      </p:sp>
+    </p:spTree>
+    <p:extLst>
+      <p:ext uri="{BB962C8B-B14F-4D97-AF65-F5344CB8AC3E}">
+        <p14:creationId xmlns:p14="http://schemas.microsoft.com/office/powerpoint/2010/main" val="3347322542"/>
+      </p:ext>
+    </p:extLst>
   </p:cSld>
   <p:clrMapOvr>
     <a:masterClrMapping/>
@@ -1605,6 +4397,9 @@
     </p:spTree>
   </p:cSld>
   <p:clrMap bg1="lt1" tx1="dk1" bg2="lt2" tx2="dk2" accent1="accent1" accent2="accent2" accent3="accent3" accent4="accent4" accent5="accent5" accent6="accent6" hlink="hlink" folHlink="folHlink"/>
+  <p:sldLayoutIdLst>
+    <p:sldLayoutId id="2147483668" r:id="rId1"/>
+  </p:sldLayoutIdLst>
   <p:txStyles>
     <p:titleStyle>
       <a:lvl1pPr algn="l" defTabSz="914400" rtl="0" eaLnBrk="1" latinLnBrk="0" hangingPunct="1">
@@ -2295,6 +5090,9 @@
     </p:spTree>
   </p:cSld>
   <p:clrMap bg1="lt1" tx1="dk1" bg2="lt2" tx2="dk2" accent1="accent1" accent2="accent2" accent3="accent3" accent4="accent4" accent5="accent5" accent6="accent6" hlink="hlink" folHlink="folHlink"/>
+  <p:sldLayoutIdLst>
+    <p:sldLayoutId id="2147483669" r:id="rId1"/>
+  </p:sldLayoutIdLst>
   <p:txStyles>
     <p:titleStyle>
       <a:lvl1pPr algn="l" defTabSz="914400" rtl="0" eaLnBrk="1" latinLnBrk="0" hangingPunct="1">
@@ -3038,6 +5836,9 @@
     </p:spTree>
   </p:cSld>
   <p:clrMap bg1="lt1" tx1="dk1" bg2="lt2" tx2="dk2" accent1="accent1" accent2="accent2" accent3="accent3" accent4="accent4" accent5="accent5" accent6="accent6" hlink="hlink" folHlink="folHlink"/>
+  <p:sldLayoutIdLst>
+    <p:sldLayoutId id="2147483660" r:id="rId1"/>
+  </p:sldLayoutIdLst>
   <p:txStyles>
     <p:titleStyle>
       <a:lvl1pPr algn="l" defTabSz="914400" rtl="0" eaLnBrk="1" latinLnBrk="0" hangingPunct="1">
@@ -3781,6 +6582,9 @@
     </p:spTree>
   </p:cSld>
   <p:clrMap bg1="lt1" tx1="dk1" bg2="lt2" tx2="dk2" accent1="accent1" accent2="accent2" accent3="accent3" accent4="accent4" accent5="accent5" accent6="accent6" hlink="hlink" folHlink="folHlink"/>
+  <p:sldLayoutIdLst>
+    <p:sldLayoutId id="2147483661" r:id="rId1"/>
+  </p:sldLayoutIdLst>
   <p:txStyles>
     <p:titleStyle>
       <a:lvl1pPr algn="l" defTabSz="914400" rtl="0" eaLnBrk="1" latinLnBrk="0" hangingPunct="1">
@@ -4524,6 +7328,9 @@
     </p:spTree>
   </p:cSld>
   <p:clrMap bg1="lt1" tx1="dk1" bg2="lt2" tx2="dk2" accent1="accent1" accent2="accent2" accent3="accent3" accent4="accent4" accent5="accent5" accent6="accent6" hlink="hlink" folHlink="folHlink"/>
+  <p:sldLayoutIdLst>
+    <p:sldLayoutId id="2147483662" r:id="rId1"/>
+  </p:sldLayoutIdLst>
   <p:txStyles>
     <p:titleStyle>
       <a:lvl1pPr algn="l" defTabSz="914400" rtl="0" eaLnBrk="1" latinLnBrk="0" hangingPunct="1">
@@ -5162,6 +7969,9 @@
     </p:spTree>
   </p:cSld>
   <p:clrMap bg1="lt1" tx1="dk1" bg2="lt2" tx2="dk2" accent1="accent1" accent2="accent2" accent3="accent3" accent4="accent4" accent5="accent5" accent6="accent6" hlink="hlink" folHlink="folHlink"/>
+  <p:sldLayoutIdLst>
+    <p:sldLayoutId id="2147483663" r:id="rId1"/>
+  </p:sldLayoutIdLst>
   <p:txStyles>
     <p:titleStyle>
       <a:lvl1pPr algn="l" defTabSz="914400" rtl="0" eaLnBrk="1" latinLnBrk="0" hangingPunct="1">
@@ -6065,6 +8875,9 @@
     </p:spTree>
   </p:cSld>
   <p:clrMap bg1="lt1" tx1="dk1" bg2="lt2" tx2="dk2" accent1="accent1" accent2="accent2" accent3="accent3" accent4="accent4" accent5="accent5" accent6="accent6" hlink="hlink" folHlink="folHlink"/>
+  <p:sldLayoutIdLst>
+    <p:sldLayoutId id="2147483664" r:id="rId1"/>
+  </p:sldLayoutIdLst>
   <p:txStyles>
     <p:titleStyle>
       <a:lvl1pPr algn="l" defTabSz="914400" rtl="0" eaLnBrk="1" latinLnBrk="0" hangingPunct="1">
@@ -7094,6 +9907,9 @@
     </p:spTree>
   </p:cSld>
   <p:clrMap bg1="lt1" tx1="dk1" bg2="lt2" tx2="dk2" accent1="accent1" accent2="accent2" accent3="accent3" accent4="accent4" accent5="accent5" accent6="accent6" hlink="hlink" folHlink="folHlink"/>
+  <p:sldLayoutIdLst>
+    <p:sldLayoutId id="2147483665" r:id="rId1"/>
+  </p:sldLayoutIdLst>
   <p:txStyles>
     <p:titleStyle>
       <a:lvl1pPr algn="l" defTabSz="914400" rtl="0" eaLnBrk="1" latinLnBrk="0" hangingPunct="1">
@@ -7672,6 +10488,9 @@
     </p:spTree>
   </p:cSld>
   <p:clrMap bg1="lt1" tx1="dk1" bg2="lt2" tx2="dk2" accent1="accent1" accent2="accent2" accent3="accent3" accent4="accent4" accent5="accent5" accent6="accent6" hlink="hlink" folHlink="folHlink"/>
+  <p:sldLayoutIdLst>
+    <p:sldLayoutId id="2147483666" r:id="rId1"/>
+  </p:sldLayoutIdLst>
   <p:txStyles>
     <p:titleStyle>
       <a:lvl1pPr algn="l" defTabSz="914400" rtl="0" eaLnBrk="1" latinLnBrk="0" hangingPunct="1">
@@ -8193,6 +11012,9 @@
     </p:spTree>
   </p:cSld>
   <p:clrMap bg1="lt1" tx1="dk1" bg2="lt2" tx2="dk2" accent1="accent1" accent2="accent2" accent3="accent3" accent4="accent4" accent5="accent5" accent6="accent6" hlink="hlink" folHlink="folHlink"/>
+  <p:sldLayoutIdLst>
+    <p:sldLayoutId id="2147483667" r:id="rId1"/>
+  </p:sldLayoutIdLst>
   <p:txStyles>
     <p:titleStyle>
       <a:lvl1pPr algn="l" defTabSz="914400" rtl="0" eaLnBrk="1" latinLnBrk="0" hangingPunct="1">
@@ -10850,109 +13672,6 @@
           </a:p>
         </p:txBody>
       </p:sp>
-      <p:sp>
-        <p:nvSpPr>
-          <p:cNvPr id="79" name="Rectangle 265">
-            <a:extLst>
-              <a:ext uri="{FF2B5EF4-FFF2-40B4-BE49-F238E27FC236}">
-                <a16:creationId xmlns:a16="http://schemas.microsoft.com/office/drawing/2014/main" id="{2D7BCA7D-3172-884A-DFEC-3C36046CA422}"/>
-              </a:ext>
-            </a:extLst>
-          </p:cNvPr>
-          <p:cNvSpPr/>
-          <p:nvPr/>
-        </p:nvSpPr>
-        <p:spPr>
-          <a:xfrm>
-            <a:off x="29077920" y="1554480"/>
-            <a:ext cx="2923560" cy="2194200"/>
-          </a:xfrm>
-          <a:prstGeom prst="rect">
-            <a:avLst/>
-          </a:prstGeom>
-          <a:blipFill rotWithShape="0">
-            <a:blip r:embed="rId5"/>
-            <a:srcRect/>
-            <a:stretch/>
-          </a:blipFill>
-          <a:ln w="9360">
-            <a:solidFill>
-              <a:srgbClr val="000000"/>
-            </a:solidFill>
-            <a:miter/>
-          </a:ln>
-        </p:spPr>
-        <p:style>
-          <a:lnRef idx="0">
-            <a:scrgbClr r="0" g="0" b="0"/>
-          </a:lnRef>
-          <a:fillRef idx="0">
-            <a:scrgbClr r="0" g="0" b="0"/>
-          </a:fillRef>
-          <a:effectRef idx="0">
-            <a:scrgbClr r="0" g="0" b="0"/>
-          </a:effectRef>
-          <a:fontRef idx="minor"/>
-        </p:style>
-        <p:txBody>
-          <a:bodyPr lIns="83880" tIns="41760" rIns="83880" bIns="41760" anchor="ctr">
-            <a:noAutofit/>
-          </a:bodyPr>
-          <a:lstStyle/>
-          <a:p>
-            <a:pPr algn="ctr" defTabSz="4022640">
-              <a:lnSpc>
-                <a:spcPct val="100000"/>
-              </a:lnSpc>
-            </a:pPr>
-            <a:r>
-              <a:rPr lang="en-US" sz="2000" b="1" u="none" strike="noStrike">
-                <a:solidFill>
-                  <a:schemeClr val="dk1"/>
-                </a:solidFill>
-                <a:effectLst/>
-                <a:uFillTx/>
-                <a:latin typeface="Calibri"/>
-              </a:rPr>
-              <a:t>REPLACE THIS BOX WITH YOUR ORGANIZATION’S</a:t>
-            </a:r>
-            <a:endParaRPr lang="en-US" sz="2000" b="0" u="none" strike="noStrike">
-              <a:solidFill>
-                <a:srgbClr val="000000"/>
-              </a:solidFill>
-              <a:effectLst/>
-              <a:uFillTx/>
-              <a:latin typeface="Arial"/>
-            </a:endParaRPr>
-          </a:p>
-          <a:p>
-            <a:pPr algn="ctr" defTabSz="4022640">
-              <a:lnSpc>
-                <a:spcPct val="100000"/>
-              </a:lnSpc>
-            </a:pPr>
-            <a:r>
-              <a:rPr lang="en-US" sz="2000" b="1" u="none" strike="noStrike">
-                <a:solidFill>
-                  <a:schemeClr val="dk1"/>
-                </a:solidFill>
-                <a:effectLst/>
-                <a:uFillTx/>
-                <a:latin typeface="Calibri"/>
-              </a:rPr>
-              <a:t>HIGH RESOLUTION LOGO</a:t>
-            </a:r>
-            <a:endParaRPr lang="en-US" sz="2000" b="0" u="none" strike="noStrike">
-              <a:solidFill>
-                <a:srgbClr val="000000"/>
-              </a:solidFill>
-              <a:effectLst/>
-              <a:uFillTx/>
-              <a:latin typeface="Arial"/>
-            </a:endParaRPr>
-          </a:p>
-        </p:txBody>
-      </p:sp>
       <p:pic>
         <p:nvPicPr>
           <p:cNvPr id="80" name="Picture 79">
@@ -10966,12 +13685,12 @@
           <p:nvPr/>
         </p:nvPicPr>
         <p:blipFill>
-          <a:blip r:embed="rId6"/>
+          <a:blip r:embed="rId5"/>
           <a:stretch/>
         </p:blipFill>
         <p:spPr>
           <a:xfrm>
-            <a:off x="10903320" y="39866760"/>
+            <a:off x="26842756" y="537935"/>
             <a:ext cx="4206051" cy="4023720"/>
           </a:xfrm>
           <a:prstGeom prst="rect">
@@ -11117,7 +13836,7 @@
           <p:nvPr/>
         </p:nvPicPr>
         <p:blipFill>
-          <a:blip r:embed="rId7"/>
+          <a:blip r:embed="rId6"/>
           <a:stretch/>
         </p:blipFill>
         <p:spPr>
@@ -11849,7 +14568,7 @@
           <p:nvPr/>
         </p:nvPicPr>
         <p:blipFill>
-          <a:blip r:embed="rId8"/>
+          <a:blip r:embed="rId7"/>
           <a:stretch>
             <a:fillRect/>
           </a:stretch>
